--- a/9.Deep_learning/class_3_module_9_deep learning_Loss_Functions Gradient Descent.pptx
+++ b/9.Deep_learning/class_3_module_9_deep learning_Loss_Functions Gradient Descent.pptx
@@ -5,64 +5,66 @@
     <p:sldMasterId id="2147483648" r:id="rId1"/>
   </p:sldMasterIdLst>
   <p:notesMasterIdLst>
-    <p:notesMasterId r:id="rId12"/>
+    <p:notesMasterId r:id="rId11"/>
   </p:notesMasterIdLst>
   <p:sldIdLst>
     <p:sldId id="368" r:id="rId3"/>
     <p:sldId id="281" r:id="rId4"/>
     <p:sldId id="317" r:id="rId5"/>
-    <p:sldId id="352" r:id="rId6"/>
-    <p:sldId id="403" r:id="rId7"/>
-    <p:sldId id="401" r:id="rId8"/>
-    <p:sldId id="402" r:id="rId9"/>
-    <p:sldId id="394" r:id="rId10"/>
-    <p:sldId id="393" r:id="rId11"/>
-    <p:sldId id="405" r:id="rId13"/>
-    <p:sldId id="406" r:id="rId14"/>
-    <p:sldId id="407" r:id="rId15"/>
-    <p:sldId id="404" r:id="rId16"/>
-    <p:sldId id="408" r:id="rId17"/>
-    <p:sldId id="409" r:id="rId18"/>
-    <p:sldId id="410" r:id="rId19"/>
-    <p:sldId id="412" r:id="rId20"/>
-    <p:sldId id="413" r:id="rId21"/>
-    <p:sldId id="411" r:id="rId22"/>
-    <p:sldId id="414" r:id="rId23"/>
-    <p:sldId id="415" r:id="rId24"/>
-    <p:sldId id="416" r:id="rId25"/>
-    <p:sldId id="418" r:id="rId26"/>
-    <p:sldId id="419" r:id="rId27"/>
-    <p:sldId id="420" r:id="rId28"/>
-    <p:sldId id="421" r:id="rId29"/>
-    <p:sldId id="425" r:id="rId30"/>
-    <p:sldId id="422" r:id="rId31"/>
-    <p:sldId id="423" r:id="rId32"/>
-    <p:sldId id="424" r:id="rId33"/>
-    <p:sldId id="369" r:id="rId34"/>
-    <p:sldId id="362" r:id="rId35"/>
-    <p:sldId id="396" r:id="rId36"/>
-    <p:sldId id="395" r:id="rId37"/>
-    <p:sldId id="363" r:id="rId38"/>
-    <p:sldId id="426" r:id="rId39"/>
-    <p:sldId id="427" r:id="rId40"/>
-    <p:sldId id="430" r:id="rId41"/>
-    <p:sldId id="428" r:id="rId42"/>
-    <p:sldId id="432" r:id="rId43"/>
-    <p:sldId id="429" r:id="rId44"/>
-    <p:sldId id="433" r:id="rId45"/>
-    <p:sldId id="431" r:id="rId46"/>
-    <p:sldId id="364" r:id="rId47"/>
-    <p:sldId id="365" r:id="rId48"/>
-    <p:sldId id="434" r:id="rId49"/>
-    <p:sldId id="435" r:id="rId50"/>
-    <p:sldId id="392" r:id="rId51"/>
-    <p:sldId id="398" r:id="rId52"/>
-    <p:sldId id="397" r:id="rId53"/>
-    <p:sldId id="436" r:id="rId54"/>
-    <p:sldId id="399" r:id="rId55"/>
-    <p:sldId id="437" r:id="rId56"/>
-    <p:sldId id="400" r:id="rId57"/>
-    <p:sldId id="438" r:id="rId58"/>
+    <p:sldId id="403" r:id="rId6"/>
+    <p:sldId id="401" r:id="rId7"/>
+    <p:sldId id="402" r:id="rId8"/>
+    <p:sldId id="394" r:id="rId9"/>
+    <p:sldId id="393" r:id="rId10"/>
+    <p:sldId id="405" r:id="rId12"/>
+    <p:sldId id="406" r:id="rId13"/>
+    <p:sldId id="407" r:id="rId14"/>
+    <p:sldId id="404" r:id="rId15"/>
+    <p:sldId id="408" r:id="rId16"/>
+    <p:sldId id="409" r:id="rId17"/>
+    <p:sldId id="410" r:id="rId18"/>
+    <p:sldId id="412" r:id="rId19"/>
+    <p:sldId id="413" r:id="rId20"/>
+    <p:sldId id="411" r:id="rId21"/>
+    <p:sldId id="414" r:id="rId22"/>
+    <p:sldId id="415" r:id="rId23"/>
+    <p:sldId id="416" r:id="rId24"/>
+    <p:sldId id="418" r:id="rId25"/>
+    <p:sldId id="419" r:id="rId26"/>
+    <p:sldId id="420" r:id="rId27"/>
+    <p:sldId id="421" r:id="rId28"/>
+    <p:sldId id="425" r:id="rId29"/>
+    <p:sldId id="422" r:id="rId30"/>
+    <p:sldId id="423" r:id="rId31"/>
+    <p:sldId id="424" r:id="rId32"/>
+    <p:sldId id="369" r:id="rId33"/>
+    <p:sldId id="362" r:id="rId34"/>
+    <p:sldId id="396" r:id="rId35"/>
+    <p:sldId id="395" r:id="rId36"/>
+    <p:sldId id="363" r:id="rId37"/>
+    <p:sldId id="426" r:id="rId38"/>
+    <p:sldId id="427" r:id="rId39"/>
+    <p:sldId id="430" r:id="rId40"/>
+    <p:sldId id="428" r:id="rId41"/>
+    <p:sldId id="432" r:id="rId42"/>
+    <p:sldId id="429" r:id="rId43"/>
+    <p:sldId id="433" r:id="rId44"/>
+    <p:sldId id="431" r:id="rId45"/>
+    <p:sldId id="364" r:id="rId46"/>
+    <p:sldId id="365" r:id="rId47"/>
+    <p:sldId id="434" r:id="rId48"/>
+    <p:sldId id="435" r:id="rId49"/>
+    <p:sldId id="392" r:id="rId50"/>
+    <p:sldId id="398" r:id="rId51"/>
+    <p:sldId id="397" r:id="rId52"/>
+    <p:sldId id="436" r:id="rId53"/>
+    <p:sldId id="440" r:id="rId54"/>
+    <p:sldId id="439" r:id="rId55"/>
+    <p:sldId id="441" r:id="rId56"/>
+    <p:sldId id="399" r:id="rId57"/>
+    <p:sldId id="437" r:id="rId58"/>
+    <p:sldId id="400" r:id="rId59"/>
+    <p:sldId id="438" r:id="rId60"/>
   </p:sldIdLst>
   <p:sldSz cx="12192000" cy="6858000"/>
   <p:notesSz cx="6858000" cy="9144000"/>
@@ -3687,7 +3689,7 @@
         <p:spPr>
           <a:xfrm>
             <a:off x="1281430" y="931545"/>
-            <a:ext cx="8239125" cy="1963420"/>
+            <a:ext cx="8239125" cy="2912745"/>
           </a:xfrm>
           <a:prstGeom prst="rect">
             <a:avLst/>
@@ -3767,6 +3769,49 @@
                 <a:sym typeface="+mn-ea"/>
               </a:rPr>
               <a:t>Gradient Descent</a:t>
+            </a:r>
+            <a:endParaRPr sz="6000" b="1">
+              <a:solidFill>
+                <a:srgbClr val="FF0000"/>
+              </a:solidFill>
+              <a:effectLst>
+                <a:outerShdw blurRad="38100" dist="38100" dir="2700000" algn="tl">
+                  <a:srgbClr val="000000">
+                    <a:alpha val="43137"/>
+                  </a:srgbClr>
+                </a:outerShdw>
+              </a:effectLst>
+              <a:latin typeface="Georgia" panose="02040502050405020303"/>
+              <a:ea typeface="Georgia" panose="02040502050405020303"/>
+              <a:sym typeface="+mn-ea"/>
+            </a:endParaRPr>
+          </a:p>
+          <a:p>
+            <a:pPr marL="0" indent="0" fontAlgn="base">
+              <a:spcBef>
+                <a:spcPct val="0"/>
+              </a:spcBef>
+              <a:spcAft>
+                <a:spcPts val="200"/>
+              </a:spcAft>
+            </a:pPr>
+            <a:r>
+              <a:rPr lang="en-US" sz="6000" b="1">
+                <a:solidFill>
+                  <a:srgbClr val="FF0000"/>
+                </a:solidFill>
+                <a:effectLst>
+                  <a:outerShdw blurRad="38100" dist="38100" dir="2700000" algn="tl">
+                    <a:srgbClr val="000000">
+                      <a:alpha val="43137"/>
+                    </a:srgbClr>
+                  </a:outerShdw>
+                </a:effectLst>
+                <a:latin typeface="Georgia" panose="02040502050405020303"/>
+                <a:ea typeface="Georgia" panose="02040502050405020303"/>
+                <a:sym typeface="+mn-ea"/>
+              </a:rPr>
+              <a:t>Optimizers </a:t>
             </a:r>
             <a:endParaRPr lang="en-US" sz="6000" b="1">
               <a:solidFill>
@@ -3812,405 +3857,6 @@
         </p:nvSpPr>
         <p:spPr>
           <a:xfrm>
-            <a:off x="0" y="0"/>
-            <a:ext cx="5239385" cy="6532245"/>
-          </a:xfrm>
-          <a:prstGeom prst="rect">
-            <a:avLst/>
-          </a:prstGeom>
-          <a:noFill/>
-        </p:spPr>
-        <p:txBody>
-          <a:bodyPr wrap="square" rtlCol="0" anchor="t">
-            <a:noAutofit/>
-          </a:bodyPr>
-          <a:p>
-            <a:pPr>
-              <a:spcAft>
-                <a:spcPct val="60000"/>
-              </a:spcAft>
-            </a:pPr>
-            <a:r>
-              <a:rPr sz="2300" b="1">
-                <a:sym typeface="+mn-ea"/>
-              </a:rPr>
-              <a:t>1.1</a:t>
-            </a:r>
-            <a:r>
-              <a:rPr sz="2300" b="1">
-                <a:solidFill>
-                  <a:srgbClr val="FF0000"/>
-                </a:solidFill>
-                <a:effectLst>
-                  <a:outerShdw blurRad="38100" dist="38100" dir="2700000" algn="tl">
-                    <a:srgbClr val="000000">
-                      <a:alpha val="43137"/>
-                    </a:srgbClr>
-                  </a:outerShdw>
-                </a:effectLst>
-                <a:sym typeface="+mn-ea"/>
-              </a:rPr>
-              <a:t> Mean Squared Error (MSE)</a:t>
-            </a:r>
-            <a:endParaRPr sz="2300" b="1"/>
-          </a:p>
-          <a:p>
-            <a:r>
-              <a:rPr sz="1600">
-                <a:sym typeface="+mn-ea"/>
-              </a:rPr>
-              <a:t>MSE measures the average squared difference between the actual and predicted values. It punishes large errors more than small ones.</a:t>
-            </a:r>
-            <a:endParaRPr sz="1600"/>
-          </a:p>
-          <a:p>
-            <a:pPr>
-              <a:spcAft>
-                <a:spcPct val="60000"/>
-              </a:spcAft>
-            </a:pPr>
-            <a:r>
-              <a:rPr sz="2200" b="1">
-                <a:sym typeface="+mn-ea"/>
-              </a:rPr>
-              <a:t>📝 Explanation:</a:t>
-            </a:r>
-            <a:endParaRPr sz="2200" b="1"/>
-          </a:p>
-          <a:p>
-            <a:pPr>
-              <a:buFont typeface="Arial" panose="020B0604020202020204"/>
-              <a:buChar char="•"/>
-            </a:pPr>
-            <a:r>
-              <a:rPr sz="1600">
-                <a:sym typeface="+mn-ea"/>
-              </a:rPr>
-              <a:t>MSE squares the error to ensure positive values and amplify large errors.</a:t>
-            </a:r>
-            <a:endParaRPr sz="1600"/>
-          </a:p>
-          <a:p>
-            <a:pPr>
-              <a:buFont typeface="Arial" panose="020B0604020202020204"/>
-              <a:buChar char="•"/>
-            </a:pPr>
-            <a:r>
-              <a:rPr sz="1600">
-                <a:sym typeface="+mn-ea"/>
-              </a:rPr>
-              <a:t>It helps models learn smooth predictions but is sensitive to outliers (since large errors get squared).</a:t>
-            </a:r>
-            <a:endParaRPr sz="1600"/>
-          </a:p>
-          <a:p>
-            <a:pPr>
-              <a:spcAft>
-                <a:spcPct val="60000"/>
-              </a:spcAft>
-            </a:pPr>
-            <a:r>
-              <a:rPr sz="2200" b="1">
-                <a:sym typeface="+mn-ea"/>
-              </a:rPr>
-              <a:t>💡 Use Cases:</a:t>
-            </a:r>
-            <a:endParaRPr sz="2200" b="1"/>
-          </a:p>
-          <a:p>
-            <a:r>
-              <a:rPr sz="1600">
-                <a:sym typeface="+mn-ea"/>
-              </a:rPr>
-              <a:t>✔ Predicting house prices</a:t>
-            </a:r>
-            <a:endParaRPr sz="1600"/>
-          </a:p>
-          <a:p>
-            <a:r>
-              <a:rPr sz="1600">
-                <a:sym typeface="+mn-ea"/>
-              </a:rPr>
-              <a:t> ✔ Forecasting stock prices</a:t>
-            </a:r>
-            <a:endParaRPr sz="1600"/>
-          </a:p>
-          <a:p>
-            <a:r>
-              <a:rPr sz="1600">
-                <a:sym typeface="+mn-ea"/>
-              </a:rPr>
-              <a:t> ✔ Estimating temperature trends</a:t>
-            </a:r>
-            <a:endParaRPr sz="1600"/>
-          </a:p>
-          <a:p>
-            <a:pPr>
-              <a:spcAft>
-                <a:spcPct val="60000"/>
-              </a:spcAft>
-            </a:pPr>
-            <a:r>
-              <a:rPr sz="2200" b="1">
-                <a:sym typeface="+mn-ea"/>
-              </a:rPr>
-              <a:t>🌎 Real-World Example:</a:t>
-            </a:r>
-            <a:endParaRPr sz="2200" b="1"/>
-          </a:p>
-          <a:p>
-            <a:pPr>
-              <a:buFont typeface="Arial" panose="020B0604020202020204"/>
-              <a:buChar char="•"/>
-            </a:pPr>
-            <a:r>
-              <a:rPr sz="1600">
-                <a:sym typeface="+mn-ea"/>
-              </a:rPr>
-              <a:t>Predicting real estate prices based on features like area, location, and amenities.</a:t>
-            </a:r>
-            <a:endParaRPr sz="1600"/>
-          </a:p>
-          <a:p>
-            <a:pPr>
-              <a:buFont typeface="Arial" panose="020B0604020202020204"/>
-              <a:buChar char="•"/>
-            </a:pPr>
-            <a:r>
-              <a:rPr sz="1600">
-                <a:sym typeface="+mn-ea"/>
-              </a:rPr>
-              <a:t>A model predicting house price as $250K, while the actual price is $260K, results in an error of $10K² = $100M$.</a:t>
-            </a:r>
-            <a:endParaRPr sz="1600"/>
-          </a:p>
-          <a:p>
-            <a:pPr>
-              <a:spcAft>
-                <a:spcPct val="60000"/>
-              </a:spcAft>
-            </a:pPr>
-            <a:endParaRPr lang="en-US" sz="2200" b="1">
-              <a:sym typeface="+mn-ea"/>
-            </a:endParaRPr>
-          </a:p>
-        </p:txBody>
-      </p:sp>
-      <p:sp>
-        <p:nvSpPr>
-          <p:cNvPr id="3" name="Text Box 2"/>
-          <p:cNvSpPr txBox="1"/>
-          <p:nvPr/>
-        </p:nvSpPr>
-        <p:spPr>
-          <a:xfrm>
-            <a:off x="5375275" y="80645"/>
-            <a:ext cx="6816725" cy="3411220"/>
-          </a:xfrm>
-          <a:prstGeom prst="rect">
-            <a:avLst/>
-          </a:prstGeom>
-          <a:noFill/>
-        </p:spPr>
-        <p:txBody>
-          <a:bodyPr wrap="square" rtlCol="0" anchor="t">
-            <a:noAutofit/>
-          </a:bodyPr>
-          <a:p>
-            <a:pPr>
-              <a:lnSpc>
-                <a:spcPct val="0"/>
-              </a:lnSpc>
-              <a:spcAft>
-                <a:spcPct val="60000"/>
-              </a:spcAft>
-            </a:pPr>
-            <a:r>
-              <a:rPr sz="2200" b="1">
-                <a:sym typeface="+mn-ea"/>
-              </a:rPr>
-              <a:t>✅ Pros:</a:t>
-            </a:r>
-            <a:endParaRPr sz="2200" b="1"/>
-          </a:p>
-          <a:p>
-            <a:r>
-              <a:rPr sz="1600">
-                <a:sym typeface="+mn-ea"/>
-              </a:rPr>
-              <a:t>✔ Simple and easy to compute.</a:t>
-            </a:r>
-            <a:endParaRPr sz="1600"/>
-          </a:p>
-          <a:p>
-            <a:r>
-              <a:rPr sz="1600">
-                <a:sym typeface="+mn-ea"/>
-              </a:rPr>
-              <a:t> ✔ Works well when errors are normally distributed.</a:t>
-            </a:r>
-            <a:endParaRPr sz="1600"/>
-          </a:p>
-          <a:p>
-            <a:pPr>
-              <a:spcAft>
-                <a:spcPct val="60000"/>
-              </a:spcAft>
-            </a:pPr>
-            <a:r>
-              <a:rPr sz="2200" b="1">
-                <a:sym typeface="+mn-ea"/>
-              </a:rPr>
-              <a:t>❌ Cons:</a:t>
-            </a:r>
-            <a:endParaRPr sz="2200" b="1"/>
-          </a:p>
-          <a:p>
-            <a:r>
-              <a:rPr sz="1600">
-                <a:sym typeface="+mn-ea"/>
-              </a:rPr>
-              <a:t>❌ Sensitive to outliers, as squared differences amplify large errors.</a:t>
-            </a:r>
-            <a:endParaRPr sz="1600"/>
-          </a:p>
-          <a:p>
-            <a:r>
-              <a:rPr sz="1600">
-                <a:sym typeface="+mn-ea"/>
-              </a:rPr>
-              <a:t> ❌ Not robust when dealing with skewed data.</a:t>
-            </a:r>
-            <a:endParaRPr sz="1600"/>
-          </a:p>
-          <a:p>
-            <a:pPr>
-              <a:spcAft>
-                <a:spcPct val="60000"/>
-              </a:spcAft>
-            </a:pPr>
-            <a:r>
-              <a:rPr sz="2200" b="1">
-                <a:sym typeface="+mn-ea"/>
-              </a:rPr>
-              <a:t>🛠 How to Overcome:</a:t>
-            </a:r>
-            <a:endParaRPr sz="2200" b="1"/>
-          </a:p>
-          <a:p>
-            <a:r>
-              <a:rPr sz="1600">
-                <a:sym typeface="+mn-ea"/>
-              </a:rPr>
-              <a:t>✔ Use Huber Loss or Log-Cosh Loss instead of MSE when outliers are present.</a:t>
-            </a:r>
-            <a:endParaRPr sz="1600"/>
-          </a:p>
-          <a:p>
-            <a:pPr>
-              <a:spcAft>
-                <a:spcPct val="60000"/>
-              </a:spcAft>
-            </a:pPr>
-            <a:r>
-              <a:rPr sz="2200" b="1">
-                <a:sym typeface="+mn-ea"/>
-              </a:rPr>
-              <a:t>📍 Where to Use:</a:t>
-            </a:r>
-            <a:endParaRPr sz="2200" b="1"/>
-          </a:p>
-          <a:p>
-            <a:r>
-              <a:rPr sz="1600">
-                <a:sym typeface="+mn-ea"/>
-              </a:rPr>
-              <a:t>✅ Regression models with normally distributed errors.</a:t>
-            </a:r>
-            <a:endParaRPr sz="1600"/>
-          </a:p>
-          <a:p>
-            <a:pPr>
-              <a:spcAft>
-                <a:spcPct val="60000"/>
-              </a:spcAft>
-            </a:pPr>
-            <a:endParaRPr lang="en-US" sz="2200" b="1">
-              <a:sym typeface="+mn-ea"/>
-            </a:endParaRPr>
-          </a:p>
-        </p:txBody>
-      </p:sp>
-      <p:pic>
-        <p:nvPicPr>
-          <p:cNvPr id="4" name="Picture 3"/>
-          <p:cNvPicPr/>
-          <p:nvPr/>
-        </p:nvPicPr>
-        <p:blipFill>
-          <a:blip r:embed="rId1"/>
-          <a:stretch>
-            <a:fillRect/>
-          </a:stretch>
-        </p:blipFill>
-        <p:spPr>
-          <a:xfrm>
-            <a:off x="493395" y="5818505"/>
-            <a:ext cx="4551045" cy="1039495"/>
-          </a:xfrm>
-          <a:prstGeom prst="rect">
-            <a:avLst/>
-          </a:prstGeom>
-        </p:spPr>
-      </p:pic>
-      <p:pic>
-        <p:nvPicPr>
-          <p:cNvPr id="5" name="Picture 4"/>
-          <p:cNvPicPr/>
-          <p:nvPr/>
-        </p:nvPicPr>
-        <p:blipFill>
-          <a:blip r:embed="rId2"/>
-          <a:stretch>
-            <a:fillRect/>
-          </a:stretch>
-        </p:blipFill>
-        <p:spPr>
-          <a:xfrm>
-            <a:off x="6336030" y="3579495"/>
-            <a:ext cx="5462905" cy="3278505"/>
-          </a:xfrm>
-          <a:prstGeom prst="rect">
-            <a:avLst/>
-          </a:prstGeom>
-        </p:spPr>
-      </p:pic>
-    </p:spTree>
-  </p:cSld>
-  <p:clrMapOvr>
-    <a:masterClrMapping/>
-  </p:clrMapOvr>
-</p:sld>
-</file>
-
-<file path=ppt/slides/slide11.xml><?xml version="1.0" encoding="utf-8"?>
-<p:sld xmlns:a="http://schemas.openxmlformats.org/drawingml/2006/main" xmlns:r="http://schemas.openxmlformats.org/officeDocument/2006/relationships" xmlns:p="http://schemas.openxmlformats.org/presentationml/2006/main">
-  <p:cSld>
-    <p:spTree>
-      <p:nvGrpSpPr>
-        <p:cNvPr id="1" name=""/>
-        <p:cNvGrpSpPr/>
-        <p:nvPr/>
-      </p:nvGrpSpPr>
-      <p:grpSpPr/>
-      <p:sp>
-        <p:nvSpPr>
-          <p:cNvPr id="2" name="Text Box 1"/>
-          <p:cNvSpPr txBox="1"/>
-          <p:nvPr/>
-        </p:nvSpPr>
-        <p:spPr>
-          <a:xfrm>
             <a:off x="262255" y="498475"/>
             <a:ext cx="11720195" cy="5107940"/>
           </a:xfrm>
@@ -4669,7 +4315,7 @@
 </p:sld>
 </file>
 
-<file path=ppt/slides/slide12.xml><?xml version="1.0" encoding="utf-8"?>
+<file path=ppt/slides/slide11.xml><?xml version="1.0" encoding="utf-8"?>
 <p:sld xmlns:a="http://schemas.openxmlformats.org/drawingml/2006/main" xmlns:r="http://schemas.openxmlformats.org/officeDocument/2006/relationships" xmlns:p="http://schemas.openxmlformats.org/presentationml/2006/main">
   <p:cSld>
     <p:spTree>
@@ -5137,7 +4783,7 @@
 </p:sld>
 </file>
 
-<file path=ppt/slides/slide13.xml><?xml version="1.0" encoding="utf-8"?>
+<file path=ppt/slides/slide12.xml><?xml version="1.0" encoding="utf-8"?>
 <p:sld xmlns:a="http://schemas.openxmlformats.org/drawingml/2006/main" xmlns:r="http://schemas.openxmlformats.org/officeDocument/2006/relationships" xmlns:p="http://schemas.openxmlformats.org/presentationml/2006/main">
   <p:cSld>
     <p:spTree>
@@ -5491,7 +5137,7 @@
 </p:sld>
 </file>
 
-<file path=ppt/slides/slide14.xml><?xml version="1.0" encoding="utf-8"?>
+<file path=ppt/slides/slide13.xml><?xml version="1.0" encoding="utf-8"?>
 <p:sld xmlns:a="http://schemas.openxmlformats.org/drawingml/2006/main" xmlns:r="http://schemas.openxmlformats.org/officeDocument/2006/relationships" xmlns:p="http://schemas.openxmlformats.org/presentationml/2006/main">
   <p:cSld>
     <p:spTree>
@@ -5554,7 +5200,7 @@
 </p:sld>
 </file>
 
-<file path=ppt/slides/slide15.xml><?xml version="1.0" encoding="utf-8"?>
+<file path=ppt/slides/slide14.xml><?xml version="1.0" encoding="utf-8"?>
 <p:sld xmlns:a="http://schemas.openxmlformats.org/drawingml/2006/main" xmlns:r="http://schemas.openxmlformats.org/officeDocument/2006/relationships" xmlns:p="http://schemas.openxmlformats.org/presentationml/2006/main">
   <p:cSld>
     <p:spTree>
@@ -5988,7 +5634,7 @@
 </p:sld>
 </file>
 
-<file path=ppt/slides/slide16.xml><?xml version="1.0" encoding="utf-8"?>
+<file path=ppt/slides/slide15.xml><?xml version="1.0" encoding="utf-8"?>
 <p:sld xmlns:a="http://schemas.openxmlformats.org/drawingml/2006/main" xmlns:r="http://schemas.openxmlformats.org/officeDocument/2006/relationships" xmlns:p="http://schemas.openxmlformats.org/presentationml/2006/main">
   <p:cSld>
     <p:spTree>
@@ -6363,7 +6009,7 @@
 </p:sld>
 </file>
 
-<file path=ppt/slides/slide17.xml><?xml version="1.0" encoding="utf-8"?>
+<file path=ppt/slides/slide16.xml><?xml version="1.0" encoding="utf-8"?>
 <p:sld xmlns:a="http://schemas.openxmlformats.org/drawingml/2006/main" xmlns:r="http://schemas.openxmlformats.org/officeDocument/2006/relationships" xmlns:p="http://schemas.openxmlformats.org/presentationml/2006/main">
   <p:cSld>
     <p:spTree>
@@ -7093,7 +6739,7 @@
 </p:sld>
 </file>
 
-<file path=ppt/slides/slide18.xml><?xml version="1.0" encoding="utf-8"?>
+<file path=ppt/slides/slide17.xml><?xml version="1.0" encoding="utf-8"?>
 <p:sld xmlns:a="http://schemas.openxmlformats.org/drawingml/2006/main" xmlns:r="http://schemas.openxmlformats.org/officeDocument/2006/relationships" xmlns:p="http://schemas.openxmlformats.org/presentationml/2006/main">
   <p:cSld>
     <p:spTree>
@@ -7476,7 +7122,7 @@
 </p:sld>
 </file>
 
-<file path=ppt/slides/slide19.xml><?xml version="1.0" encoding="utf-8"?>
+<file path=ppt/slides/slide18.xml><?xml version="1.0" encoding="utf-8"?>
 <p:sld xmlns:a="http://schemas.openxmlformats.org/drawingml/2006/main" xmlns:r="http://schemas.openxmlformats.org/officeDocument/2006/relationships" xmlns:p="http://schemas.openxmlformats.org/presentationml/2006/main">
   <p:cSld>
     <p:spTree>
@@ -7873,6 +7519,462 @@
           </a:prstGeom>
         </p:spPr>
       </p:pic>
+    </p:spTree>
+  </p:cSld>
+  <p:clrMapOvr>
+    <a:masterClrMapping/>
+  </p:clrMapOvr>
+</p:sld>
+</file>
+
+<file path=ppt/slides/slide19.xml><?xml version="1.0" encoding="utf-8"?>
+<p:sld xmlns:a="http://schemas.openxmlformats.org/drawingml/2006/main" xmlns:r="http://schemas.openxmlformats.org/officeDocument/2006/relationships" xmlns:p="http://schemas.openxmlformats.org/presentationml/2006/main">
+  <p:cSld>
+    <p:spTree>
+      <p:nvGrpSpPr>
+        <p:cNvPr id="1" name=""/>
+        <p:cNvGrpSpPr/>
+        <p:nvPr/>
+      </p:nvGrpSpPr>
+      <p:grpSpPr/>
+      <p:sp>
+        <p:nvSpPr>
+          <p:cNvPr id="2" name="Text Box 1"/>
+          <p:cNvSpPr txBox="1"/>
+          <p:nvPr/>
+        </p:nvSpPr>
+        <p:spPr>
+          <a:xfrm>
+            <a:off x="95885" y="151765"/>
+            <a:ext cx="12096115" cy="6062345"/>
+          </a:xfrm>
+          <a:prstGeom prst="rect">
+            <a:avLst/>
+          </a:prstGeom>
+        </p:spPr>
+        <p:txBody>
+          <a:bodyPr wrap="square">
+            <a:spAutoFit/>
+          </a:bodyPr>
+          <a:p>
+            <a:pPr marL="0" indent="0">
+              <a:spcBef>
+                <a:spcPct val="0"/>
+              </a:spcBef>
+              <a:spcAft>
+                <a:spcPts val="1000"/>
+              </a:spcAft>
+            </a:pPr>
+            <a:r>
+              <a:rPr lang="en-US" altLang="en-US" sz="1600" b="1" i="0">
+                <a:solidFill>
+                  <a:srgbClr val="001D35"/>
+                </a:solidFill>
+                <a:latin typeface="Arial" panose="020B0604020202020204" pitchFamily="34" charset="0"/>
+                <a:ea typeface="Google Sans"/>
+                <a:cs typeface="Arial" panose="020B0604020202020204" pitchFamily="34" charset="0"/>
+              </a:rPr>
+              <a:t>Binary Cross-Entropy (BCE), </a:t>
+            </a:r>
+            <a:r>
+              <a:rPr lang="en-US" altLang="en-US" sz="1600" b="0" i="0">
+                <a:solidFill>
+                  <a:srgbClr val="001D35"/>
+                </a:solidFill>
+                <a:latin typeface="Arial" panose="020B0604020202020204" pitchFamily="34" charset="0"/>
+                <a:ea typeface="Google Sans"/>
+                <a:cs typeface="Arial" panose="020B0604020202020204" pitchFamily="34" charset="0"/>
+              </a:rPr>
+              <a:t>also known as log loss, is a loss function used in machine learning, particularly for binary classification problems, that measures the difference between predicted probabilities and actual binary labels, penalizing incorrect predictions more heavily. </a:t>
+            </a:r>
+            <a:endParaRPr lang="en-US" altLang="en-US" sz="1600" b="0" i="0">
+              <a:solidFill>
+                <a:srgbClr val="001D35"/>
+              </a:solidFill>
+              <a:latin typeface="Arial" panose="020B0604020202020204" pitchFamily="34" charset="0"/>
+              <a:ea typeface="Google Sans"/>
+              <a:cs typeface="Arial" panose="020B0604020202020204" pitchFamily="34" charset="0"/>
+            </a:endParaRPr>
+          </a:p>
+          <a:p>
+            <a:pPr marL="0" indent="0">
+              <a:spcBef>
+                <a:spcPct val="0"/>
+              </a:spcBef>
+              <a:spcAft>
+                <a:spcPts val="1000"/>
+              </a:spcAft>
+            </a:pPr>
+            <a:r>
+              <a:rPr lang="en-US" altLang="en-US" sz="1600" b="1" i="0">
+                <a:solidFill>
+                  <a:srgbClr val="001D35"/>
+                </a:solidFill>
+                <a:latin typeface="Arial" panose="020B0604020202020204" pitchFamily="34" charset="0"/>
+                <a:ea typeface="Google Sans"/>
+                <a:cs typeface="Arial" panose="020B0604020202020204" pitchFamily="34" charset="0"/>
+              </a:rPr>
+              <a:t>Here's a more detailed explanation:</a:t>
+            </a:r>
+            <a:endParaRPr lang="en-US" altLang="en-US" sz="1600" b="1" i="0">
+              <a:solidFill>
+                <a:srgbClr val="001D35"/>
+              </a:solidFill>
+              <a:latin typeface="Arial" panose="020B0604020202020204" pitchFamily="34" charset="0"/>
+              <a:ea typeface="Google Sans"/>
+              <a:cs typeface="Arial" panose="020B0604020202020204" pitchFamily="34" charset="0"/>
+            </a:endParaRPr>
+          </a:p>
+          <a:p>
+            <a:pPr marL="0" indent="0">
+              <a:spcBef>
+                <a:spcPct val="0"/>
+              </a:spcBef>
+              <a:spcAft>
+                <a:spcPts val="1000"/>
+              </a:spcAft>
+            </a:pPr>
+            <a:r>
+              <a:rPr lang="en-US" altLang="en-US" sz="1600" b="1" i="0">
+                <a:solidFill>
+                  <a:srgbClr val="001D35"/>
+                </a:solidFill>
+                <a:latin typeface="Arial" panose="020B0604020202020204" pitchFamily="34" charset="0"/>
+                <a:ea typeface="Google Sans"/>
+                <a:cs typeface="Arial" panose="020B0604020202020204" pitchFamily="34" charset="0"/>
+              </a:rPr>
+              <a:t>What it is:</a:t>
+            </a:r>
+            <a:endParaRPr lang="en-US" altLang="en-US" sz="1600" b="1" i="0">
+              <a:solidFill>
+                <a:srgbClr val="001D35"/>
+              </a:solidFill>
+              <a:latin typeface="Arial" panose="020B0604020202020204" pitchFamily="34" charset="0"/>
+              <a:ea typeface="Google Sans"/>
+              <a:cs typeface="Arial" panose="020B0604020202020204" pitchFamily="34" charset="0"/>
+            </a:endParaRPr>
+          </a:p>
+          <a:p>
+            <a:pPr marL="457200" lvl="1" indent="0">
+              <a:spcBef>
+                <a:spcPct val="0"/>
+              </a:spcBef>
+              <a:spcAft>
+                <a:spcPts val="1000"/>
+              </a:spcAft>
+            </a:pPr>
+            <a:r>
+              <a:rPr lang="en-US" altLang="en-US" sz="1600" b="1" i="0">
+                <a:solidFill>
+                  <a:srgbClr val="001D35"/>
+                </a:solidFill>
+                <a:latin typeface="Arial" panose="020B0604020202020204" pitchFamily="34" charset="0"/>
+                <a:ea typeface="Google Sans"/>
+                <a:cs typeface="Arial" panose="020B0604020202020204" pitchFamily="34" charset="0"/>
+              </a:rPr>
+              <a:t>Loss Function:</a:t>
+            </a:r>
+            <a:endParaRPr lang="en-US" altLang="en-US" sz="1600" b="1" i="0">
+              <a:solidFill>
+                <a:srgbClr val="001D35"/>
+              </a:solidFill>
+              <a:latin typeface="Arial" panose="020B0604020202020204" pitchFamily="34" charset="0"/>
+              <a:ea typeface="Google Sans"/>
+              <a:cs typeface="Arial" panose="020B0604020202020204" pitchFamily="34" charset="0"/>
+            </a:endParaRPr>
+          </a:p>
+          <a:p>
+            <a:pPr marL="457200" lvl="1" indent="0">
+              <a:spcBef>
+                <a:spcPct val="0"/>
+              </a:spcBef>
+              <a:spcAft>
+                <a:spcPts val="1000"/>
+              </a:spcAft>
+            </a:pPr>
+            <a:r>
+              <a:rPr lang="en-US" altLang="en-US" sz="1600" b="0" i="0">
+                <a:solidFill>
+                  <a:srgbClr val="001D35"/>
+                </a:solidFill>
+                <a:latin typeface="Arial" panose="020B0604020202020204" pitchFamily="34" charset="0"/>
+                <a:ea typeface="Google Sans"/>
+                <a:cs typeface="Arial" panose="020B0604020202020204" pitchFamily="34" charset="0"/>
+              </a:rPr>
+              <a:t>BCE is a loss function used to quantify the difference between a model's predictions and the true labels in binary classification tasks. </a:t>
+            </a:r>
+            <a:endParaRPr lang="en-US" altLang="en-US" sz="1600" b="0" i="0">
+              <a:solidFill>
+                <a:srgbClr val="001D35"/>
+              </a:solidFill>
+              <a:latin typeface="Arial" panose="020B0604020202020204" pitchFamily="34" charset="0"/>
+              <a:ea typeface="Google Sans"/>
+              <a:cs typeface="Arial" panose="020B0604020202020204" pitchFamily="34" charset="0"/>
+            </a:endParaRPr>
+          </a:p>
+          <a:p>
+            <a:pPr marL="457200" lvl="1" indent="0">
+              <a:spcBef>
+                <a:spcPct val="0"/>
+              </a:spcBef>
+              <a:spcAft>
+                <a:spcPts val="1000"/>
+              </a:spcAft>
+            </a:pPr>
+            <a:r>
+              <a:rPr lang="en-US" altLang="en-US" sz="1600" b="1" i="0">
+                <a:solidFill>
+                  <a:srgbClr val="001D35"/>
+                </a:solidFill>
+                <a:latin typeface="Arial" panose="020B0604020202020204" pitchFamily="34" charset="0"/>
+                <a:ea typeface="Google Sans"/>
+                <a:cs typeface="Arial" panose="020B0604020202020204" pitchFamily="34" charset="0"/>
+              </a:rPr>
+              <a:t>Binary Classification:</a:t>
+            </a:r>
+            <a:endParaRPr lang="en-US" altLang="en-US" sz="1600" b="1" i="0">
+              <a:solidFill>
+                <a:srgbClr val="001D35"/>
+              </a:solidFill>
+              <a:latin typeface="Arial" panose="020B0604020202020204" pitchFamily="34" charset="0"/>
+              <a:ea typeface="Google Sans"/>
+              <a:cs typeface="Arial" panose="020B0604020202020204" pitchFamily="34" charset="0"/>
+            </a:endParaRPr>
+          </a:p>
+          <a:p>
+            <a:pPr marL="457200" lvl="1" indent="0">
+              <a:spcBef>
+                <a:spcPct val="0"/>
+              </a:spcBef>
+              <a:spcAft>
+                <a:spcPts val="1000"/>
+              </a:spcAft>
+            </a:pPr>
+            <a:r>
+              <a:rPr lang="en-US" altLang="en-US" sz="1600" b="0" i="0">
+                <a:solidFill>
+                  <a:srgbClr val="001D35"/>
+                </a:solidFill>
+                <a:latin typeface="Arial" panose="020B0604020202020204" pitchFamily="34" charset="0"/>
+                <a:ea typeface="Google Sans"/>
+                <a:cs typeface="Arial" panose="020B0604020202020204" pitchFamily="34" charset="0"/>
+              </a:rPr>
+              <a:t>It's specifically designed for problems where there are only two possible outcomes (e.g., 0 or 1, yes or no, true or false). </a:t>
+            </a:r>
+            <a:endParaRPr lang="en-US" altLang="en-US" sz="1600" b="0" i="0">
+              <a:solidFill>
+                <a:srgbClr val="001D35"/>
+              </a:solidFill>
+              <a:latin typeface="Arial" panose="020B0604020202020204" pitchFamily="34" charset="0"/>
+              <a:ea typeface="Google Sans"/>
+              <a:cs typeface="Arial" panose="020B0604020202020204" pitchFamily="34" charset="0"/>
+            </a:endParaRPr>
+          </a:p>
+          <a:p>
+            <a:pPr marL="0" indent="0">
+              <a:spcBef>
+                <a:spcPct val="0"/>
+              </a:spcBef>
+              <a:spcAft>
+                <a:spcPts val="1000"/>
+              </a:spcAft>
+            </a:pPr>
+            <a:r>
+              <a:rPr lang="en-US" altLang="en-US" sz="1600" b="1" i="0">
+                <a:solidFill>
+                  <a:srgbClr val="001D35"/>
+                </a:solidFill>
+                <a:latin typeface="Arial" panose="020B0604020202020204" pitchFamily="34" charset="0"/>
+                <a:ea typeface="Google Sans"/>
+                <a:cs typeface="Arial" panose="020B0604020202020204" pitchFamily="34" charset="0"/>
+              </a:rPr>
+              <a:t>Logarithmic Nature:</a:t>
+            </a:r>
+            <a:endParaRPr lang="en-US" altLang="en-US" sz="1600" b="1" i="0">
+              <a:solidFill>
+                <a:srgbClr val="001D35"/>
+              </a:solidFill>
+              <a:latin typeface="Arial" panose="020B0604020202020204" pitchFamily="34" charset="0"/>
+              <a:ea typeface="Google Sans"/>
+              <a:cs typeface="Arial" panose="020B0604020202020204" pitchFamily="34" charset="0"/>
+            </a:endParaRPr>
+          </a:p>
+          <a:p>
+            <a:pPr marL="457200" lvl="1" indent="0">
+              <a:spcBef>
+                <a:spcPct val="0"/>
+              </a:spcBef>
+              <a:spcAft>
+                <a:spcPts val="1000"/>
+              </a:spcAft>
+            </a:pPr>
+            <a:r>
+              <a:rPr lang="en-US" altLang="en-US" sz="1600" b="0" i="0">
+                <a:solidFill>
+                  <a:srgbClr val="001D35"/>
+                </a:solidFill>
+                <a:latin typeface="Arial" panose="020B0604020202020204" pitchFamily="34" charset="0"/>
+                <a:ea typeface="Google Sans"/>
+                <a:cs typeface="Arial" panose="020B0604020202020204" pitchFamily="34" charset="0"/>
+              </a:rPr>
+              <a:t>BCE's logarithmic nature means that it penalizes incorrect predictions more severely, especially when the model is highly confident in a wrong prediction. </a:t>
+            </a:r>
+            <a:endParaRPr lang="en-US" altLang="en-US" sz="1600" b="0" i="0">
+              <a:solidFill>
+                <a:srgbClr val="001D35"/>
+              </a:solidFill>
+              <a:latin typeface="Arial" panose="020B0604020202020204" pitchFamily="34" charset="0"/>
+              <a:ea typeface="Google Sans"/>
+              <a:cs typeface="Arial" panose="020B0604020202020204" pitchFamily="34" charset="0"/>
+            </a:endParaRPr>
+          </a:p>
+          <a:p>
+            <a:pPr marL="0" indent="0">
+              <a:spcBef>
+                <a:spcPct val="0"/>
+              </a:spcBef>
+              <a:spcAft>
+                <a:spcPts val="1000"/>
+              </a:spcAft>
+            </a:pPr>
+            <a:r>
+              <a:rPr lang="en-US" altLang="en-US" sz="1600" b="1" i="0">
+                <a:solidFill>
+                  <a:srgbClr val="001D35"/>
+                </a:solidFill>
+                <a:latin typeface="Arial" panose="020B0604020202020204" pitchFamily="34" charset="0"/>
+                <a:ea typeface="Google Sans"/>
+                <a:cs typeface="Arial" panose="020B0604020202020204" pitchFamily="34" charset="0"/>
+              </a:rPr>
+              <a:t>Predicted Probabilities:</a:t>
+            </a:r>
+            <a:endParaRPr lang="en-US" altLang="en-US" sz="1600" b="1" i="0">
+              <a:solidFill>
+                <a:srgbClr val="001D35"/>
+              </a:solidFill>
+              <a:latin typeface="Arial" panose="020B0604020202020204" pitchFamily="34" charset="0"/>
+              <a:ea typeface="Google Sans"/>
+              <a:cs typeface="Arial" panose="020B0604020202020204" pitchFamily="34" charset="0"/>
+            </a:endParaRPr>
+          </a:p>
+          <a:p>
+            <a:pPr marL="457200" lvl="1" indent="0">
+              <a:spcBef>
+                <a:spcPct val="0"/>
+              </a:spcBef>
+              <a:spcAft>
+                <a:spcPts val="1000"/>
+              </a:spcAft>
+            </a:pPr>
+            <a:r>
+              <a:rPr lang="en-US" altLang="en-US" sz="1600" b="0" i="0">
+                <a:solidFill>
+                  <a:srgbClr val="001D35"/>
+                </a:solidFill>
+                <a:latin typeface="Arial" panose="020B0604020202020204" pitchFamily="34" charset="0"/>
+                <a:ea typeface="Google Sans"/>
+                <a:cs typeface="Arial" panose="020B0604020202020204" pitchFamily="34" charset="0"/>
+              </a:rPr>
+              <a:t>The model outputs a probability (between 0 and 1) representing the likelihood of the positive class, and BCE compares these probabilities with the actual binary labels (0 or 1). </a:t>
+            </a:r>
+            <a:endParaRPr lang="en-US" altLang="en-US" sz="1600" b="0" i="0">
+              <a:solidFill>
+                <a:srgbClr val="001D35"/>
+              </a:solidFill>
+              <a:latin typeface="Arial" panose="020B0604020202020204" pitchFamily="34" charset="0"/>
+              <a:ea typeface="Google Sans"/>
+              <a:cs typeface="Arial" panose="020B0604020202020204" pitchFamily="34" charset="0"/>
+            </a:endParaRPr>
+          </a:p>
+          <a:p>
+            <a:pPr marL="0" indent="0">
+              <a:spcBef>
+                <a:spcPct val="0"/>
+              </a:spcBef>
+              <a:spcAft>
+                <a:spcPts val="1000"/>
+              </a:spcAft>
+            </a:pPr>
+            <a:r>
+              <a:rPr lang="en-US" altLang="en-US" sz="1600" b="1" i="0">
+                <a:solidFill>
+                  <a:srgbClr val="001D35"/>
+                </a:solidFill>
+                <a:latin typeface="Arial" panose="020B0604020202020204" pitchFamily="34" charset="0"/>
+                <a:ea typeface="Google Sans"/>
+                <a:cs typeface="Arial" panose="020B0604020202020204" pitchFamily="34" charset="0"/>
+              </a:rPr>
+              <a:t>Penalties:</a:t>
+            </a:r>
+            <a:endParaRPr lang="en-US" altLang="en-US" sz="1600" b="1" i="0">
+              <a:solidFill>
+                <a:srgbClr val="001D35"/>
+              </a:solidFill>
+              <a:latin typeface="Arial" panose="020B0604020202020204" pitchFamily="34" charset="0"/>
+              <a:ea typeface="Google Sans"/>
+              <a:cs typeface="Arial" panose="020B0604020202020204" pitchFamily="34" charset="0"/>
+            </a:endParaRPr>
+          </a:p>
+          <a:p>
+            <a:pPr marL="457200" lvl="1" indent="0">
+              <a:spcBef>
+                <a:spcPct val="0"/>
+              </a:spcBef>
+              <a:spcAft>
+                <a:spcPts val="1000"/>
+              </a:spcAft>
+            </a:pPr>
+            <a:r>
+              <a:rPr lang="en-US" altLang="en-US" sz="1600" b="0" i="0">
+                <a:solidFill>
+                  <a:srgbClr val="001D35"/>
+                </a:solidFill>
+                <a:latin typeface="Arial" panose="020B0604020202020204" pitchFamily="34" charset="0"/>
+                <a:ea typeface="Google Sans"/>
+                <a:cs typeface="Arial" panose="020B0604020202020204" pitchFamily="34" charset="0"/>
+              </a:rPr>
+              <a:t>A high predicted probability for the wrong class or a low predicted probability for the correct class results in a higher loss value. </a:t>
+            </a:r>
+            <a:endParaRPr lang="en-US" altLang="en-US" sz="1600" b="0" i="0">
+              <a:solidFill>
+                <a:srgbClr val="001D35"/>
+              </a:solidFill>
+              <a:latin typeface="Arial" panose="020B0604020202020204" pitchFamily="34" charset="0"/>
+              <a:ea typeface="Google Sans"/>
+              <a:cs typeface="Arial" panose="020B0604020202020204" pitchFamily="34" charset="0"/>
+            </a:endParaRPr>
+          </a:p>
+        </p:txBody>
+      </p:sp>
+      <p:sp>
+        <p:nvSpPr>
+          <p:cNvPr id="3" name="Text Box 2"/>
+          <p:cNvSpPr txBox="1"/>
+          <p:nvPr/>
+        </p:nvSpPr>
+        <p:spPr>
+          <a:xfrm>
+            <a:off x="298450" y="6214110"/>
+            <a:ext cx="10580370" cy="368300"/>
+          </a:xfrm>
+          <a:prstGeom prst="rect">
+            <a:avLst/>
+          </a:prstGeom>
+          <a:noFill/>
+        </p:spPr>
+        <p:txBody>
+          <a:bodyPr wrap="square" rtlCol="0" anchor="t">
+            <a:spAutoFit/>
+          </a:bodyPr>
+          <a:p>
+            <a:r>
+              <a:rPr lang="en-US" altLang="en-US"/>
+              <a:t>https://www.analyticsvidhya.com/blog/2021/03/binary-cross-entropy-log-loss-for-binary-classification</a:t>
+            </a:r>
+            <a:endParaRPr lang="en-US"/>
+          </a:p>
+        </p:txBody>
+      </p:sp>
     </p:spTree>
   </p:cSld>
   <p:clrMapOvr>
@@ -8061,433 +8163,6 @@
         </p:nvSpPr>
         <p:spPr>
           <a:xfrm>
-            <a:off x="95885" y="151765"/>
-            <a:ext cx="12096115" cy="6062345"/>
-          </a:xfrm>
-          <a:prstGeom prst="rect">
-            <a:avLst/>
-          </a:prstGeom>
-        </p:spPr>
-        <p:txBody>
-          <a:bodyPr wrap="square">
-            <a:spAutoFit/>
-          </a:bodyPr>
-          <a:p>
-            <a:pPr marL="0" indent="0">
-              <a:spcBef>
-                <a:spcPct val="0"/>
-              </a:spcBef>
-              <a:spcAft>
-                <a:spcPts val="1000"/>
-              </a:spcAft>
-            </a:pPr>
-            <a:r>
-              <a:rPr lang="en-US" altLang="en-US" sz="1600" b="1" i="0">
-                <a:solidFill>
-                  <a:srgbClr val="001D35"/>
-                </a:solidFill>
-                <a:latin typeface="Arial" panose="020B0604020202020204" pitchFamily="34" charset="0"/>
-                <a:ea typeface="Google Sans"/>
-                <a:cs typeface="Arial" panose="020B0604020202020204" pitchFamily="34" charset="0"/>
-              </a:rPr>
-              <a:t>Binary Cross-Entropy (BCE), </a:t>
-            </a:r>
-            <a:r>
-              <a:rPr lang="en-US" altLang="en-US" sz="1600" b="0" i="0">
-                <a:solidFill>
-                  <a:srgbClr val="001D35"/>
-                </a:solidFill>
-                <a:latin typeface="Arial" panose="020B0604020202020204" pitchFamily="34" charset="0"/>
-                <a:ea typeface="Google Sans"/>
-                <a:cs typeface="Arial" panose="020B0604020202020204" pitchFamily="34" charset="0"/>
-              </a:rPr>
-              <a:t>also known as log loss, is a loss function used in machine learning, particularly for binary classification problems, that measures the difference between predicted probabilities and actual binary labels, penalizing incorrect predictions more heavily. </a:t>
-            </a:r>
-            <a:endParaRPr lang="en-US" altLang="en-US" sz="1600" b="0" i="0">
-              <a:solidFill>
-                <a:srgbClr val="001D35"/>
-              </a:solidFill>
-              <a:latin typeface="Arial" panose="020B0604020202020204" pitchFamily="34" charset="0"/>
-              <a:ea typeface="Google Sans"/>
-              <a:cs typeface="Arial" panose="020B0604020202020204" pitchFamily="34" charset="0"/>
-            </a:endParaRPr>
-          </a:p>
-          <a:p>
-            <a:pPr marL="0" indent="0">
-              <a:spcBef>
-                <a:spcPct val="0"/>
-              </a:spcBef>
-              <a:spcAft>
-                <a:spcPts val="1000"/>
-              </a:spcAft>
-            </a:pPr>
-            <a:r>
-              <a:rPr lang="en-US" altLang="en-US" sz="1600" b="1" i="0">
-                <a:solidFill>
-                  <a:srgbClr val="001D35"/>
-                </a:solidFill>
-                <a:latin typeface="Arial" panose="020B0604020202020204" pitchFamily="34" charset="0"/>
-                <a:ea typeface="Google Sans"/>
-                <a:cs typeface="Arial" panose="020B0604020202020204" pitchFamily="34" charset="0"/>
-              </a:rPr>
-              <a:t>Here's a more detailed explanation:</a:t>
-            </a:r>
-            <a:endParaRPr lang="en-US" altLang="en-US" sz="1600" b="1" i="0">
-              <a:solidFill>
-                <a:srgbClr val="001D35"/>
-              </a:solidFill>
-              <a:latin typeface="Arial" panose="020B0604020202020204" pitchFamily="34" charset="0"/>
-              <a:ea typeface="Google Sans"/>
-              <a:cs typeface="Arial" panose="020B0604020202020204" pitchFamily="34" charset="0"/>
-            </a:endParaRPr>
-          </a:p>
-          <a:p>
-            <a:pPr marL="0" indent="0">
-              <a:spcBef>
-                <a:spcPct val="0"/>
-              </a:spcBef>
-              <a:spcAft>
-                <a:spcPts val="1000"/>
-              </a:spcAft>
-            </a:pPr>
-            <a:r>
-              <a:rPr lang="en-US" altLang="en-US" sz="1600" b="1" i="0">
-                <a:solidFill>
-                  <a:srgbClr val="001D35"/>
-                </a:solidFill>
-                <a:latin typeface="Arial" panose="020B0604020202020204" pitchFamily="34" charset="0"/>
-                <a:ea typeface="Google Sans"/>
-                <a:cs typeface="Arial" panose="020B0604020202020204" pitchFamily="34" charset="0"/>
-              </a:rPr>
-              <a:t>What it is:</a:t>
-            </a:r>
-            <a:endParaRPr lang="en-US" altLang="en-US" sz="1600" b="1" i="0">
-              <a:solidFill>
-                <a:srgbClr val="001D35"/>
-              </a:solidFill>
-              <a:latin typeface="Arial" panose="020B0604020202020204" pitchFamily="34" charset="0"/>
-              <a:ea typeface="Google Sans"/>
-              <a:cs typeface="Arial" panose="020B0604020202020204" pitchFamily="34" charset="0"/>
-            </a:endParaRPr>
-          </a:p>
-          <a:p>
-            <a:pPr marL="457200" lvl="1" indent="0">
-              <a:spcBef>
-                <a:spcPct val="0"/>
-              </a:spcBef>
-              <a:spcAft>
-                <a:spcPts val="1000"/>
-              </a:spcAft>
-            </a:pPr>
-            <a:r>
-              <a:rPr lang="en-US" altLang="en-US" sz="1600" b="1" i="0">
-                <a:solidFill>
-                  <a:srgbClr val="001D35"/>
-                </a:solidFill>
-                <a:latin typeface="Arial" panose="020B0604020202020204" pitchFamily="34" charset="0"/>
-                <a:ea typeface="Google Sans"/>
-                <a:cs typeface="Arial" panose="020B0604020202020204" pitchFamily="34" charset="0"/>
-              </a:rPr>
-              <a:t>Loss Function:</a:t>
-            </a:r>
-            <a:endParaRPr lang="en-US" altLang="en-US" sz="1600" b="1" i="0">
-              <a:solidFill>
-                <a:srgbClr val="001D35"/>
-              </a:solidFill>
-              <a:latin typeface="Arial" panose="020B0604020202020204" pitchFamily="34" charset="0"/>
-              <a:ea typeface="Google Sans"/>
-              <a:cs typeface="Arial" panose="020B0604020202020204" pitchFamily="34" charset="0"/>
-            </a:endParaRPr>
-          </a:p>
-          <a:p>
-            <a:pPr marL="457200" lvl="1" indent="0">
-              <a:spcBef>
-                <a:spcPct val="0"/>
-              </a:spcBef>
-              <a:spcAft>
-                <a:spcPts val="1000"/>
-              </a:spcAft>
-            </a:pPr>
-            <a:r>
-              <a:rPr lang="en-US" altLang="en-US" sz="1600" b="0" i="0">
-                <a:solidFill>
-                  <a:srgbClr val="001D35"/>
-                </a:solidFill>
-                <a:latin typeface="Arial" panose="020B0604020202020204" pitchFamily="34" charset="0"/>
-                <a:ea typeface="Google Sans"/>
-                <a:cs typeface="Arial" panose="020B0604020202020204" pitchFamily="34" charset="0"/>
-              </a:rPr>
-              <a:t>BCE is a loss function used to quantify the difference between a model's predictions and the true labels in binary classification tasks. </a:t>
-            </a:r>
-            <a:endParaRPr lang="en-US" altLang="en-US" sz="1600" b="0" i="0">
-              <a:solidFill>
-                <a:srgbClr val="001D35"/>
-              </a:solidFill>
-              <a:latin typeface="Arial" panose="020B0604020202020204" pitchFamily="34" charset="0"/>
-              <a:ea typeface="Google Sans"/>
-              <a:cs typeface="Arial" panose="020B0604020202020204" pitchFamily="34" charset="0"/>
-            </a:endParaRPr>
-          </a:p>
-          <a:p>
-            <a:pPr marL="457200" lvl="1" indent="0">
-              <a:spcBef>
-                <a:spcPct val="0"/>
-              </a:spcBef>
-              <a:spcAft>
-                <a:spcPts val="1000"/>
-              </a:spcAft>
-            </a:pPr>
-            <a:r>
-              <a:rPr lang="en-US" altLang="en-US" sz="1600" b="1" i="0">
-                <a:solidFill>
-                  <a:srgbClr val="001D35"/>
-                </a:solidFill>
-                <a:latin typeface="Arial" panose="020B0604020202020204" pitchFamily="34" charset="0"/>
-                <a:ea typeface="Google Sans"/>
-                <a:cs typeface="Arial" panose="020B0604020202020204" pitchFamily="34" charset="0"/>
-              </a:rPr>
-              <a:t>Binary Classification:</a:t>
-            </a:r>
-            <a:endParaRPr lang="en-US" altLang="en-US" sz="1600" b="1" i="0">
-              <a:solidFill>
-                <a:srgbClr val="001D35"/>
-              </a:solidFill>
-              <a:latin typeface="Arial" panose="020B0604020202020204" pitchFamily="34" charset="0"/>
-              <a:ea typeface="Google Sans"/>
-              <a:cs typeface="Arial" panose="020B0604020202020204" pitchFamily="34" charset="0"/>
-            </a:endParaRPr>
-          </a:p>
-          <a:p>
-            <a:pPr marL="457200" lvl="1" indent="0">
-              <a:spcBef>
-                <a:spcPct val="0"/>
-              </a:spcBef>
-              <a:spcAft>
-                <a:spcPts val="1000"/>
-              </a:spcAft>
-            </a:pPr>
-            <a:r>
-              <a:rPr lang="en-US" altLang="en-US" sz="1600" b="0" i="0">
-                <a:solidFill>
-                  <a:srgbClr val="001D35"/>
-                </a:solidFill>
-                <a:latin typeface="Arial" panose="020B0604020202020204" pitchFamily="34" charset="0"/>
-                <a:ea typeface="Google Sans"/>
-                <a:cs typeface="Arial" panose="020B0604020202020204" pitchFamily="34" charset="0"/>
-              </a:rPr>
-              <a:t>It's specifically designed for problems where there are only two possible outcomes (e.g., 0 or 1, yes or no, true or false). </a:t>
-            </a:r>
-            <a:endParaRPr lang="en-US" altLang="en-US" sz="1600" b="0" i="0">
-              <a:solidFill>
-                <a:srgbClr val="001D35"/>
-              </a:solidFill>
-              <a:latin typeface="Arial" panose="020B0604020202020204" pitchFamily="34" charset="0"/>
-              <a:ea typeface="Google Sans"/>
-              <a:cs typeface="Arial" panose="020B0604020202020204" pitchFamily="34" charset="0"/>
-            </a:endParaRPr>
-          </a:p>
-          <a:p>
-            <a:pPr marL="0" indent="0">
-              <a:spcBef>
-                <a:spcPct val="0"/>
-              </a:spcBef>
-              <a:spcAft>
-                <a:spcPts val="1000"/>
-              </a:spcAft>
-            </a:pPr>
-            <a:r>
-              <a:rPr lang="en-US" altLang="en-US" sz="1600" b="1" i="0">
-                <a:solidFill>
-                  <a:srgbClr val="001D35"/>
-                </a:solidFill>
-                <a:latin typeface="Arial" panose="020B0604020202020204" pitchFamily="34" charset="0"/>
-                <a:ea typeface="Google Sans"/>
-                <a:cs typeface="Arial" panose="020B0604020202020204" pitchFamily="34" charset="0"/>
-              </a:rPr>
-              <a:t>Logarithmic Nature:</a:t>
-            </a:r>
-            <a:endParaRPr lang="en-US" altLang="en-US" sz="1600" b="1" i="0">
-              <a:solidFill>
-                <a:srgbClr val="001D35"/>
-              </a:solidFill>
-              <a:latin typeface="Arial" panose="020B0604020202020204" pitchFamily="34" charset="0"/>
-              <a:ea typeface="Google Sans"/>
-              <a:cs typeface="Arial" panose="020B0604020202020204" pitchFamily="34" charset="0"/>
-            </a:endParaRPr>
-          </a:p>
-          <a:p>
-            <a:pPr marL="457200" lvl="1" indent="0">
-              <a:spcBef>
-                <a:spcPct val="0"/>
-              </a:spcBef>
-              <a:spcAft>
-                <a:spcPts val="1000"/>
-              </a:spcAft>
-            </a:pPr>
-            <a:r>
-              <a:rPr lang="en-US" altLang="en-US" sz="1600" b="0" i="0">
-                <a:solidFill>
-                  <a:srgbClr val="001D35"/>
-                </a:solidFill>
-                <a:latin typeface="Arial" panose="020B0604020202020204" pitchFamily="34" charset="0"/>
-                <a:ea typeface="Google Sans"/>
-                <a:cs typeface="Arial" panose="020B0604020202020204" pitchFamily="34" charset="0"/>
-              </a:rPr>
-              <a:t>BCE's logarithmic nature means that it penalizes incorrect predictions more severely, especially when the model is highly confident in a wrong prediction. </a:t>
-            </a:r>
-            <a:endParaRPr lang="en-US" altLang="en-US" sz="1600" b="0" i="0">
-              <a:solidFill>
-                <a:srgbClr val="001D35"/>
-              </a:solidFill>
-              <a:latin typeface="Arial" panose="020B0604020202020204" pitchFamily="34" charset="0"/>
-              <a:ea typeface="Google Sans"/>
-              <a:cs typeface="Arial" panose="020B0604020202020204" pitchFamily="34" charset="0"/>
-            </a:endParaRPr>
-          </a:p>
-          <a:p>
-            <a:pPr marL="0" indent="0">
-              <a:spcBef>
-                <a:spcPct val="0"/>
-              </a:spcBef>
-              <a:spcAft>
-                <a:spcPts val="1000"/>
-              </a:spcAft>
-            </a:pPr>
-            <a:r>
-              <a:rPr lang="en-US" altLang="en-US" sz="1600" b="1" i="0">
-                <a:solidFill>
-                  <a:srgbClr val="001D35"/>
-                </a:solidFill>
-                <a:latin typeface="Arial" panose="020B0604020202020204" pitchFamily="34" charset="0"/>
-                <a:ea typeface="Google Sans"/>
-                <a:cs typeface="Arial" panose="020B0604020202020204" pitchFamily="34" charset="0"/>
-              </a:rPr>
-              <a:t>Predicted Probabilities:</a:t>
-            </a:r>
-            <a:endParaRPr lang="en-US" altLang="en-US" sz="1600" b="1" i="0">
-              <a:solidFill>
-                <a:srgbClr val="001D35"/>
-              </a:solidFill>
-              <a:latin typeface="Arial" panose="020B0604020202020204" pitchFamily="34" charset="0"/>
-              <a:ea typeface="Google Sans"/>
-              <a:cs typeface="Arial" panose="020B0604020202020204" pitchFamily="34" charset="0"/>
-            </a:endParaRPr>
-          </a:p>
-          <a:p>
-            <a:pPr marL="457200" lvl="1" indent="0">
-              <a:spcBef>
-                <a:spcPct val="0"/>
-              </a:spcBef>
-              <a:spcAft>
-                <a:spcPts val="1000"/>
-              </a:spcAft>
-            </a:pPr>
-            <a:r>
-              <a:rPr lang="en-US" altLang="en-US" sz="1600" b="0" i="0">
-                <a:solidFill>
-                  <a:srgbClr val="001D35"/>
-                </a:solidFill>
-                <a:latin typeface="Arial" panose="020B0604020202020204" pitchFamily="34" charset="0"/>
-                <a:ea typeface="Google Sans"/>
-                <a:cs typeface="Arial" panose="020B0604020202020204" pitchFamily="34" charset="0"/>
-              </a:rPr>
-              <a:t>The model outputs a probability (between 0 and 1) representing the likelihood of the positive class, and BCE compares these probabilities with the actual binary labels (0 or 1). </a:t>
-            </a:r>
-            <a:endParaRPr lang="en-US" altLang="en-US" sz="1600" b="0" i="0">
-              <a:solidFill>
-                <a:srgbClr val="001D35"/>
-              </a:solidFill>
-              <a:latin typeface="Arial" panose="020B0604020202020204" pitchFamily="34" charset="0"/>
-              <a:ea typeface="Google Sans"/>
-              <a:cs typeface="Arial" panose="020B0604020202020204" pitchFamily="34" charset="0"/>
-            </a:endParaRPr>
-          </a:p>
-          <a:p>
-            <a:pPr marL="0" indent="0">
-              <a:spcBef>
-                <a:spcPct val="0"/>
-              </a:spcBef>
-              <a:spcAft>
-                <a:spcPts val="1000"/>
-              </a:spcAft>
-            </a:pPr>
-            <a:r>
-              <a:rPr lang="en-US" altLang="en-US" sz="1600" b="1" i="0">
-                <a:solidFill>
-                  <a:srgbClr val="001D35"/>
-                </a:solidFill>
-                <a:latin typeface="Arial" panose="020B0604020202020204" pitchFamily="34" charset="0"/>
-                <a:ea typeface="Google Sans"/>
-                <a:cs typeface="Arial" panose="020B0604020202020204" pitchFamily="34" charset="0"/>
-              </a:rPr>
-              <a:t>Penalties:</a:t>
-            </a:r>
-            <a:endParaRPr lang="en-US" altLang="en-US" sz="1600" b="1" i="0">
-              <a:solidFill>
-                <a:srgbClr val="001D35"/>
-              </a:solidFill>
-              <a:latin typeface="Arial" panose="020B0604020202020204" pitchFamily="34" charset="0"/>
-              <a:ea typeface="Google Sans"/>
-              <a:cs typeface="Arial" panose="020B0604020202020204" pitchFamily="34" charset="0"/>
-            </a:endParaRPr>
-          </a:p>
-          <a:p>
-            <a:pPr marL="457200" lvl="1" indent="0">
-              <a:spcBef>
-                <a:spcPct val="0"/>
-              </a:spcBef>
-              <a:spcAft>
-                <a:spcPts val="1000"/>
-              </a:spcAft>
-            </a:pPr>
-            <a:r>
-              <a:rPr lang="en-US" altLang="en-US" sz="1600" b="0" i="0">
-                <a:solidFill>
-                  <a:srgbClr val="001D35"/>
-                </a:solidFill>
-                <a:latin typeface="Arial" panose="020B0604020202020204" pitchFamily="34" charset="0"/>
-                <a:ea typeface="Google Sans"/>
-                <a:cs typeface="Arial" panose="020B0604020202020204" pitchFamily="34" charset="0"/>
-              </a:rPr>
-              <a:t>A high predicted probability for the wrong class or a low predicted probability for the correct class results in a higher loss value. </a:t>
-            </a:r>
-            <a:endParaRPr lang="en-US" altLang="en-US" sz="1600" b="0" i="0">
-              <a:solidFill>
-                <a:srgbClr val="001D35"/>
-              </a:solidFill>
-              <a:latin typeface="Arial" panose="020B0604020202020204" pitchFamily="34" charset="0"/>
-              <a:ea typeface="Google Sans"/>
-              <a:cs typeface="Arial" panose="020B0604020202020204" pitchFamily="34" charset="0"/>
-            </a:endParaRPr>
-          </a:p>
-        </p:txBody>
-      </p:sp>
-    </p:spTree>
-  </p:cSld>
-  <p:clrMapOvr>
-    <a:masterClrMapping/>
-  </p:clrMapOvr>
-</p:sld>
-</file>
-
-<file path=ppt/slides/slide21.xml><?xml version="1.0" encoding="utf-8"?>
-<p:sld xmlns:a="http://schemas.openxmlformats.org/drawingml/2006/main" xmlns:r="http://schemas.openxmlformats.org/officeDocument/2006/relationships" xmlns:p="http://schemas.openxmlformats.org/presentationml/2006/main">
-  <p:cSld>
-    <p:spTree>
-      <p:nvGrpSpPr>
-        <p:cNvPr id="1" name=""/>
-        <p:cNvGrpSpPr/>
-        <p:nvPr/>
-      </p:nvGrpSpPr>
-      <p:grpSpPr/>
-      <p:sp>
-        <p:nvSpPr>
-          <p:cNvPr id="2" name="Text Box 1"/>
-          <p:cNvSpPr txBox="1"/>
-          <p:nvPr/>
-        </p:nvSpPr>
-        <p:spPr>
-          <a:xfrm>
             <a:off x="90170" y="0"/>
             <a:ext cx="12023090" cy="5723890"/>
           </a:xfrm>
@@ -8800,6 +8475,35 @@
           </a:p>
         </p:txBody>
       </p:sp>
+      <p:sp>
+        <p:nvSpPr>
+          <p:cNvPr id="3" name="Text Box 2"/>
+          <p:cNvSpPr txBox="1"/>
+          <p:nvPr/>
+        </p:nvSpPr>
+        <p:spPr>
+          <a:xfrm>
+            <a:off x="497205" y="6035675"/>
+            <a:ext cx="6096000" cy="368300"/>
+          </a:xfrm>
+          <a:prstGeom prst="rect">
+            <a:avLst/>
+          </a:prstGeom>
+          <a:noFill/>
+        </p:spPr>
+        <p:txBody>
+          <a:bodyPr wrap="square" rtlCol="0" anchor="t">
+            <a:spAutoFit/>
+          </a:bodyPr>
+          <a:p>
+            <a:r>
+              <a:rPr lang="en-US" altLang="en-US"/>
+              <a:t>https://gombru.github.io/2018/05/23/cross_entropy_loss/</a:t>
+            </a:r>
+            <a:endParaRPr lang="en-US"/>
+          </a:p>
+        </p:txBody>
+      </p:sp>
     </p:spTree>
   </p:cSld>
   <p:clrMapOvr>
@@ -8808,7 +8512,7 @@
 </p:sld>
 </file>
 
-<file path=ppt/slides/slide22.xml><?xml version="1.0" encoding="utf-8"?>
+<file path=ppt/slides/slide21.xml><?xml version="1.0" encoding="utf-8"?>
 <p:sld xmlns:a="http://schemas.openxmlformats.org/drawingml/2006/main" xmlns:r="http://schemas.openxmlformats.org/officeDocument/2006/relationships" xmlns:p="http://schemas.openxmlformats.org/presentationml/2006/main">
   <p:cSld>
     <p:spTree>
@@ -9446,7 +9150,7 @@
 </p:sld>
 </file>
 
-<file path=ppt/slides/slide23.xml><?xml version="1.0" encoding="utf-8"?>
+<file path=ppt/slides/slide22.xml><?xml version="1.0" encoding="utf-8"?>
 <p:sld xmlns:a="http://schemas.openxmlformats.org/drawingml/2006/main" xmlns:r="http://schemas.openxmlformats.org/officeDocument/2006/relationships" xmlns:p="http://schemas.openxmlformats.org/presentationml/2006/main">
   <p:cSld>
     <p:spTree>
@@ -9825,7 +9529,7 @@
         </p:nvSpPr>
         <p:spPr>
           <a:xfrm>
-            <a:off x="5531485" y="6165215"/>
+            <a:off x="5531485" y="6013450"/>
             <a:ext cx="6096000" cy="583565"/>
           </a:xfrm>
           <a:prstGeom prst="rect">
@@ -9925,6 +9629,35 @@
           </a:p>
         </p:txBody>
       </p:sp>
+      <p:sp>
+        <p:nvSpPr>
+          <p:cNvPr id="7" name="Text Box 6"/>
+          <p:cNvSpPr txBox="1"/>
+          <p:nvPr/>
+        </p:nvSpPr>
+        <p:spPr>
+          <a:xfrm>
+            <a:off x="106045" y="6489700"/>
+            <a:ext cx="8771255" cy="368300"/>
+          </a:xfrm>
+          <a:prstGeom prst="rect">
+            <a:avLst/>
+          </a:prstGeom>
+          <a:noFill/>
+        </p:spPr>
+        <p:txBody>
+          <a:bodyPr wrap="square" rtlCol="0" anchor="t">
+            <a:spAutoFit/>
+          </a:bodyPr>
+          <a:p>
+            <a:r>
+              <a:rPr lang="en-US" altLang="en-US"/>
+              <a:t>https://www.geeksforgeeks.org/categorical-cross-entropy-in-multi-class-classification/</a:t>
+            </a:r>
+            <a:endParaRPr lang="en-US"/>
+          </a:p>
+        </p:txBody>
+      </p:sp>
     </p:spTree>
   </p:cSld>
   <p:clrMapOvr>
@@ -9933,7 +9666,7 @@
 </p:sld>
 </file>
 
-<file path=ppt/slides/slide24.xml><?xml version="1.0" encoding="utf-8"?>
+<file path=ppt/slides/slide23.xml><?xml version="1.0" encoding="utf-8"?>
 <p:sld xmlns:a="http://schemas.openxmlformats.org/drawingml/2006/main" xmlns:r="http://schemas.openxmlformats.org/officeDocument/2006/relationships" xmlns:p="http://schemas.openxmlformats.org/presentationml/2006/main">
   <p:cSld>
     <p:spTree>
@@ -10405,7 +10138,7 @@
 </p:sld>
 </file>
 
-<file path=ppt/slides/slide25.xml><?xml version="1.0" encoding="utf-8"?>
+<file path=ppt/slides/slide24.xml><?xml version="1.0" encoding="utf-8"?>
 <p:sld xmlns:a="http://schemas.openxmlformats.org/drawingml/2006/main" xmlns:r="http://schemas.openxmlformats.org/officeDocument/2006/relationships" xmlns:p="http://schemas.openxmlformats.org/presentationml/2006/main">
   <p:cSld>
     <p:spTree>
@@ -10441,10 +10174,32 @@
               </a:spcAft>
             </a:pPr>
             <a:r>
-              <a:rPr sz="2000" b="1"/>
+              <a:rPr sz="2000" b="1">
+                <a:solidFill>
+                  <a:srgbClr val="FF0000"/>
+                </a:solidFill>
+                <a:effectLst>
+                  <a:outerShdw blurRad="38100" dist="38100" dir="2700000" algn="tl">
+                    <a:srgbClr val="000000">
+                      <a:alpha val="43137"/>
+                    </a:srgbClr>
+                  </a:outerShdw>
+                </a:effectLst>
+              </a:rPr>
               <a:t>2. Sparse Categorical Cross-Entropy (SCCE)</a:t>
             </a:r>
-            <a:endParaRPr sz="2000" b="1"/>
+            <a:endParaRPr sz="2000" b="1">
+              <a:solidFill>
+                <a:srgbClr val="FF0000"/>
+              </a:solidFill>
+              <a:effectLst>
+                <a:outerShdw blurRad="38100" dist="38100" dir="2700000" algn="tl">
+                  <a:srgbClr val="000000">
+                    <a:alpha val="43137"/>
+                  </a:srgbClr>
+                </a:outerShdw>
+              </a:effectLst>
+            </a:endParaRPr>
           </a:p>
           <a:p>
             <a:pPr>
@@ -10461,9 +10216,13 @@
           <a:p>
             <a:r>
               <a:rPr sz="1400"/>
-              <a:t>Sparse Categorical Cross-Entropy (SCCE) is the same as Categorical Cross-Entropy, but it works when labels are integers instead of one-hot encoded vectors.</a:t>
-            </a:r>
-            <a:endParaRPr sz="1400"/>
+              <a:t>Sparse Categorical Cross-Entropy (SCCE) is the same as Categorical Cross-Entropy, but it works when</a:t>
+            </a:r>
+            <a:r>
+              <a:rPr sz="1400" b="1"/>
+              <a:t> labels are integers instead of one-hot encoded vectors.</a:t>
+            </a:r>
+            <a:endParaRPr sz="1400" b="1"/>
           </a:p>
           <a:p>
             <a:pPr>
@@ -10732,6 +10491,64 @@
           </a:p>
         </p:txBody>
       </p:sp>
+      <p:sp>
+        <p:nvSpPr>
+          <p:cNvPr id="4" name="Text Box 3"/>
+          <p:cNvSpPr txBox="1"/>
+          <p:nvPr/>
+        </p:nvSpPr>
+        <p:spPr>
+          <a:xfrm>
+            <a:off x="5709285" y="5983605"/>
+            <a:ext cx="6096000" cy="645160"/>
+          </a:xfrm>
+          <a:prstGeom prst="rect">
+            <a:avLst/>
+          </a:prstGeom>
+          <a:noFill/>
+        </p:spPr>
+        <p:txBody>
+          <a:bodyPr wrap="square" rtlCol="0" anchor="t">
+            <a:spAutoFit/>
+          </a:bodyPr>
+          <a:p>
+            <a:r>
+              <a:rPr lang="en-US" altLang="en-US"/>
+              <a:t>https://www.geeksforgeeks.org/sparse-categorical-crossentropy-vs-categorical-crossentropy/</a:t>
+            </a:r>
+            <a:endParaRPr lang="en-US"/>
+          </a:p>
+        </p:txBody>
+      </p:sp>
+      <p:sp>
+        <p:nvSpPr>
+          <p:cNvPr id="5" name="Text Box 4"/>
+          <p:cNvSpPr txBox="1"/>
+          <p:nvPr/>
+        </p:nvSpPr>
+        <p:spPr>
+          <a:xfrm>
+            <a:off x="226060" y="6464300"/>
+            <a:ext cx="11819890" cy="645160"/>
+          </a:xfrm>
+          <a:prstGeom prst="rect">
+            <a:avLst/>
+          </a:prstGeom>
+          <a:noFill/>
+        </p:spPr>
+        <p:txBody>
+          <a:bodyPr wrap="square" rtlCol="0" anchor="t">
+            <a:spAutoFit/>
+          </a:bodyPr>
+          <a:p>
+            <a:r>
+              <a:rPr lang="en-US" altLang="en-US"/>
+              <a:t>https://medium.com/@shireenchand/choosing-between-cross-entropy-and-sparse-cross-entropy-the-only-guide-you-need-abea92c84662</a:t>
+            </a:r>
+            <a:endParaRPr lang="en-US"/>
+          </a:p>
+        </p:txBody>
+      </p:sp>
     </p:spTree>
   </p:cSld>
   <p:clrMapOvr>
@@ -10740,7 +10557,7 @@
 </p:sld>
 </file>
 
-<file path=ppt/slides/slide26.xml><?xml version="1.0" encoding="utf-8"?>
+<file path=ppt/slides/slide25.xml><?xml version="1.0" encoding="utf-8"?>
 <p:sld xmlns:a="http://schemas.openxmlformats.org/drawingml/2006/main" xmlns:r="http://schemas.openxmlformats.org/officeDocument/2006/relationships" xmlns:p="http://schemas.openxmlformats.org/presentationml/2006/main">
   <p:cSld>
     <p:spTree>
@@ -11394,7 +11211,7 @@
 </p:sld>
 </file>
 
-<file path=ppt/slides/slide27.xml><?xml version="1.0" encoding="utf-8"?>
+<file path=ppt/slides/slide26.xml><?xml version="1.0" encoding="utf-8"?>
 <p:sld xmlns:a="http://schemas.openxmlformats.org/drawingml/2006/main" xmlns:r="http://schemas.openxmlformats.org/officeDocument/2006/relationships" xmlns:p="http://schemas.openxmlformats.org/presentationml/2006/main">
   <p:cSld>
     <p:spTree>
@@ -12198,6 +12015,24 @@
           </a:graphicData>
         </a:graphic>
       </p:graphicFrame>
+    </p:spTree>
+  </p:cSld>
+  <p:clrMapOvr>
+    <a:masterClrMapping/>
+  </p:clrMapOvr>
+</p:sld>
+</file>
+
+<file path=ppt/slides/slide27.xml><?xml version="1.0" encoding="utf-8"?>
+<p:sld xmlns:a="http://schemas.openxmlformats.org/drawingml/2006/main" xmlns:r="http://schemas.openxmlformats.org/officeDocument/2006/relationships" xmlns:p="http://schemas.openxmlformats.org/presentationml/2006/main">
+  <p:cSld>
+    <p:spTree>
+      <p:nvGrpSpPr>
+        <p:cNvPr id="1" name=""/>
+        <p:cNvGrpSpPr/>
+        <p:nvPr/>
+      </p:nvGrpSpPr>
+      <p:grpSpPr/>
     </p:spTree>
   </p:cSld>
   <p:clrMapOvr>
@@ -12267,7 +12102,7 @@
         </p:blipFill>
         <p:spPr>
           <a:xfrm>
-            <a:off x="167640" y="0"/>
+            <a:off x="1756410" y="742315"/>
             <a:ext cx="8384540" cy="4599940"/>
           </a:xfrm>
           <a:prstGeom prst="rect">
@@ -12284,24 +12119,6 @@
 </file>
 
 <file path=ppt/slides/slide30.xml><?xml version="1.0" encoding="utf-8"?>
-<p:sld xmlns:a="http://schemas.openxmlformats.org/drawingml/2006/main" xmlns:r="http://schemas.openxmlformats.org/officeDocument/2006/relationships" xmlns:p="http://schemas.openxmlformats.org/presentationml/2006/main">
-  <p:cSld>
-    <p:spTree>
-      <p:nvGrpSpPr>
-        <p:cNvPr id="1" name=""/>
-        <p:cNvGrpSpPr/>
-        <p:nvPr/>
-      </p:nvGrpSpPr>
-      <p:grpSpPr/>
-    </p:spTree>
-  </p:cSld>
-  <p:clrMapOvr>
-    <a:masterClrMapping/>
-  </p:clrMapOvr>
-</p:sld>
-</file>
-
-<file path=ppt/slides/slide31.xml><?xml version="1.0" encoding="utf-8"?>
 <p:sld xmlns:a="http://schemas.openxmlformats.org/drawingml/2006/main" xmlns:r="http://schemas.openxmlformats.org/officeDocument/2006/relationships" xmlns:p="http://schemas.openxmlformats.org/presentationml/2006/main">
   <p:cSld>
     <p:spTree>
@@ -12425,7 +12242,7 @@
 </p:sld>
 </file>
 
-<file path=ppt/slides/slide32.xml><?xml version="1.0" encoding="utf-8"?>
+<file path=ppt/slides/slide31.xml><?xml version="1.0" encoding="utf-8"?>
 <p:sld xmlns:a="http://schemas.openxmlformats.org/drawingml/2006/main" xmlns:r="http://schemas.openxmlformats.org/officeDocument/2006/relationships" xmlns:p="http://schemas.openxmlformats.org/presentationml/2006/main">
   <p:cSld>
     <p:spTree>
@@ -12991,7 +12808,7 @@
 </p:sld>
 </file>
 
-<file path=ppt/slides/slide33.xml><?xml version="1.0" encoding="utf-8"?>
+<file path=ppt/slides/slide32.xml><?xml version="1.0" encoding="utf-8"?>
 <p:sld xmlns:a="http://schemas.openxmlformats.org/drawingml/2006/main" xmlns:r="http://schemas.openxmlformats.org/officeDocument/2006/relationships" xmlns:p="http://schemas.openxmlformats.org/presentationml/2006/main">
   <p:cSld>
     <p:spTree>
@@ -13234,7 +13051,7 @@
 </p:sld>
 </file>
 
-<file path=ppt/slides/slide34.xml><?xml version="1.0" encoding="utf-8"?>
+<file path=ppt/slides/slide33.xml><?xml version="1.0" encoding="utf-8"?>
 <p:sld xmlns:a="http://schemas.openxmlformats.org/drawingml/2006/main" xmlns:r="http://schemas.openxmlformats.org/officeDocument/2006/relationships" xmlns:p="http://schemas.openxmlformats.org/presentationml/2006/main">
   <p:cSld>
     <p:spTree>
@@ -13959,7 +13776,7 @@
 </p:sld>
 </file>
 
-<file path=ppt/slides/slide35.xml><?xml version="1.0" encoding="utf-8"?>
+<file path=ppt/slides/slide34.xml><?xml version="1.0" encoding="utf-8"?>
 <p:sld xmlns:a="http://schemas.openxmlformats.org/drawingml/2006/main" xmlns:r="http://schemas.openxmlformats.org/officeDocument/2006/relationships" xmlns:p="http://schemas.openxmlformats.org/presentationml/2006/main">
   <p:cSld>
     <p:spTree>
@@ -16255,7 +16072,7 @@
 </p:sld>
 </file>
 
-<file path=ppt/slides/slide36.xml><?xml version="1.0" encoding="utf-8"?>
+<file path=ppt/slides/slide35.xml><?xml version="1.0" encoding="utf-8"?>
 <p:sld xmlns:a="http://schemas.openxmlformats.org/drawingml/2006/main" xmlns:r="http://schemas.openxmlformats.org/officeDocument/2006/relationships" xmlns:p="http://schemas.openxmlformats.org/presentationml/2006/main">
   <p:cSld>
     <p:spTree>
@@ -16511,7 +16328,7 @@
 </p:sld>
 </file>
 
-<file path=ppt/slides/slide37.xml><?xml version="1.0" encoding="utf-8"?>
+<file path=ppt/slides/slide36.xml><?xml version="1.0" encoding="utf-8"?>
 <p:sld xmlns:a="http://schemas.openxmlformats.org/drawingml/2006/main" xmlns:r="http://schemas.openxmlformats.org/officeDocument/2006/relationships" xmlns:p="http://schemas.openxmlformats.org/presentationml/2006/main">
   <p:cSld>
     <p:spTree>
@@ -17162,7 +16979,7 @@
 </p:sld>
 </file>
 
-<file path=ppt/slides/slide38.xml><?xml version="1.0" encoding="utf-8"?>
+<file path=ppt/slides/slide37.xml><?xml version="1.0" encoding="utf-8"?>
 <p:sld xmlns:a="http://schemas.openxmlformats.org/drawingml/2006/main" xmlns:r="http://schemas.openxmlformats.org/officeDocument/2006/relationships" xmlns:p="http://schemas.openxmlformats.org/presentationml/2006/main">
   <p:cSld>
     <p:spTree>
@@ -17557,7 +17374,7 @@
 </p:sld>
 </file>
 
-<file path=ppt/slides/slide39.xml><?xml version="1.0" encoding="utf-8"?>
+<file path=ppt/slides/slide38.xml><?xml version="1.0" encoding="utf-8"?>
 <p:sld xmlns:a="http://schemas.openxmlformats.org/drawingml/2006/main" xmlns:r="http://schemas.openxmlformats.org/officeDocument/2006/relationships" xmlns:p="http://schemas.openxmlformats.org/presentationml/2006/main">
   <p:cSld>
     <p:spTree>
@@ -18089,197 +17906,7 @@
 </p:sld>
 </file>
 
-<file path=ppt/slides/slide4.xml><?xml version="1.0" encoding="utf-8"?>
-<p:sld xmlns:a="http://schemas.openxmlformats.org/drawingml/2006/main" xmlns:r="http://schemas.openxmlformats.org/officeDocument/2006/relationships" xmlns:p="http://schemas.openxmlformats.org/presentationml/2006/main">
-  <p:cSld>
-    <p:spTree>
-      <p:nvGrpSpPr>
-        <p:cNvPr id="1" name=""/>
-        <p:cNvGrpSpPr/>
-        <p:nvPr/>
-      </p:nvGrpSpPr>
-      <p:grpSpPr/>
-      <p:sp>
-        <p:nvSpPr>
-          <p:cNvPr id="2" name="Text Box 1"/>
-          <p:cNvSpPr txBox="1"/>
-          <p:nvPr/>
-        </p:nvSpPr>
-        <p:spPr>
-          <a:xfrm>
-            <a:off x="3556000" y="2739708"/>
-            <a:ext cx="5080000" cy="1378585"/>
-          </a:xfrm>
-          <a:prstGeom prst="rect">
-            <a:avLst/>
-          </a:prstGeom>
-        </p:spPr>
-        <p:txBody>
-          <a:bodyPr>
-            <a:spAutoFit/>
-          </a:bodyPr>
-          <a:p>
-            <a:pPr marL="25400" indent="0" algn="l" fontAlgn="base">
-              <a:spcBef>
-                <a:spcPts val="200"/>
-              </a:spcBef>
-              <a:spcAft>
-                <a:spcPts val="200"/>
-              </a:spcAft>
-            </a:pPr>
-            <a:r>
-              <a:rPr b="1" i="0">
-                <a:solidFill>
-                  <a:srgbClr val="273239"/>
-                </a:solidFill>
-                <a:latin typeface="Nunito"/>
-                <a:ea typeface="Nunito"/>
-              </a:rPr>
-              <a:t>Table of Content</a:t>
-            </a:r>
-            <a:endParaRPr b="1" i="0">
-              <a:solidFill>
-                <a:srgbClr val="273239"/>
-              </a:solidFill>
-              <a:latin typeface="Nunito"/>
-              <a:ea typeface="Nunito"/>
-            </a:endParaRPr>
-          </a:p>
-          <a:p>
-            <a:pPr marL="0" indent="0" algn="l" fontAlgn="base">
-              <a:spcBef>
-                <a:spcPct val="0"/>
-              </a:spcBef>
-              <a:spcAft>
-                <a:spcPct val="0"/>
-              </a:spcAft>
-              <a:buFont typeface="Arial" panose="020B0604020202020204"/>
-              <a:buChar char="•"/>
-            </a:pPr>
-            <a:r>
-              <a:rPr sz="1600" b="0" i="0" u="sng">
-                <a:solidFill>
-                  <a:srgbClr val="273239"/>
-                </a:solidFill>
-                <a:latin typeface="Nunito"/>
-                <a:ea typeface="Nunito"/>
-                <a:hlinkClick r:id="rId1"/>
-              </a:rPr>
-              <a:t>What is a Loss Function?</a:t>
-            </a:r>
-            <a:endParaRPr sz="1600" b="0" i="0" u="sng">
-              <a:solidFill>
-                <a:srgbClr val="273239"/>
-              </a:solidFill>
-              <a:latin typeface="Nunito"/>
-              <a:ea typeface="Nunito"/>
-              <a:hlinkClick r:id="rId1"/>
-            </a:endParaRPr>
-          </a:p>
-          <a:p>
-            <a:pPr marL="0" indent="0" algn="l" fontAlgn="base">
-              <a:spcBef>
-                <a:spcPct val="0"/>
-              </a:spcBef>
-              <a:spcAft>
-                <a:spcPct val="0"/>
-              </a:spcAft>
-              <a:buFont typeface="Arial" panose="020B0604020202020204"/>
-              <a:buChar char="•"/>
-            </a:pPr>
-            <a:r>
-              <a:rPr sz="1600" b="0" i="0" u="sng">
-                <a:solidFill>
-                  <a:srgbClr val="273239"/>
-                </a:solidFill>
-                <a:latin typeface="Nunito"/>
-                <a:ea typeface="Nunito"/>
-                <a:hlinkClick r:id="rId2"/>
-              </a:rPr>
-              <a:t>How Loss Functions Work?</a:t>
-            </a:r>
-            <a:endParaRPr sz="1600" b="0" i="0" u="sng">
-              <a:solidFill>
-                <a:srgbClr val="273239"/>
-              </a:solidFill>
-              <a:latin typeface="Nunito"/>
-              <a:ea typeface="Nunito"/>
-              <a:hlinkClick r:id="rId2"/>
-            </a:endParaRPr>
-          </a:p>
-          <a:p>
-            <a:pPr marL="0" indent="0" algn="l" fontAlgn="base">
-              <a:spcBef>
-                <a:spcPct val="0"/>
-              </a:spcBef>
-              <a:spcAft>
-                <a:spcPct val="0"/>
-              </a:spcAft>
-              <a:buFont typeface="Arial" panose="020B0604020202020204"/>
-              <a:buChar char="•"/>
-            </a:pPr>
-            <a:r>
-              <a:rPr sz="1600" b="0" i="0" u="sng">
-                <a:solidFill>
-                  <a:srgbClr val="273239"/>
-                </a:solidFill>
-                <a:latin typeface="Nunito"/>
-                <a:ea typeface="Nunito"/>
-                <a:hlinkClick r:id="rId3"/>
-              </a:rPr>
-              <a:t>Types of Loss Functions</a:t>
-            </a:r>
-            <a:endParaRPr sz="1600" b="0" i="0" u="sng">
-              <a:solidFill>
-                <a:srgbClr val="273239"/>
-              </a:solidFill>
-              <a:latin typeface="Nunito"/>
-              <a:ea typeface="Nunito"/>
-              <a:hlinkClick r:id="rId3"/>
-            </a:endParaRPr>
-          </a:p>
-          <a:p>
-            <a:pPr marL="0" indent="0" algn="l" fontAlgn="base">
-              <a:spcBef>
-                <a:spcPct val="0"/>
-              </a:spcBef>
-              <a:spcAft>
-                <a:spcPct val="0"/>
-              </a:spcAft>
-              <a:buFont typeface="Arial" panose="020B0604020202020204"/>
-              <a:buChar char="•"/>
-            </a:pPr>
-            <a:r>
-              <a:rPr sz="1600" b="0" i="0" u="sng">
-                <a:solidFill>
-                  <a:srgbClr val="273239"/>
-                </a:solidFill>
-                <a:latin typeface="Nunito"/>
-                <a:ea typeface="Nunito"/>
-                <a:hlinkClick r:id="rId4"/>
-              </a:rPr>
-              <a:t>How to Choose the Right Loss Function?</a:t>
-            </a:r>
-            <a:endParaRPr sz="1600" b="0" i="0" u="sng">
-              <a:solidFill>
-                <a:srgbClr val="273239"/>
-              </a:solidFill>
-              <a:latin typeface="Nunito"/>
-              <a:ea typeface="Nunito"/>
-              <a:hlinkClick r:id="rId4"/>
-            </a:endParaRPr>
-          </a:p>
-        </p:txBody>
-      </p:sp>
-    </p:spTree>
-  </p:cSld>
-  <p:clrMapOvr>
-    <a:masterClrMapping/>
-  </p:clrMapOvr>
-</p:sld>
-</file>
-
-<file path=ppt/slides/slide40.xml><?xml version="1.0" encoding="utf-8"?>
+<file path=ppt/slides/slide39.xml><?xml version="1.0" encoding="utf-8"?>
 <p:sld xmlns:a="http://schemas.openxmlformats.org/drawingml/2006/main" xmlns:r="http://schemas.openxmlformats.org/officeDocument/2006/relationships" xmlns:p="http://schemas.openxmlformats.org/presentationml/2006/main">
   <p:cSld>
     <p:spTree>
@@ -19241,7 +18868,321 @@
 </p:sld>
 </file>
 
-<file path=ppt/slides/slide41.xml><?xml version="1.0" encoding="utf-8"?>
+<file path=ppt/slides/slide4.xml><?xml version="1.0" encoding="utf-8"?>
+<p:sld xmlns:a="http://schemas.openxmlformats.org/drawingml/2006/main" xmlns:r="http://schemas.openxmlformats.org/officeDocument/2006/relationships" xmlns:p="http://schemas.openxmlformats.org/presentationml/2006/main">
+  <p:cSld>
+    <p:spTree>
+      <p:nvGrpSpPr>
+        <p:cNvPr id="1" name=""/>
+        <p:cNvGrpSpPr/>
+        <p:nvPr/>
+      </p:nvGrpSpPr>
+      <p:grpSpPr/>
+      <p:pic>
+        <p:nvPicPr>
+          <p:cNvPr id="6" name="Picture 5"/>
+          <p:cNvPicPr/>
+          <p:nvPr/>
+        </p:nvPicPr>
+        <p:blipFill>
+          <a:blip r:embed="rId1"/>
+          <a:stretch>
+            <a:fillRect/>
+          </a:stretch>
+        </p:blipFill>
+        <p:spPr>
+          <a:xfrm>
+            <a:off x="5236210" y="250825"/>
+            <a:ext cx="6956425" cy="4227195"/>
+          </a:xfrm>
+          <a:prstGeom prst="rect">
+            <a:avLst/>
+          </a:prstGeom>
+        </p:spPr>
+      </p:pic>
+      <p:sp>
+        <p:nvSpPr>
+          <p:cNvPr id="2" name="Text Box 1"/>
+          <p:cNvSpPr txBox="1"/>
+          <p:nvPr/>
+        </p:nvSpPr>
+        <p:spPr>
+          <a:xfrm>
+            <a:off x="294005" y="1778000"/>
+            <a:ext cx="9720580" cy="3020060"/>
+          </a:xfrm>
+          <a:prstGeom prst="rect">
+            <a:avLst/>
+          </a:prstGeom>
+        </p:spPr>
+        <p:txBody>
+          <a:bodyPr wrap="square">
+            <a:spAutoFit/>
+          </a:bodyPr>
+          <a:p>
+            <a:pPr marL="25400" indent="0" algn="l" fontAlgn="base">
+              <a:spcBef>
+                <a:spcPts val="200"/>
+              </a:spcBef>
+              <a:spcAft>
+                <a:spcPts val="200"/>
+              </a:spcAft>
+            </a:pPr>
+            <a:r>
+              <a:rPr sz="3200" b="1" i="0">
+                <a:solidFill>
+                  <a:srgbClr val="273239"/>
+                </a:solidFill>
+                <a:latin typeface="Nunito"/>
+                <a:ea typeface="Nunito"/>
+              </a:rPr>
+              <a:t>Table of Content</a:t>
+            </a:r>
+            <a:endParaRPr sz="3200" b="1" i="0">
+              <a:solidFill>
+                <a:srgbClr val="273239"/>
+              </a:solidFill>
+              <a:latin typeface="Nunito"/>
+              <a:ea typeface="Nunito"/>
+            </a:endParaRPr>
+          </a:p>
+          <a:p>
+            <a:pPr marL="0" indent="0" algn="l" fontAlgn="base">
+              <a:lnSpc>
+                <a:spcPct val="140000"/>
+              </a:lnSpc>
+              <a:spcBef>
+                <a:spcPct val="0"/>
+              </a:spcBef>
+              <a:spcAft>
+                <a:spcPct val="0"/>
+              </a:spcAft>
+              <a:buFont typeface="Arial" panose="020B0604020202020204"/>
+              <a:buChar char="•"/>
+            </a:pPr>
+            <a:r>
+              <a:rPr sz="2800" b="0" i="0" u="sng">
+                <a:solidFill>
+                  <a:srgbClr val="273239"/>
+                </a:solidFill>
+                <a:latin typeface="Nunito"/>
+                <a:ea typeface="Nunito"/>
+              </a:rPr>
+              <a:t>What is a Loss Function?</a:t>
+            </a:r>
+            <a:endParaRPr sz="2800" b="0" i="0" u="sng">
+              <a:solidFill>
+                <a:srgbClr val="273239"/>
+              </a:solidFill>
+              <a:latin typeface="Nunito"/>
+              <a:ea typeface="Nunito"/>
+            </a:endParaRPr>
+          </a:p>
+          <a:p>
+            <a:pPr marL="0" indent="0" algn="l" fontAlgn="base">
+              <a:lnSpc>
+                <a:spcPct val="140000"/>
+              </a:lnSpc>
+              <a:spcBef>
+                <a:spcPct val="0"/>
+              </a:spcBef>
+              <a:spcAft>
+                <a:spcPct val="0"/>
+              </a:spcAft>
+              <a:buFont typeface="Arial" panose="020B0604020202020204"/>
+              <a:buChar char="•"/>
+            </a:pPr>
+            <a:r>
+              <a:rPr sz="2800" b="0" i="0" u="sng">
+                <a:solidFill>
+                  <a:srgbClr val="273239"/>
+                </a:solidFill>
+                <a:latin typeface="Nunito"/>
+                <a:ea typeface="Nunito"/>
+              </a:rPr>
+              <a:t>How Loss Functions Work?</a:t>
+            </a:r>
+            <a:endParaRPr sz="2800" b="0" i="0" u="sng">
+              <a:solidFill>
+                <a:srgbClr val="273239"/>
+              </a:solidFill>
+              <a:latin typeface="Nunito"/>
+              <a:ea typeface="Nunito"/>
+            </a:endParaRPr>
+          </a:p>
+          <a:p>
+            <a:pPr marL="0" indent="0" algn="l" fontAlgn="base">
+              <a:lnSpc>
+                <a:spcPct val="140000"/>
+              </a:lnSpc>
+              <a:spcBef>
+                <a:spcPct val="0"/>
+              </a:spcBef>
+              <a:spcAft>
+                <a:spcPct val="0"/>
+              </a:spcAft>
+              <a:buFont typeface="Arial" panose="020B0604020202020204"/>
+              <a:buChar char="•"/>
+            </a:pPr>
+            <a:r>
+              <a:rPr sz="2800" b="0" i="0" u="sng">
+                <a:solidFill>
+                  <a:srgbClr val="273239"/>
+                </a:solidFill>
+                <a:latin typeface="Nunito"/>
+                <a:ea typeface="Nunito"/>
+              </a:rPr>
+              <a:t>Types of Loss Functions</a:t>
+            </a:r>
+            <a:endParaRPr sz="2800" b="0" i="0" u="sng">
+              <a:solidFill>
+                <a:srgbClr val="273239"/>
+              </a:solidFill>
+              <a:latin typeface="Nunito"/>
+              <a:ea typeface="Nunito"/>
+            </a:endParaRPr>
+          </a:p>
+          <a:p>
+            <a:pPr marL="0" indent="0" algn="l" fontAlgn="base">
+              <a:lnSpc>
+                <a:spcPct val="140000"/>
+              </a:lnSpc>
+              <a:spcBef>
+                <a:spcPct val="0"/>
+              </a:spcBef>
+              <a:spcAft>
+                <a:spcPct val="0"/>
+              </a:spcAft>
+              <a:buFont typeface="Arial" panose="020B0604020202020204"/>
+              <a:buChar char="•"/>
+            </a:pPr>
+            <a:r>
+              <a:rPr sz="2800" b="0" i="0" u="sng">
+                <a:solidFill>
+                  <a:srgbClr val="273239"/>
+                </a:solidFill>
+                <a:latin typeface="Nunito"/>
+                <a:ea typeface="Nunito"/>
+              </a:rPr>
+              <a:t>How to Choose the Right Loss Function?</a:t>
+            </a:r>
+            <a:endParaRPr sz="2800" b="0" i="0" u="sng">
+              <a:solidFill>
+                <a:srgbClr val="273239"/>
+              </a:solidFill>
+              <a:latin typeface="Nunito"/>
+              <a:ea typeface="Nunito"/>
+              <a:hlinkClick r:id="rId2"/>
+            </a:endParaRPr>
+          </a:p>
+        </p:txBody>
+      </p:sp>
+      <p:sp>
+        <p:nvSpPr>
+          <p:cNvPr id="3" name="Text Box 2"/>
+          <p:cNvSpPr txBox="1"/>
+          <p:nvPr/>
+        </p:nvSpPr>
+        <p:spPr>
+          <a:xfrm>
+            <a:off x="294005" y="250825"/>
+            <a:ext cx="6096000" cy="768350"/>
+          </a:xfrm>
+          <a:prstGeom prst="rect">
+            <a:avLst/>
+          </a:prstGeom>
+          <a:noFill/>
+        </p:spPr>
+        <p:txBody>
+          <a:bodyPr wrap="square" rtlCol="0" anchor="t">
+            <a:spAutoFit/>
+          </a:bodyPr>
+          <a:p>
+            <a:r>
+              <a:rPr sz="4400" b="1">
+                <a:solidFill>
+                  <a:srgbClr val="FF0000"/>
+                </a:solidFill>
+                <a:effectLst>
+                  <a:outerShdw blurRad="38100" dist="38100" dir="2700000" algn="tl">
+                    <a:srgbClr val="000000">
+                      <a:alpha val="43137"/>
+                    </a:srgbClr>
+                  </a:outerShdw>
+                </a:effectLst>
+                <a:latin typeface="Arial Black" panose="020B0A04020102020204" charset="0"/>
+                <a:ea typeface="Google Sans"/>
+                <a:cs typeface="Arial Black" panose="020B0A04020102020204" charset="0"/>
+                <a:sym typeface="+mn-ea"/>
+              </a:rPr>
+              <a:t> </a:t>
+            </a:r>
+            <a:r>
+              <a:rPr lang="en-IN" sz="4400" b="1">
+                <a:solidFill>
+                  <a:srgbClr val="FF0000"/>
+                </a:solidFill>
+                <a:effectLst>
+                  <a:outerShdw blurRad="38100" dist="38100" dir="2700000" algn="tl">
+                    <a:srgbClr val="000000">
+                      <a:alpha val="43137"/>
+                    </a:srgbClr>
+                  </a:outerShdw>
+                </a:effectLst>
+                <a:latin typeface="Arial Black" panose="020B0A04020102020204" charset="0"/>
+                <a:ea typeface="Google Sans"/>
+                <a:cs typeface="Arial Black" panose="020B0A04020102020204" charset="0"/>
+                <a:sym typeface="+mn-ea"/>
+              </a:rPr>
+              <a:t>L</a:t>
+            </a:r>
+            <a:r>
+              <a:rPr sz="4400" b="1">
+                <a:solidFill>
+                  <a:srgbClr val="FF0000"/>
+                </a:solidFill>
+                <a:effectLst>
+                  <a:outerShdw blurRad="38100" dist="38100" dir="2700000" algn="tl">
+                    <a:srgbClr val="000000">
+                      <a:alpha val="43137"/>
+                    </a:srgbClr>
+                  </a:outerShdw>
+                </a:effectLst>
+                <a:latin typeface="Arial Black" panose="020B0A04020102020204" charset="0"/>
+                <a:ea typeface="Google Sans"/>
+                <a:cs typeface="Arial Black" panose="020B0A04020102020204" charset="0"/>
+                <a:sym typeface="+mn-ea"/>
+              </a:rPr>
+              <a:t>oss function</a:t>
+            </a:r>
+            <a:endParaRPr lang="en-US" sz="4400" b="1">
+              <a:solidFill>
+                <a:srgbClr val="FF0000"/>
+              </a:solidFill>
+              <a:effectLst>
+                <a:outerShdw blurRad="38100" dist="38100" dir="2700000" algn="tl">
+                  <a:srgbClr val="000000">
+                    <a:alpha val="43137"/>
+                  </a:srgbClr>
+                </a:outerShdw>
+              </a:effectLst>
+              <a:latin typeface="Arial Black" panose="020B0A04020102020204" charset="0"/>
+              <a:ea typeface="Google Sans"/>
+              <a:cs typeface="Arial Black" panose="020B0A04020102020204" charset="0"/>
+              <a:sym typeface="+mn-ea"/>
+            </a:endParaRPr>
+          </a:p>
+        </p:txBody>
+      </p:sp>
+    </p:spTree>
+  </p:cSld>
+  <p:clrMapOvr>
+    <a:masterClrMapping/>
+  </p:clrMapOvr>
+</p:sld>
+</file>
+
+<file path=ppt/slides/slide40.xml><?xml version="1.0" encoding="utf-8"?>
 <p:sld xmlns:a="http://schemas.openxmlformats.org/drawingml/2006/main" xmlns:r="http://schemas.openxmlformats.org/officeDocument/2006/relationships" xmlns:p="http://schemas.openxmlformats.org/presentationml/2006/main">
   <p:cSld>
     <p:spTree>
@@ -19673,7 +19614,7 @@
 </p:sld>
 </file>
 
-<file path=ppt/slides/slide42.xml><?xml version="1.0" encoding="utf-8"?>
+<file path=ppt/slides/slide41.xml><?xml version="1.0" encoding="utf-8"?>
 <p:sld xmlns:a="http://schemas.openxmlformats.org/drawingml/2006/main" xmlns:r="http://schemas.openxmlformats.org/officeDocument/2006/relationships" xmlns:p="http://schemas.openxmlformats.org/presentationml/2006/main">
   <p:cSld>
     <p:spTree>
@@ -20225,7 +20166,7 @@
 </p:sld>
 </file>
 
-<file path=ppt/slides/slide43.xml><?xml version="1.0" encoding="utf-8"?>
+<file path=ppt/slides/slide42.xml><?xml version="1.0" encoding="utf-8"?>
 <p:sld xmlns:a="http://schemas.openxmlformats.org/drawingml/2006/main" xmlns:r="http://schemas.openxmlformats.org/officeDocument/2006/relationships" xmlns:p="http://schemas.openxmlformats.org/presentationml/2006/main">
   <p:cSld>
     <p:spTree>
@@ -20249,7 +20190,7 @@
         </p:blipFill>
         <p:spPr>
           <a:xfrm>
-            <a:off x="1169035" y="90805"/>
+            <a:off x="974725" y="0"/>
             <a:ext cx="10019665" cy="6411595"/>
           </a:xfrm>
           <a:prstGeom prst="rect">
@@ -20257,6 +20198,35 @@
           </a:prstGeom>
         </p:spPr>
       </p:pic>
+      <p:sp>
+        <p:nvSpPr>
+          <p:cNvPr id="2" name="Text Box 1"/>
+          <p:cNvSpPr txBox="1"/>
+          <p:nvPr/>
+        </p:nvSpPr>
+        <p:spPr>
+          <a:xfrm>
+            <a:off x="974725" y="6213475"/>
+            <a:ext cx="6096000" cy="368300"/>
+          </a:xfrm>
+          <a:prstGeom prst="rect">
+            <a:avLst/>
+          </a:prstGeom>
+          <a:noFill/>
+        </p:spPr>
+        <p:txBody>
+          <a:bodyPr wrap="square" rtlCol="0" anchor="t">
+            <a:spAutoFit/>
+          </a:bodyPr>
+          <a:p>
+            <a:r>
+              <a:rPr lang="en-US" altLang="en-US"/>
+              <a:t>https://blog.skz.dev/gradient-descent</a:t>
+            </a:r>
+            <a:endParaRPr lang="en-US"/>
+          </a:p>
+        </p:txBody>
+      </p:sp>
     </p:spTree>
   </p:cSld>
   <p:clrMapOvr>
@@ -20265,7 +20235,7 @@
 </p:sld>
 </file>
 
-<file path=ppt/slides/slide44.xml><?xml version="1.0" encoding="utf-8"?>
+<file path=ppt/slides/slide43.xml><?xml version="1.0" encoding="utf-8"?>
 <p:sld xmlns:a="http://schemas.openxmlformats.org/drawingml/2006/main" xmlns:r="http://schemas.openxmlformats.org/officeDocument/2006/relationships" xmlns:p="http://schemas.openxmlformats.org/presentationml/2006/main">
   <p:cSld>
     <p:spTree>
@@ -20396,7 +20366,7 @@
 </p:sld>
 </file>
 
-<file path=ppt/slides/slide45.xml><?xml version="1.0" encoding="utf-8"?>
+<file path=ppt/slides/slide44.xml><?xml version="1.0" encoding="utf-8"?>
 <p:sld xmlns:a="http://schemas.openxmlformats.org/drawingml/2006/main" xmlns:r="http://schemas.openxmlformats.org/officeDocument/2006/relationships" xmlns:p="http://schemas.openxmlformats.org/presentationml/2006/main">
   <p:cSld>
     <p:spTree>
@@ -20436,7 +20406,7 @@
 </p:sld>
 </file>
 
-<file path=ppt/slides/slide46.xml><?xml version="1.0" encoding="utf-8"?>
+<file path=ppt/slides/slide45.xml><?xml version="1.0" encoding="utf-8"?>
 <p:sld xmlns:a="http://schemas.openxmlformats.org/drawingml/2006/main" xmlns:r="http://schemas.openxmlformats.org/officeDocument/2006/relationships" xmlns:p="http://schemas.openxmlformats.org/presentationml/2006/main">
   <p:cSld>
     <p:spTree>
@@ -20928,7 +20898,7 @@
 </p:sld>
 </file>
 
-<file path=ppt/slides/slide47.xml><?xml version="1.0" encoding="utf-8"?>
+<file path=ppt/slides/slide46.xml><?xml version="1.0" encoding="utf-8"?>
 <p:sld xmlns:a="http://schemas.openxmlformats.org/drawingml/2006/main" xmlns:r="http://schemas.openxmlformats.org/officeDocument/2006/relationships" xmlns:p="http://schemas.openxmlformats.org/presentationml/2006/main">
   <p:cSld>
     <p:spTree>
@@ -20971,7 +20941,7 @@
 </p:sld>
 </file>
 
-<file path=ppt/slides/slide48.xml><?xml version="1.0" encoding="utf-8"?>
+<file path=ppt/slides/slide47.xml><?xml version="1.0" encoding="utf-8"?>
 <p:sld xmlns:a="http://schemas.openxmlformats.org/drawingml/2006/main" xmlns:r="http://schemas.openxmlformats.org/officeDocument/2006/relationships" xmlns:p="http://schemas.openxmlformats.org/presentationml/2006/main">
   <p:cSld>
     <p:spTree>
@@ -21046,6 +21016,39 @@
           </a:p>
         </p:txBody>
       </p:sp>
+      <p:sp>
+        <p:nvSpPr>
+          <p:cNvPr id="3" name="Text Box 2"/>
+          <p:cNvSpPr txBox="1"/>
+          <p:nvPr/>
+        </p:nvSpPr>
+        <p:spPr>
+          <a:xfrm>
+            <a:off x="2900680" y="4434205"/>
+            <a:ext cx="7078345" cy="645160"/>
+          </a:xfrm>
+          <a:prstGeom prst="rect">
+            <a:avLst/>
+          </a:prstGeom>
+          <a:noFill/>
+        </p:spPr>
+        <p:txBody>
+          <a:bodyPr wrap="square" rtlCol="0" anchor="t">
+            <a:spAutoFit/>
+          </a:bodyPr>
+          <a:p>
+            <a:r>
+              <a:rPr lang="en-US" altLang="en-US">
+                <a:sym typeface="+mn-ea"/>
+              </a:rPr>
+              <a:t>https://www.scaler.com/topics/deep-learning/optimizers-in-deep-learning/</a:t>
+            </a:r>
+            <a:endParaRPr lang="en-US" altLang="en-US">
+              <a:sym typeface="+mn-ea"/>
+            </a:endParaRPr>
+          </a:p>
+        </p:txBody>
+      </p:sp>
     </p:spTree>
   </p:cSld>
   <p:clrMapOvr>
@@ -21054,7 +21057,7 @@
 </p:sld>
 </file>
 
-<file path=ppt/slides/slide49.xml><?xml version="1.0" encoding="utf-8"?>
+<file path=ppt/slides/slide48.xml><?xml version="1.0" encoding="utf-8"?>
 <p:sld xmlns:a="http://schemas.openxmlformats.org/drawingml/2006/main" xmlns:r="http://schemas.openxmlformats.org/officeDocument/2006/relationships" xmlns:p="http://schemas.openxmlformats.org/presentationml/2006/main">
   <p:cSld>
     <p:spTree>
@@ -21961,321 +21964,7 @@
 </p:sld>
 </file>
 
-<file path=ppt/slides/slide5.xml><?xml version="1.0" encoding="utf-8"?>
-<p:sld xmlns:a="http://schemas.openxmlformats.org/drawingml/2006/main" xmlns:r="http://schemas.openxmlformats.org/officeDocument/2006/relationships" xmlns:p="http://schemas.openxmlformats.org/presentationml/2006/main">
-  <p:cSld>
-    <p:spTree>
-      <p:nvGrpSpPr>
-        <p:cNvPr id="1" name=""/>
-        <p:cNvGrpSpPr/>
-        <p:nvPr/>
-      </p:nvGrpSpPr>
-      <p:grpSpPr/>
-      <p:pic>
-        <p:nvPicPr>
-          <p:cNvPr id="6" name="Picture 5"/>
-          <p:cNvPicPr/>
-          <p:nvPr/>
-        </p:nvPicPr>
-        <p:blipFill>
-          <a:blip r:embed="rId1"/>
-          <a:stretch>
-            <a:fillRect/>
-          </a:stretch>
-        </p:blipFill>
-        <p:spPr>
-          <a:xfrm>
-            <a:off x="5236210" y="250825"/>
-            <a:ext cx="6956425" cy="4227195"/>
-          </a:xfrm>
-          <a:prstGeom prst="rect">
-            <a:avLst/>
-          </a:prstGeom>
-        </p:spPr>
-      </p:pic>
-      <p:sp>
-        <p:nvSpPr>
-          <p:cNvPr id="2" name="Text Box 1"/>
-          <p:cNvSpPr txBox="1"/>
-          <p:nvPr/>
-        </p:nvSpPr>
-        <p:spPr>
-          <a:xfrm>
-            <a:off x="294005" y="1778000"/>
-            <a:ext cx="9720580" cy="3020060"/>
-          </a:xfrm>
-          <a:prstGeom prst="rect">
-            <a:avLst/>
-          </a:prstGeom>
-        </p:spPr>
-        <p:txBody>
-          <a:bodyPr wrap="square">
-            <a:spAutoFit/>
-          </a:bodyPr>
-          <a:p>
-            <a:pPr marL="25400" indent="0" algn="l" fontAlgn="base">
-              <a:spcBef>
-                <a:spcPts val="200"/>
-              </a:spcBef>
-              <a:spcAft>
-                <a:spcPts val="200"/>
-              </a:spcAft>
-            </a:pPr>
-            <a:r>
-              <a:rPr sz="3200" b="1" i="0">
-                <a:solidFill>
-                  <a:srgbClr val="273239"/>
-                </a:solidFill>
-                <a:latin typeface="Nunito"/>
-                <a:ea typeface="Nunito"/>
-              </a:rPr>
-              <a:t>Table of Content</a:t>
-            </a:r>
-            <a:endParaRPr sz="3200" b="1" i="0">
-              <a:solidFill>
-                <a:srgbClr val="273239"/>
-              </a:solidFill>
-              <a:latin typeface="Nunito"/>
-              <a:ea typeface="Nunito"/>
-            </a:endParaRPr>
-          </a:p>
-          <a:p>
-            <a:pPr marL="0" indent="0" algn="l" fontAlgn="base">
-              <a:lnSpc>
-                <a:spcPct val="140000"/>
-              </a:lnSpc>
-              <a:spcBef>
-                <a:spcPct val="0"/>
-              </a:spcBef>
-              <a:spcAft>
-                <a:spcPct val="0"/>
-              </a:spcAft>
-              <a:buFont typeface="Arial" panose="020B0604020202020204"/>
-              <a:buChar char="•"/>
-            </a:pPr>
-            <a:r>
-              <a:rPr sz="2800" b="0" i="0" u="sng">
-                <a:solidFill>
-                  <a:srgbClr val="273239"/>
-                </a:solidFill>
-                <a:latin typeface="Nunito"/>
-                <a:ea typeface="Nunito"/>
-              </a:rPr>
-              <a:t>What is a Loss Function?</a:t>
-            </a:r>
-            <a:endParaRPr sz="2800" b="0" i="0" u="sng">
-              <a:solidFill>
-                <a:srgbClr val="273239"/>
-              </a:solidFill>
-              <a:latin typeface="Nunito"/>
-              <a:ea typeface="Nunito"/>
-            </a:endParaRPr>
-          </a:p>
-          <a:p>
-            <a:pPr marL="0" indent="0" algn="l" fontAlgn="base">
-              <a:lnSpc>
-                <a:spcPct val="140000"/>
-              </a:lnSpc>
-              <a:spcBef>
-                <a:spcPct val="0"/>
-              </a:spcBef>
-              <a:spcAft>
-                <a:spcPct val="0"/>
-              </a:spcAft>
-              <a:buFont typeface="Arial" panose="020B0604020202020204"/>
-              <a:buChar char="•"/>
-            </a:pPr>
-            <a:r>
-              <a:rPr sz="2800" b="0" i="0" u="sng">
-                <a:solidFill>
-                  <a:srgbClr val="273239"/>
-                </a:solidFill>
-                <a:latin typeface="Nunito"/>
-                <a:ea typeface="Nunito"/>
-              </a:rPr>
-              <a:t>How Loss Functions Work?</a:t>
-            </a:r>
-            <a:endParaRPr sz="2800" b="0" i="0" u="sng">
-              <a:solidFill>
-                <a:srgbClr val="273239"/>
-              </a:solidFill>
-              <a:latin typeface="Nunito"/>
-              <a:ea typeface="Nunito"/>
-            </a:endParaRPr>
-          </a:p>
-          <a:p>
-            <a:pPr marL="0" indent="0" algn="l" fontAlgn="base">
-              <a:lnSpc>
-                <a:spcPct val="140000"/>
-              </a:lnSpc>
-              <a:spcBef>
-                <a:spcPct val="0"/>
-              </a:spcBef>
-              <a:spcAft>
-                <a:spcPct val="0"/>
-              </a:spcAft>
-              <a:buFont typeface="Arial" panose="020B0604020202020204"/>
-              <a:buChar char="•"/>
-            </a:pPr>
-            <a:r>
-              <a:rPr sz="2800" b="0" i="0" u="sng">
-                <a:solidFill>
-                  <a:srgbClr val="273239"/>
-                </a:solidFill>
-                <a:latin typeface="Nunito"/>
-                <a:ea typeface="Nunito"/>
-              </a:rPr>
-              <a:t>Types of Loss Functions</a:t>
-            </a:r>
-            <a:endParaRPr sz="2800" b="0" i="0" u="sng">
-              <a:solidFill>
-                <a:srgbClr val="273239"/>
-              </a:solidFill>
-              <a:latin typeface="Nunito"/>
-              <a:ea typeface="Nunito"/>
-            </a:endParaRPr>
-          </a:p>
-          <a:p>
-            <a:pPr marL="0" indent="0" algn="l" fontAlgn="base">
-              <a:lnSpc>
-                <a:spcPct val="140000"/>
-              </a:lnSpc>
-              <a:spcBef>
-                <a:spcPct val="0"/>
-              </a:spcBef>
-              <a:spcAft>
-                <a:spcPct val="0"/>
-              </a:spcAft>
-              <a:buFont typeface="Arial" panose="020B0604020202020204"/>
-              <a:buChar char="•"/>
-            </a:pPr>
-            <a:r>
-              <a:rPr sz="2800" b="0" i="0" u="sng">
-                <a:solidFill>
-                  <a:srgbClr val="273239"/>
-                </a:solidFill>
-                <a:latin typeface="Nunito"/>
-                <a:ea typeface="Nunito"/>
-              </a:rPr>
-              <a:t>How to Choose the Right Loss Function?</a:t>
-            </a:r>
-            <a:endParaRPr sz="2800" b="0" i="0" u="sng">
-              <a:solidFill>
-                <a:srgbClr val="273239"/>
-              </a:solidFill>
-              <a:latin typeface="Nunito"/>
-              <a:ea typeface="Nunito"/>
-              <a:hlinkClick r:id="rId2"/>
-            </a:endParaRPr>
-          </a:p>
-        </p:txBody>
-      </p:sp>
-      <p:sp>
-        <p:nvSpPr>
-          <p:cNvPr id="3" name="Text Box 2"/>
-          <p:cNvSpPr txBox="1"/>
-          <p:nvPr/>
-        </p:nvSpPr>
-        <p:spPr>
-          <a:xfrm>
-            <a:off x="294005" y="250825"/>
-            <a:ext cx="6096000" cy="768350"/>
-          </a:xfrm>
-          <a:prstGeom prst="rect">
-            <a:avLst/>
-          </a:prstGeom>
-          <a:noFill/>
-        </p:spPr>
-        <p:txBody>
-          <a:bodyPr wrap="square" rtlCol="0" anchor="t">
-            <a:spAutoFit/>
-          </a:bodyPr>
-          <a:p>
-            <a:r>
-              <a:rPr sz="4400" b="1">
-                <a:solidFill>
-                  <a:srgbClr val="FF0000"/>
-                </a:solidFill>
-                <a:effectLst>
-                  <a:outerShdw blurRad="38100" dist="38100" dir="2700000" algn="tl">
-                    <a:srgbClr val="000000">
-                      <a:alpha val="43137"/>
-                    </a:srgbClr>
-                  </a:outerShdw>
-                </a:effectLst>
-                <a:latin typeface="Arial Black" panose="020B0A04020102020204" charset="0"/>
-                <a:ea typeface="Google Sans"/>
-                <a:cs typeface="Arial Black" panose="020B0A04020102020204" charset="0"/>
-                <a:sym typeface="+mn-ea"/>
-              </a:rPr>
-              <a:t> </a:t>
-            </a:r>
-            <a:r>
-              <a:rPr lang="en-IN" sz="4400" b="1">
-                <a:solidFill>
-                  <a:srgbClr val="FF0000"/>
-                </a:solidFill>
-                <a:effectLst>
-                  <a:outerShdw blurRad="38100" dist="38100" dir="2700000" algn="tl">
-                    <a:srgbClr val="000000">
-                      <a:alpha val="43137"/>
-                    </a:srgbClr>
-                  </a:outerShdw>
-                </a:effectLst>
-                <a:latin typeface="Arial Black" panose="020B0A04020102020204" charset="0"/>
-                <a:ea typeface="Google Sans"/>
-                <a:cs typeface="Arial Black" panose="020B0A04020102020204" charset="0"/>
-                <a:sym typeface="+mn-ea"/>
-              </a:rPr>
-              <a:t>L</a:t>
-            </a:r>
-            <a:r>
-              <a:rPr sz="4400" b="1">
-                <a:solidFill>
-                  <a:srgbClr val="FF0000"/>
-                </a:solidFill>
-                <a:effectLst>
-                  <a:outerShdw blurRad="38100" dist="38100" dir="2700000" algn="tl">
-                    <a:srgbClr val="000000">
-                      <a:alpha val="43137"/>
-                    </a:srgbClr>
-                  </a:outerShdw>
-                </a:effectLst>
-                <a:latin typeface="Arial Black" panose="020B0A04020102020204" charset="0"/>
-                <a:ea typeface="Google Sans"/>
-                <a:cs typeface="Arial Black" panose="020B0A04020102020204" charset="0"/>
-                <a:sym typeface="+mn-ea"/>
-              </a:rPr>
-              <a:t>oss function</a:t>
-            </a:r>
-            <a:endParaRPr lang="en-US" sz="4400" b="1">
-              <a:solidFill>
-                <a:srgbClr val="FF0000"/>
-              </a:solidFill>
-              <a:effectLst>
-                <a:outerShdw blurRad="38100" dist="38100" dir="2700000" algn="tl">
-                  <a:srgbClr val="000000">
-                    <a:alpha val="43137"/>
-                  </a:srgbClr>
-                </a:outerShdw>
-              </a:effectLst>
-              <a:latin typeface="Arial Black" panose="020B0A04020102020204" charset="0"/>
-              <a:ea typeface="Google Sans"/>
-              <a:cs typeface="Arial Black" panose="020B0A04020102020204" charset="0"/>
-              <a:sym typeface="+mn-ea"/>
-            </a:endParaRPr>
-          </a:p>
-        </p:txBody>
-      </p:sp>
-    </p:spTree>
-  </p:cSld>
-  <p:clrMapOvr>
-    <a:masterClrMapping/>
-  </p:clrMapOvr>
-</p:sld>
-</file>
-
-<file path=ppt/slides/slide50.xml><?xml version="1.0" encoding="utf-8"?>
+<file path=ppt/slides/slide49.xml><?xml version="1.0" encoding="utf-8"?>
 <p:sld xmlns:a="http://schemas.openxmlformats.org/drawingml/2006/main" xmlns:r="http://schemas.openxmlformats.org/officeDocument/2006/relationships" xmlns:p="http://schemas.openxmlformats.org/presentationml/2006/main">
   <p:cSld>
     <p:spTree>
@@ -22302,8 +21991,8 @@
         </p:blipFill>
         <p:spPr>
           <a:xfrm>
-            <a:off x="6283960" y="324485"/>
-            <a:ext cx="5664200" cy="4704080"/>
+            <a:off x="5981700" y="324485"/>
+            <a:ext cx="5966460" cy="4618990"/>
           </a:xfrm>
           <a:prstGeom prst="rect">
             <a:avLst/>
@@ -22328,7 +22017,7 @@
         <p:spPr>
           <a:xfrm>
             <a:off x="255905" y="694690"/>
-            <a:ext cx="5965190" cy="6162675"/>
+            <a:ext cx="5725160" cy="6162675"/>
           </a:xfrm>
           <a:prstGeom prst="rect">
             <a:avLst/>
@@ -22400,95 +22089,13 @@
       </p:sp>
       <p:sp>
         <p:nvSpPr>
-          <p:cNvPr id="5" name="Text Box 4"/>
-          <p:cNvSpPr txBox="1"/>
-          <p:nvPr/>
-        </p:nvSpPr>
-        <p:spPr>
-          <a:xfrm>
-            <a:off x="6555105" y="4944110"/>
-            <a:ext cx="5393055" cy="2075180"/>
-          </a:xfrm>
-          <a:prstGeom prst="rect">
-            <a:avLst/>
-          </a:prstGeom>
-          <a:noFill/>
-        </p:spPr>
-        <p:txBody>
-          <a:bodyPr wrap="square" rtlCol="0" anchor="t">
-            <a:spAutoFit/>
-          </a:bodyPr>
-          <a:p>
-            <a:pPr>
-              <a:spcAft>
-                <a:spcPct val="60000"/>
-              </a:spcAft>
-            </a:pPr>
-            <a:r>
-              <a:rPr sz="1900" b="1">
-                <a:sym typeface="+mn-ea"/>
-              </a:rPr>
-              <a:t>🔹 (2) SGD with Momentum</a:t>
-            </a:r>
-            <a:endParaRPr sz="1900" b="1"/>
-          </a:p>
-          <a:p>
-            <a:r>
-              <a:rPr sz="1600">
-                <a:sym typeface="+mn-ea"/>
-              </a:rPr>
-              <a:t>✔ Adds a velocity term to accelerate updates in the right direction.</a:t>
-            </a:r>
-            <a:endParaRPr sz="1600"/>
-          </a:p>
-          <a:p>
-            <a:r>
-              <a:rPr sz="1600">
-                <a:sym typeface="+mn-ea"/>
-              </a:rPr>
-              <a:t> ✔ Helps escape local minima and smoothens updates.</a:t>
-            </a:r>
-            <a:endParaRPr sz="1600">
-              <a:sym typeface="+mn-ea"/>
-            </a:endParaRPr>
-          </a:p>
-          <a:p>
-            <a:r>
-              <a:rPr sz="1600">
-                <a:sym typeface="+mn-ea"/>
-              </a:rPr>
-              <a:t>✔ Pros: Faster convergence, less oscillation.</a:t>
-            </a:r>
-            <a:endParaRPr sz="1600"/>
-          </a:p>
-          <a:p>
-            <a:r>
-              <a:rPr sz="1600">
-                <a:sym typeface="+mn-ea"/>
-              </a:rPr>
-              <a:t> ✔ Cons: Still needs careful tuning of parameters.</a:t>
-            </a:r>
-            <a:endParaRPr sz="1600"/>
-          </a:p>
-          <a:p>
-            <a:pPr>
-              <a:spcAft>
-                <a:spcPct val="60000"/>
-              </a:spcAft>
-            </a:pPr>
-            <a:endParaRPr lang="en-US" sz="1600"/>
-          </a:p>
-        </p:txBody>
-      </p:sp>
-      <p:sp>
-        <p:nvSpPr>
           <p:cNvPr id="6" name="Text Box 5"/>
           <p:cNvSpPr txBox="1"/>
           <p:nvPr/>
         </p:nvSpPr>
         <p:spPr>
           <a:xfrm>
-            <a:off x="1984375" y="5287010"/>
+            <a:off x="3123565" y="5893435"/>
             <a:ext cx="4570095" cy="829945"/>
           </a:xfrm>
           <a:prstGeom prst="rect">
@@ -22539,7 +22146,70 @@
 </p:sld>
 </file>
 
-<file path=ppt/slides/slide51.xml><?xml version="1.0" encoding="utf-8"?>
+<file path=ppt/slides/slide5.xml><?xml version="1.0" encoding="utf-8"?>
+<p:sld xmlns:a="http://schemas.openxmlformats.org/drawingml/2006/main" xmlns:r="http://schemas.openxmlformats.org/officeDocument/2006/relationships" xmlns:p="http://schemas.openxmlformats.org/presentationml/2006/main">
+  <p:cSld>
+    <p:spTree>
+      <p:nvGrpSpPr>
+        <p:cNvPr id="1" name=""/>
+        <p:cNvGrpSpPr/>
+        <p:nvPr/>
+      </p:nvGrpSpPr>
+      <p:grpSpPr/>
+      <p:pic>
+        <p:nvPicPr>
+          <p:cNvPr id="6" name="Picture 5"/>
+          <p:cNvPicPr/>
+          <p:nvPr/>
+        </p:nvPicPr>
+        <p:blipFill>
+          <a:blip r:embed="rId1"/>
+          <a:srcRect b="4915"/>
+          <a:stretch>
+            <a:fillRect/>
+          </a:stretch>
+        </p:blipFill>
+        <p:spPr>
+          <a:xfrm>
+            <a:off x="219075" y="914400"/>
+            <a:ext cx="6007100" cy="4481830"/>
+          </a:xfrm>
+          <a:prstGeom prst="rect">
+            <a:avLst/>
+          </a:prstGeom>
+        </p:spPr>
+      </p:pic>
+      <p:pic>
+        <p:nvPicPr>
+          <p:cNvPr id="2" name="Picture 1"/>
+          <p:cNvPicPr/>
+          <p:nvPr/>
+        </p:nvPicPr>
+        <p:blipFill>
+          <a:blip r:embed="rId2"/>
+          <a:stretch>
+            <a:fillRect/>
+          </a:stretch>
+        </p:blipFill>
+        <p:spPr>
+          <a:xfrm>
+            <a:off x="6162675" y="768350"/>
+            <a:ext cx="5789295" cy="4482465"/>
+          </a:xfrm>
+          <a:prstGeom prst="rect">
+            <a:avLst/>
+          </a:prstGeom>
+        </p:spPr>
+      </p:pic>
+    </p:spTree>
+  </p:cSld>
+  <p:clrMapOvr>
+    <a:masterClrMapping/>
+  </p:clrMapOvr>
+</p:sld>
+</file>
+
+<file path=ppt/slides/slide50.xml><?xml version="1.0" encoding="utf-8"?>
 <p:sld xmlns:a="http://schemas.openxmlformats.org/drawingml/2006/main" xmlns:r="http://schemas.openxmlformats.org/officeDocument/2006/relationships" xmlns:p="http://schemas.openxmlformats.org/presentationml/2006/main">
   <p:cSld>
     <p:spTree>
@@ -22567,13 +22237,933 @@
         <p:spPr>
           <a:xfrm>
             <a:off x="273050" y="75565"/>
-            <a:ext cx="7580630" cy="3354070"/>
+            <a:ext cx="6421120" cy="3688080"/>
           </a:xfrm>
           <a:prstGeom prst="rect">
             <a:avLst/>
           </a:prstGeom>
         </p:spPr>
       </p:pic>
+      <p:sp>
+        <p:nvSpPr>
+          <p:cNvPr id="5" name="Text Box 4"/>
+          <p:cNvSpPr txBox="1"/>
+          <p:nvPr/>
+        </p:nvSpPr>
+        <p:spPr>
+          <a:xfrm>
+            <a:off x="273050" y="6579870"/>
+            <a:ext cx="7980680" cy="368300"/>
+          </a:xfrm>
+          <a:prstGeom prst="rect">
+            <a:avLst/>
+          </a:prstGeom>
+          <a:noFill/>
+        </p:spPr>
+        <p:txBody>
+          <a:bodyPr wrap="square" rtlCol="0" anchor="t">
+            <a:spAutoFit/>
+          </a:bodyPr>
+          <a:p>
+            <a:r>
+              <a:rPr lang="en-US" altLang="en-US"/>
+              <a:t>https://musstafa0804.medium.com/optimizers-in-deep-learning-7bf81fed78a0</a:t>
+            </a:r>
+            <a:endParaRPr lang="en-US"/>
+          </a:p>
+        </p:txBody>
+      </p:sp>
+      <p:sp>
+        <p:nvSpPr>
+          <p:cNvPr id="2" name="Text Box 1"/>
+          <p:cNvSpPr txBox="1"/>
+          <p:nvPr/>
+        </p:nvSpPr>
+        <p:spPr>
+          <a:xfrm>
+            <a:off x="6799580" y="406400"/>
+            <a:ext cx="5622925" cy="2482215"/>
+          </a:xfrm>
+          <a:prstGeom prst="rect">
+            <a:avLst/>
+          </a:prstGeom>
+          <a:noFill/>
+        </p:spPr>
+        <p:txBody>
+          <a:bodyPr wrap="square" rtlCol="0" anchor="t">
+            <a:noAutofit/>
+          </a:bodyPr>
+          <a:p>
+            <a:pPr>
+              <a:spcAft>
+                <a:spcPct val="60000"/>
+              </a:spcAft>
+            </a:pPr>
+            <a:r>
+              <a:rPr sz="1900" b="1">
+                <a:sym typeface="+mn-ea"/>
+              </a:rPr>
+              <a:t>🔹 (2) SGD with Momentum</a:t>
+            </a:r>
+            <a:endParaRPr sz="1900" b="1"/>
+          </a:p>
+          <a:p>
+            <a:r>
+              <a:rPr sz="1600">
+                <a:sym typeface="+mn-ea"/>
+              </a:rPr>
+              <a:t>✔ Adds a velocity term to accelerate updates in the right direction.</a:t>
+            </a:r>
+            <a:endParaRPr sz="1600"/>
+          </a:p>
+          <a:p>
+            <a:r>
+              <a:rPr sz="1600">
+                <a:sym typeface="+mn-ea"/>
+              </a:rPr>
+              <a:t> ✔ Helps escape local minima and smoothens updates.</a:t>
+            </a:r>
+            <a:endParaRPr sz="1600">
+              <a:sym typeface="+mn-ea"/>
+            </a:endParaRPr>
+          </a:p>
+          <a:p>
+            <a:r>
+              <a:rPr sz="1600">
+                <a:sym typeface="+mn-ea"/>
+              </a:rPr>
+              <a:t>✔ Pros: Faster convergence, less oscillation.</a:t>
+            </a:r>
+            <a:endParaRPr sz="1600"/>
+          </a:p>
+          <a:p>
+            <a:r>
+              <a:rPr sz="1600">
+                <a:sym typeface="+mn-ea"/>
+              </a:rPr>
+              <a:t> ✔ Cons: Still needs careful tuning of parameters.</a:t>
+            </a:r>
+            <a:endParaRPr sz="1600"/>
+          </a:p>
+          <a:p>
+            <a:pPr>
+              <a:spcAft>
+                <a:spcPct val="60000"/>
+              </a:spcAft>
+            </a:pPr>
+            <a:endParaRPr lang="en-US" sz="1600"/>
+          </a:p>
+        </p:txBody>
+      </p:sp>
+      <p:sp>
+        <p:nvSpPr>
+          <p:cNvPr id="7" name="Text Box 6"/>
+          <p:cNvSpPr txBox="1"/>
+          <p:nvPr/>
+        </p:nvSpPr>
+        <p:spPr>
+          <a:xfrm>
+            <a:off x="6946900" y="2376805"/>
+            <a:ext cx="5092700" cy="645160"/>
+          </a:xfrm>
+          <a:prstGeom prst="rect">
+            <a:avLst/>
+          </a:prstGeom>
+          <a:noFill/>
+        </p:spPr>
+        <p:txBody>
+          <a:bodyPr wrap="square" rtlCol="0" anchor="t">
+            <a:spAutoFit/>
+          </a:bodyPr>
+          <a:p>
+            <a:r>
+              <a:rPr lang="en-US" altLang="en-US"/>
+              <a:t>https://paperswithcode.com/method/sgd-with-momentum</a:t>
+            </a:r>
+            <a:endParaRPr lang="en-US"/>
+          </a:p>
+        </p:txBody>
+      </p:sp>
+    </p:spTree>
+  </p:cSld>
+  <p:clrMapOvr>
+    <a:masterClrMapping/>
+  </p:clrMapOvr>
+</p:sld>
+</file>
+
+<file path=ppt/slides/slide51.xml><?xml version="1.0" encoding="utf-8"?>
+<p:sld xmlns:a="http://schemas.openxmlformats.org/drawingml/2006/main" xmlns:r="http://schemas.openxmlformats.org/officeDocument/2006/relationships" xmlns:p="http://schemas.openxmlformats.org/presentationml/2006/main">
+  <p:cSld>
+    <p:spTree>
+      <p:nvGrpSpPr>
+        <p:cNvPr id="1" name=""/>
+        <p:cNvGrpSpPr/>
+        <p:nvPr/>
+      </p:nvGrpSpPr>
+      <p:grpSpPr/>
+      <p:sp>
+        <p:nvSpPr>
+          <p:cNvPr id="2" name="Text Box 1"/>
+          <p:cNvSpPr txBox="1"/>
+          <p:nvPr/>
+        </p:nvSpPr>
+        <p:spPr>
+          <a:xfrm>
+            <a:off x="263525" y="255905"/>
+            <a:ext cx="5258435" cy="6247130"/>
+          </a:xfrm>
+          <a:prstGeom prst="rect">
+            <a:avLst/>
+          </a:prstGeom>
+        </p:spPr>
+        <p:txBody>
+          <a:bodyPr wrap="square">
+            <a:spAutoFit/>
+          </a:bodyPr>
+          <a:p>
+            <a:pPr marL="0" indent="0">
+              <a:spcBef>
+                <a:spcPts val="1000"/>
+              </a:spcBef>
+              <a:spcAft>
+                <a:spcPts val="500"/>
+              </a:spcAft>
+            </a:pPr>
+            <a:r>
+              <a:rPr sz="2400" b="1" i="0">
+                <a:solidFill>
+                  <a:srgbClr val="FF0000"/>
+                </a:solidFill>
+                <a:effectLst>
+                  <a:outerShdw blurRad="38100" dist="38100" dir="2700000" algn="tl">
+                    <a:srgbClr val="000000">
+                      <a:alpha val="43137"/>
+                    </a:srgbClr>
+                  </a:outerShdw>
+                </a:effectLst>
+                <a:latin typeface="Arial" panose="020B0604020202020204" pitchFamily="34" charset="0"/>
+                <a:ea typeface="Google Sans"/>
+                <a:cs typeface="Arial" panose="020B0604020202020204" pitchFamily="34" charset="0"/>
+              </a:rPr>
+              <a:t>What is SGD?</a:t>
+            </a:r>
+            <a:endParaRPr sz="2400" b="1" i="0">
+              <a:solidFill>
+                <a:srgbClr val="FF0000"/>
+              </a:solidFill>
+              <a:effectLst>
+                <a:outerShdw blurRad="38100" dist="38100" dir="2700000" algn="tl">
+                  <a:srgbClr val="000000">
+                    <a:alpha val="43137"/>
+                  </a:srgbClr>
+                </a:outerShdw>
+              </a:effectLst>
+              <a:latin typeface="Arial" panose="020B0604020202020204" pitchFamily="34" charset="0"/>
+              <a:ea typeface="Google Sans"/>
+              <a:cs typeface="Arial" panose="020B0604020202020204" pitchFamily="34" charset="0"/>
+            </a:endParaRPr>
+          </a:p>
+          <a:p>
+            <a:pPr marL="0" indent="0">
+              <a:spcBef>
+                <a:spcPct val="0"/>
+              </a:spcBef>
+              <a:spcAft>
+                <a:spcPts val="400"/>
+              </a:spcAft>
+              <a:buFont typeface="Arial" panose="020B0604020202020204"/>
+              <a:buChar char="•"/>
+            </a:pPr>
+            <a:r>
+              <a:rPr sz="1600" b="1" i="0">
+                <a:solidFill>
+                  <a:srgbClr val="001D35"/>
+                </a:solidFill>
+                <a:latin typeface="Arial" panose="020B0604020202020204" pitchFamily="34" charset="0"/>
+                <a:ea typeface="Google Sans"/>
+                <a:cs typeface="Arial" panose="020B0604020202020204" pitchFamily="34" charset="0"/>
+              </a:rPr>
+              <a:t>Stochastic Gradient Descent (SGD):</a:t>
+            </a:r>
+            <a:endParaRPr sz="1600" b="1" i="0">
+              <a:solidFill>
+                <a:srgbClr val="001D35"/>
+              </a:solidFill>
+              <a:latin typeface="Arial" panose="020B0604020202020204" pitchFamily="34" charset="0"/>
+              <a:ea typeface="Google Sans"/>
+              <a:cs typeface="Arial" panose="020B0604020202020204" pitchFamily="34" charset="0"/>
+            </a:endParaRPr>
+          </a:p>
+          <a:p>
+            <a:pPr marL="0" indent="0">
+              <a:spcBef>
+                <a:spcPct val="0"/>
+              </a:spcBef>
+              <a:spcAft>
+                <a:spcPts val="400"/>
+              </a:spcAft>
+            </a:pPr>
+            <a:r>
+              <a:rPr sz="1600" b="0" i="0">
+                <a:solidFill>
+                  <a:srgbClr val="001D35"/>
+                </a:solidFill>
+                <a:latin typeface="Arial" panose="020B0604020202020204" pitchFamily="34" charset="0"/>
+                <a:ea typeface="Google Sans"/>
+                <a:cs typeface="Arial" panose="020B0604020202020204" pitchFamily="34" charset="0"/>
+              </a:rPr>
+              <a:t>An iterative optimization algorithm used to find the minimum of a function. It updates the model parameters based on the gradient of the loss function calculated on a small, randomly selected subset of the training data (a mini-batch). </a:t>
+            </a:r>
+            <a:endParaRPr sz="1600" b="0" i="0">
+              <a:solidFill>
+                <a:srgbClr val="001D35"/>
+              </a:solidFill>
+              <a:latin typeface="Arial" panose="020B0604020202020204" pitchFamily="34" charset="0"/>
+              <a:ea typeface="Google Sans"/>
+              <a:cs typeface="Arial" panose="020B0604020202020204" pitchFamily="34" charset="0"/>
+            </a:endParaRPr>
+          </a:p>
+          <a:p>
+            <a:pPr marL="0" indent="0">
+              <a:spcBef>
+                <a:spcPct val="0"/>
+              </a:spcBef>
+              <a:spcAft>
+                <a:spcPts val="400"/>
+              </a:spcAft>
+            </a:pPr>
+            <a:endParaRPr sz="1600" b="0" i="0">
+              <a:solidFill>
+                <a:srgbClr val="001D35"/>
+              </a:solidFill>
+              <a:latin typeface="Arial" panose="020B0604020202020204" pitchFamily="34" charset="0"/>
+              <a:ea typeface="Google Sans"/>
+              <a:cs typeface="Arial" panose="020B0604020202020204" pitchFamily="34" charset="0"/>
+            </a:endParaRPr>
+          </a:p>
+          <a:p>
+            <a:pPr marL="0" indent="0">
+              <a:spcBef>
+                <a:spcPct val="0"/>
+              </a:spcBef>
+              <a:spcAft>
+                <a:spcPct val="0"/>
+              </a:spcAft>
+              <a:buFont typeface="Arial" panose="020B0604020202020204"/>
+              <a:buChar char="•"/>
+            </a:pPr>
+            <a:r>
+              <a:rPr sz="1600" b="1" i="0">
+                <a:solidFill>
+                  <a:srgbClr val="001D35"/>
+                </a:solidFill>
+                <a:latin typeface="Arial" panose="020B0604020202020204" pitchFamily="34" charset="0"/>
+                <a:ea typeface="Google Sans"/>
+                <a:cs typeface="Arial" panose="020B0604020202020204" pitchFamily="34" charset="0"/>
+              </a:rPr>
+              <a:t>Challenges of SGD:</a:t>
+            </a:r>
+            <a:endParaRPr sz="1600" b="1" i="0">
+              <a:solidFill>
+                <a:srgbClr val="001D35"/>
+              </a:solidFill>
+              <a:latin typeface="Arial" panose="020B0604020202020204" pitchFamily="34" charset="0"/>
+              <a:ea typeface="Google Sans"/>
+              <a:cs typeface="Arial" panose="020B0604020202020204" pitchFamily="34" charset="0"/>
+            </a:endParaRPr>
+          </a:p>
+          <a:p>
+            <a:pPr marL="0" indent="0">
+              <a:spcBef>
+                <a:spcPct val="0"/>
+              </a:spcBef>
+              <a:spcAft>
+                <a:spcPct val="0"/>
+              </a:spcAft>
+            </a:pPr>
+            <a:r>
+              <a:rPr sz="1600" b="0" i="0">
+                <a:solidFill>
+                  <a:srgbClr val="001D35"/>
+                </a:solidFill>
+                <a:latin typeface="Arial" panose="020B0604020202020204" pitchFamily="34" charset="0"/>
+                <a:ea typeface="Google Sans"/>
+                <a:cs typeface="Arial" panose="020B0604020202020204" pitchFamily="34" charset="0"/>
+              </a:rPr>
+              <a:t>Standard SGD can be slow to converge, and its updates can be noisy and oscillatory, especially in complex loss landscapes. </a:t>
+            </a:r>
+            <a:endParaRPr sz="1600" b="0" i="0">
+              <a:solidFill>
+                <a:srgbClr val="001D35"/>
+              </a:solidFill>
+              <a:latin typeface="Arial" panose="020B0604020202020204" pitchFamily="34" charset="0"/>
+              <a:ea typeface="Google Sans"/>
+              <a:cs typeface="Arial" panose="020B0604020202020204" pitchFamily="34" charset="0"/>
+            </a:endParaRPr>
+          </a:p>
+          <a:p>
+            <a:pPr marL="0" indent="0">
+              <a:spcBef>
+                <a:spcPts val="1000"/>
+              </a:spcBef>
+              <a:spcAft>
+                <a:spcPts val="500"/>
+              </a:spcAft>
+            </a:pPr>
+            <a:r>
+              <a:rPr sz="1600" b="1" i="0">
+                <a:solidFill>
+                  <a:srgbClr val="001D35"/>
+                </a:solidFill>
+                <a:latin typeface="Arial" panose="020B0604020202020204" pitchFamily="34" charset="0"/>
+                <a:ea typeface="Google Sans"/>
+                <a:cs typeface="Arial" panose="020B0604020202020204" pitchFamily="34" charset="0"/>
+              </a:rPr>
+              <a:t>How Momentum Helps:</a:t>
+            </a:r>
+            <a:endParaRPr sz="1600" b="1" i="0">
+              <a:solidFill>
+                <a:srgbClr val="001D35"/>
+              </a:solidFill>
+              <a:latin typeface="Arial" panose="020B0604020202020204" pitchFamily="34" charset="0"/>
+              <a:ea typeface="Google Sans"/>
+              <a:cs typeface="Arial" panose="020B0604020202020204" pitchFamily="34" charset="0"/>
+            </a:endParaRPr>
+          </a:p>
+          <a:p>
+            <a:pPr marL="0" indent="0">
+              <a:spcBef>
+                <a:spcPct val="0"/>
+              </a:spcBef>
+              <a:spcAft>
+                <a:spcPts val="400"/>
+              </a:spcAft>
+              <a:buFont typeface="Arial" panose="020B0604020202020204"/>
+              <a:buChar char="•"/>
+            </a:pPr>
+            <a:r>
+              <a:rPr sz="1600" b="1" i="0">
+                <a:solidFill>
+                  <a:srgbClr val="001D35"/>
+                </a:solidFill>
+                <a:latin typeface="Arial" panose="020B0604020202020204" pitchFamily="34" charset="0"/>
+                <a:ea typeface="Google Sans"/>
+                <a:cs typeface="Arial" panose="020B0604020202020204" pitchFamily="34" charset="0"/>
+              </a:rPr>
+              <a:t>Intuition:</a:t>
+            </a:r>
+            <a:endParaRPr sz="1600" b="1" i="0">
+              <a:solidFill>
+                <a:srgbClr val="001D35"/>
+              </a:solidFill>
+              <a:latin typeface="Arial" panose="020B0604020202020204" pitchFamily="34" charset="0"/>
+              <a:ea typeface="Google Sans"/>
+              <a:cs typeface="Arial" panose="020B0604020202020204" pitchFamily="34" charset="0"/>
+            </a:endParaRPr>
+          </a:p>
+          <a:p>
+            <a:pPr marL="0" indent="0">
+              <a:spcBef>
+                <a:spcPct val="0"/>
+              </a:spcBef>
+              <a:spcAft>
+                <a:spcPts val="400"/>
+              </a:spcAft>
+            </a:pPr>
+            <a:r>
+              <a:rPr sz="1600" b="0" i="0">
+                <a:solidFill>
+                  <a:srgbClr val="001D35"/>
+                </a:solidFill>
+                <a:latin typeface="Arial" panose="020B0604020202020204" pitchFamily="34" charset="0"/>
+                <a:ea typeface="Google Sans"/>
+                <a:cs typeface="Arial" panose="020B0604020202020204" pitchFamily="34" charset="0"/>
+              </a:rPr>
+              <a:t>Imagine a ball rolling down a hill. It gains speed as it rolls, and this speed (or velocity) is analogous to the momentum in SGDM. </a:t>
+            </a:r>
+            <a:endParaRPr sz="1600" b="0" i="0">
+              <a:solidFill>
+                <a:srgbClr val="001D35"/>
+              </a:solidFill>
+              <a:latin typeface="Arial" panose="020B0604020202020204" pitchFamily="34" charset="0"/>
+              <a:ea typeface="Google Sans"/>
+              <a:cs typeface="Arial" panose="020B0604020202020204" pitchFamily="34" charset="0"/>
+            </a:endParaRPr>
+          </a:p>
+          <a:p>
+            <a:pPr marL="0" indent="0">
+              <a:spcBef>
+                <a:spcPct val="0"/>
+              </a:spcBef>
+              <a:spcAft>
+                <a:spcPts val="400"/>
+              </a:spcAft>
+              <a:buFont typeface="Arial" panose="020B0604020202020204"/>
+              <a:buChar char="•"/>
+            </a:pPr>
+            <a:r>
+              <a:rPr sz="1600" b="1" i="0">
+                <a:solidFill>
+                  <a:srgbClr val="001D35"/>
+                </a:solidFill>
+                <a:latin typeface="Arial" panose="020B0604020202020204" pitchFamily="34" charset="0"/>
+                <a:ea typeface="Google Sans"/>
+                <a:cs typeface="Arial" panose="020B0604020202020204" pitchFamily="34" charset="0"/>
+              </a:rPr>
+              <a:t>Mechanism:</a:t>
+            </a:r>
+            <a:endParaRPr sz="1600" b="1" i="0">
+              <a:solidFill>
+                <a:srgbClr val="001D35"/>
+              </a:solidFill>
+              <a:latin typeface="Arial" panose="020B0604020202020204" pitchFamily="34" charset="0"/>
+              <a:ea typeface="Google Sans"/>
+              <a:cs typeface="Arial" panose="020B0604020202020204" pitchFamily="34" charset="0"/>
+            </a:endParaRPr>
+          </a:p>
+          <a:p>
+            <a:pPr marL="0" indent="0">
+              <a:spcBef>
+                <a:spcPct val="0"/>
+              </a:spcBef>
+              <a:spcAft>
+                <a:spcPts val="400"/>
+              </a:spcAft>
+            </a:pPr>
+            <a:r>
+              <a:rPr sz="1600" b="0" i="0">
+                <a:solidFill>
+                  <a:srgbClr val="001D35"/>
+                </a:solidFill>
+                <a:latin typeface="Arial" panose="020B0604020202020204" pitchFamily="34" charset="0"/>
+                <a:ea typeface="Google Sans"/>
+                <a:cs typeface="Arial" panose="020B0604020202020204" pitchFamily="34" charset="0"/>
+              </a:rPr>
+              <a:t>SGDM accumulates a moving average of past gradients, which acts as a "velocity" or "momentum" that guides the updates. </a:t>
+            </a:r>
+            <a:endParaRPr sz="1600" b="0" i="0">
+              <a:solidFill>
+                <a:srgbClr val="001D35"/>
+              </a:solidFill>
+              <a:latin typeface="Arial" panose="020B0604020202020204" pitchFamily="34" charset="0"/>
+              <a:ea typeface="Google Sans"/>
+              <a:cs typeface="Arial" panose="020B0604020202020204" pitchFamily="34" charset="0"/>
+            </a:endParaRPr>
+          </a:p>
+          <a:p>
+            <a:pPr marL="0" indent="0">
+              <a:spcBef>
+                <a:spcPct val="0"/>
+              </a:spcBef>
+              <a:spcAft>
+                <a:spcPct val="0"/>
+              </a:spcAft>
+              <a:buFont typeface="Arial" panose="020B0604020202020204"/>
+              <a:buChar char="•"/>
+            </a:pPr>
+            <a:endParaRPr sz="1600" b="0" i="0">
+              <a:solidFill>
+                <a:srgbClr val="001D35"/>
+              </a:solidFill>
+              <a:latin typeface="Arial" panose="020B0604020202020204" pitchFamily="34" charset="0"/>
+              <a:ea typeface="Google Sans"/>
+              <a:cs typeface="Arial" panose="020B0604020202020204" pitchFamily="34" charset="0"/>
+            </a:endParaRPr>
+          </a:p>
+        </p:txBody>
+      </p:sp>
+      <p:sp>
+        <p:nvSpPr>
+          <p:cNvPr id="3" name="Text Box 2"/>
+          <p:cNvSpPr txBox="1"/>
+          <p:nvPr/>
+        </p:nvSpPr>
+        <p:spPr>
+          <a:xfrm>
+            <a:off x="5891530" y="255905"/>
+            <a:ext cx="6096000" cy="6408420"/>
+          </a:xfrm>
+          <a:prstGeom prst="rect">
+            <a:avLst/>
+          </a:prstGeom>
+          <a:noFill/>
+        </p:spPr>
+        <p:txBody>
+          <a:bodyPr wrap="square" rtlCol="0" anchor="t">
+            <a:spAutoFit/>
+          </a:bodyPr>
+          <a:p>
+            <a:pPr marL="0" indent="0">
+              <a:spcBef>
+                <a:spcPct val="0"/>
+              </a:spcBef>
+              <a:spcAft>
+                <a:spcPct val="0"/>
+              </a:spcAft>
+              <a:buFont typeface="Arial" panose="020B0604020202020204"/>
+              <a:buChar char="•"/>
+            </a:pPr>
+            <a:r>
+              <a:rPr sz="1600" b="1">
+                <a:solidFill>
+                  <a:srgbClr val="001D35"/>
+                </a:solidFill>
+                <a:latin typeface="Arial" panose="020B0604020202020204" pitchFamily="34" charset="0"/>
+                <a:ea typeface="Google Sans"/>
+                <a:cs typeface="Arial" panose="020B0604020202020204" pitchFamily="34" charset="0"/>
+                <a:sym typeface="+mn-ea"/>
+              </a:rPr>
+              <a:t>Benefits:</a:t>
+            </a:r>
+            <a:endParaRPr sz="1600" b="1" i="0">
+              <a:solidFill>
+                <a:srgbClr val="001D35"/>
+              </a:solidFill>
+              <a:latin typeface="Arial" panose="020B0604020202020204" pitchFamily="34" charset="0"/>
+              <a:ea typeface="Google Sans"/>
+              <a:cs typeface="Arial" panose="020B0604020202020204" pitchFamily="34" charset="0"/>
+            </a:endParaRPr>
+          </a:p>
+          <a:p>
+            <a:pPr marL="0" lvl="1" indent="0">
+              <a:spcBef>
+                <a:spcPct val="0"/>
+              </a:spcBef>
+              <a:spcAft>
+                <a:spcPts val="400"/>
+              </a:spcAft>
+              <a:buFont typeface="Arial" panose="020B0604020202020204"/>
+              <a:buChar char="◦"/>
+            </a:pPr>
+            <a:r>
+              <a:rPr sz="1600">
+                <a:solidFill>
+                  <a:srgbClr val="001D35"/>
+                </a:solidFill>
+                <a:latin typeface="Arial" panose="020B0604020202020204" pitchFamily="34" charset="0"/>
+                <a:ea typeface="Google Sans"/>
+                <a:cs typeface="Arial" panose="020B0604020202020204" pitchFamily="34" charset="0"/>
+                <a:sym typeface="+mn-ea"/>
+              </a:rPr>
+              <a:t>Faster Convergence: The momentum term helps the algorithm move more quickly in the correct direction, leading to faster convergence compared to standard SGD. </a:t>
+            </a:r>
+            <a:endParaRPr sz="1600" b="0" i="0">
+              <a:solidFill>
+                <a:srgbClr val="001D35"/>
+              </a:solidFill>
+              <a:latin typeface="Arial" panose="020B0604020202020204" pitchFamily="34" charset="0"/>
+              <a:ea typeface="Google Sans"/>
+              <a:cs typeface="Arial" panose="020B0604020202020204" pitchFamily="34" charset="0"/>
+            </a:endParaRPr>
+          </a:p>
+          <a:p>
+            <a:pPr marL="0" lvl="1" indent="0">
+              <a:spcBef>
+                <a:spcPct val="0"/>
+              </a:spcBef>
+              <a:spcAft>
+                <a:spcPts val="400"/>
+              </a:spcAft>
+              <a:buFont typeface="Arial" panose="020B0604020202020204"/>
+              <a:buChar char="◦"/>
+            </a:pPr>
+            <a:r>
+              <a:rPr sz="1600">
+                <a:solidFill>
+                  <a:srgbClr val="001D35"/>
+                </a:solidFill>
+                <a:latin typeface="Arial" panose="020B0604020202020204" pitchFamily="34" charset="0"/>
+                <a:ea typeface="Google Sans"/>
+                <a:cs typeface="Arial" panose="020B0604020202020204" pitchFamily="34" charset="0"/>
+                <a:sym typeface="+mn-ea"/>
+              </a:rPr>
+              <a:t>Dampens Oscillations: By smoothing out the updates, momentum helps reduce the oscillations and noisy behavior that can occur in standard SGD. </a:t>
+            </a:r>
+            <a:endParaRPr sz="1600" b="0" i="0">
+              <a:solidFill>
+                <a:srgbClr val="001D35"/>
+              </a:solidFill>
+              <a:latin typeface="Arial" panose="020B0604020202020204" pitchFamily="34" charset="0"/>
+              <a:ea typeface="Google Sans"/>
+              <a:cs typeface="Arial" panose="020B0604020202020204" pitchFamily="34" charset="0"/>
+            </a:endParaRPr>
+          </a:p>
+          <a:p>
+            <a:pPr marL="0" lvl="1" indent="0">
+              <a:spcBef>
+                <a:spcPct val="0"/>
+              </a:spcBef>
+              <a:spcAft>
+                <a:spcPct val="0"/>
+              </a:spcAft>
+              <a:buFont typeface="Arial" panose="020B0604020202020204"/>
+              <a:buChar char="◦"/>
+            </a:pPr>
+            <a:r>
+              <a:rPr sz="1600">
+                <a:solidFill>
+                  <a:srgbClr val="001D35"/>
+                </a:solidFill>
+                <a:latin typeface="Arial" panose="020B0604020202020204" pitchFamily="34" charset="0"/>
+                <a:ea typeface="Google Sans"/>
+                <a:cs typeface="Arial" panose="020B0604020202020204" pitchFamily="34" charset="0"/>
+                <a:sym typeface="+mn-ea"/>
+              </a:rPr>
+              <a:t>Escaping Local Minima: The momentum can help the algorithm "jump" over small bumps or local minima, leading to a better chance of finding the global minimum. </a:t>
+            </a:r>
+            <a:endParaRPr sz="1600" b="0" i="0">
+              <a:solidFill>
+                <a:srgbClr val="001D35"/>
+              </a:solidFill>
+              <a:latin typeface="Arial" panose="020B0604020202020204" pitchFamily="34" charset="0"/>
+              <a:ea typeface="Google Sans"/>
+              <a:cs typeface="Arial" panose="020B0604020202020204" pitchFamily="34" charset="0"/>
+            </a:endParaRPr>
+          </a:p>
+          <a:p>
+            <a:pPr marL="0" indent="0">
+              <a:spcBef>
+                <a:spcPts val="1000"/>
+              </a:spcBef>
+              <a:spcAft>
+                <a:spcPts val="500"/>
+              </a:spcAft>
+            </a:pPr>
+            <a:r>
+              <a:rPr sz="1600" b="1">
+                <a:solidFill>
+                  <a:srgbClr val="001D35"/>
+                </a:solidFill>
+                <a:latin typeface="Arial" panose="020B0604020202020204" pitchFamily="34" charset="0"/>
+                <a:ea typeface="Google Sans"/>
+                <a:cs typeface="Arial" panose="020B0604020202020204" pitchFamily="34" charset="0"/>
+                <a:sym typeface="+mn-ea"/>
+              </a:rPr>
+              <a:t>Key Concepts:</a:t>
+            </a:r>
+            <a:endParaRPr sz="1600" b="1" i="0">
+              <a:solidFill>
+                <a:srgbClr val="001D35"/>
+              </a:solidFill>
+              <a:latin typeface="Arial" panose="020B0604020202020204" pitchFamily="34" charset="0"/>
+              <a:ea typeface="Google Sans"/>
+              <a:cs typeface="Arial" panose="020B0604020202020204" pitchFamily="34" charset="0"/>
+            </a:endParaRPr>
+          </a:p>
+          <a:p>
+            <a:pPr marL="0" indent="0">
+              <a:spcBef>
+                <a:spcPct val="0"/>
+              </a:spcBef>
+              <a:spcAft>
+                <a:spcPts val="400"/>
+              </a:spcAft>
+              <a:buFont typeface="Arial" panose="020B0604020202020204"/>
+              <a:buChar char="•"/>
+            </a:pPr>
+            <a:r>
+              <a:rPr sz="1600" b="1">
+                <a:solidFill>
+                  <a:srgbClr val="001D35"/>
+                </a:solidFill>
+                <a:latin typeface="Arial" panose="020B0604020202020204" pitchFamily="34" charset="0"/>
+                <a:ea typeface="Google Sans"/>
+                <a:cs typeface="Arial" panose="020B0604020202020204" pitchFamily="34" charset="0"/>
+                <a:sym typeface="+mn-ea"/>
+              </a:rPr>
+              <a:t>Momentum Parameter (β):</a:t>
+            </a:r>
+            <a:r>
+              <a:rPr sz="1600">
+                <a:solidFill>
+                  <a:srgbClr val="001D35"/>
+                </a:solidFill>
+                <a:latin typeface="Arial" panose="020B0604020202020204" pitchFamily="34" charset="0"/>
+                <a:ea typeface="Google Sans"/>
+                <a:cs typeface="Arial" panose="020B0604020202020204" pitchFamily="34" charset="0"/>
+                <a:sym typeface="+mn-ea"/>
+              </a:rPr>
+              <a:t> A hyperparameter that controls the strength of the momentum term. It's typically a value between 0 and 1.</a:t>
+            </a:r>
+            <a:endParaRPr sz="1600" b="0" i="0">
+              <a:solidFill>
+                <a:srgbClr val="001D35"/>
+              </a:solidFill>
+              <a:latin typeface="Arial" panose="020B0604020202020204" pitchFamily="34" charset="0"/>
+              <a:ea typeface="Google Sans"/>
+              <a:cs typeface="Arial" panose="020B0604020202020204" pitchFamily="34" charset="0"/>
+            </a:endParaRPr>
+          </a:p>
+          <a:p>
+            <a:pPr marL="0" indent="0">
+              <a:spcBef>
+                <a:spcPct val="0"/>
+              </a:spcBef>
+              <a:spcAft>
+                <a:spcPts val="400"/>
+              </a:spcAft>
+              <a:buFont typeface="Arial" panose="020B0604020202020204"/>
+              <a:buChar char="•"/>
+            </a:pPr>
+            <a:r>
+              <a:rPr sz="1600" b="1">
+                <a:solidFill>
+                  <a:srgbClr val="001D35"/>
+                </a:solidFill>
+                <a:latin typeface="Arial" panose="020B0604020202020204" pitchFamily="34" charset="0"/>
+                <a:ea typeface="Google Sans"/>
+                <a:cs typeface="Arial" panose="020B0604020202020204" pitchFamily="34" charset="0"/>
+                <a:sym typeface="+mn-ea"/>
+              </a:rPr>
+              <a:t>Velocity (v)</a:t>
+            </a:r>
+            <a:r>
+              <a:rPr sz="1600">
+                <a:solidFill>
+                  <a:srgbClr val="001D35"/>
+                </a:solidFill>
+                <a:latin typeface="Arial" panose="020B0604020202020204" pitchFamily="34" charset="0"/>
+                <a:ea typeface="Google Sans"/>
+                <a:cs typeface="Arial" panose="020B0604020202020204" pitchFamily="34" charset="0"/>
+                <a:sym typeface="+mn-ea"/>
+              </a:rPr>
+              <a:t>: A vector that stores the accumulated momentum, initialized to zero.</a:t>
+            </a:r>
+            <a:endParaRPr sz="1600" b="0" i="0">
+              <a:solidFill>
+                <a:srgbClr val="001D35"/>
+              </a:solidFill>
+              <a:latin typeface="Arial" panose="020B0604020202020204" pitchFamily="34" charset="0"/>
+              <a:ea typeface="Google Sans"/>
+              <a:cs typeface="Arial" panose="020B0604020202020204" pitchFamily="34" charset="0"/>
+            </a:endParaRPr>
+          </a:p>
+          <a:p>
+            <a:pPr marL="0" indent="0">
+              <a:spcBef>
+                <a:spcPct val="0"/>
+              </a:spcBef>
+              <a:spcAft>
+                <a:spcPct val="0"/>
+              </a:spcAft>
+              <a:buFont typeface="Arial" panose="020B0604020202020204"/>
+              <a:buChar char="•"/>
+            </a:pPr>
+            <a:r>
+              <a:rPr sz="1600" b="1">
+                <a:solidFill>
+                  <a:srgbClr val="001D35"/>
+                </a:solidFill>
+                <a:latin typeface="Arial" panose="020B0604020202020204" pitchFamily="34" charset="0"/>
+                <a:ea typeface="Google Sans"/>
+                <a:cs typeface="Arial" panose="020B0604020202020204" pitchFamily="34" charset="0"/>
+                <a:sym typeface="+mn-ea"/>
+              </a:rPr>
+              <a:t>Update Rule: </a:t>
+            </a:r>
+            <a:r>
+              <a:rPr sz="1600">
+                <a:solidFill>
+                  <a:srgbClr val="001D35"/>
+                </a:solidFill>
+                <a:latin typeface="Arial" panose="020B0604020202020204" pitchFamily="34" charset="0"/>
+                <a:ea typeface="Google Sans"/>
+                <a:cs typeface="Arial" panose="020B0604020202020204" pitchFamily="34" charset="0"/>
+                <a:sym typeface="+mn-ea"/>
+              </a:rPr>
+              <a:t>The model parameters are updated based on the current gradient and the velocity (momentum). </a:t>
+            </a:r>
+            <a:endParaRPr sz="1600" b="0" i="0">
+              <a:solidFill>
+                <a:srgbClr val="001D35"/>
+              </a:solidFill>
+              <a:latin typeface="Arial" panose="020B0604020202020204" pitchFamily="34" charset="0"/>
+              <a:ea typeface="Google Sans"/>
+              <a:cs typeface="Arial" panose="020B0604020202020204" pitchFamily="34" charset="0"/>
+            </a:endParaRPr>
+          </a:p>
+          <a:p>
+            <a:pPr marL="0" indent="0">
+              <a:spcBef>
+                <a:spcPts val="1000"/>
+              </a:spcBef>
+              <a:spcAft>
+                <a:spcPts val="500"/>
+              </a:spcAft>
+            </a:pPr>
+            <a:r>
+              <a:rPr sz="1600" b="1">
+                <a:solidFill>
+                  <a:srgbClr val="001D35"/>
+                </a:solidFill>
+                <a:latin typeface="Arial" panose="020B0604020202020204" pitchFamily="34" charset="0"/>
+                <a:ea typeface="Google Sans"/>
+                <a:cs typeface="Arial" panose="020B0604020202020204" pitchFamily="34" charset="0"/>
+                <a:sym typeface="+mn-ea"/>
+              </a:rPr>
+              <a:t>In Summary:</a:t>
+            </a:r>
+            <a:endParaRPr sz="1600" b="1" i="0">
+              <a:solidFill>
+                <a:srgbClr val="001D35"/>
+              </a:solidFill>
+              <a:latin typeface="Arial" panose="020B0604020202020204" pitchFamily="34" charset="0"/>
+              <a:ea typeface="Google Sans"/>
+              <a:cs typeface="Arial" panose="020B0604020202020204" pitchFamily="34" charset="0"/>
+            </a:endParaRPr>
+          </a:p>
+          <a:p>
+            <a:pPr marL="0" indent="0">
+              <a:spcBef>
+                <a:spcPts val="500"/>
+              </a:spcBef>
+              <a:spcAft>
+                <a:spcPts val="1000"/>
+              </a:spcAft>
+            </a:pPr>
+            <a:r>
+              <a:rPr sz="1600">
+                <a:solidFill>
+                  <a:srgbClr val="001D35"/>
+                </a:solidFill>
+                <a:latin typeface="Arial" panose="020B0604020202020204" pitchFamily="34" charset="0"/>
+                <a:ea typeface="Google Sans"/>
+                <a:cs typeface="Arial" panose="020B0604020202020204" pitchFamily="34" charset="0"/>
+                <a:sym typeface="+mn-ea"/>
+              </a:rPr>
+              <a:t>SGDM is a powerful optimization algorithm that builds upon SGD by incorporating a momentum term. This momentum helps the algorithm converge faster and more stably, making it a popular choice for training deep learning models. </a:t>
+            </a:r>
+            <a:endParaRPr lang="en-US" sz="1600">
+              <a:solidFill>
+                <a:srgbClr val="001D35"/>
+              </a:solidFill>
+              <a:latin typeface="Arial" panose="020B0604020202020204" pitchFamily="34" charset="0"/>
+              <a:ea typeface="Google Sans"/>
+              <a:cs typeface="Arial" panose="020B0604020202020204" pitchFamily="34" charset="0"/>
+              <a:sym typeface="+mn-ea"/>
+            </a:endParaRPr>
+          </a:p>
+        </p:txBody>
+      </p:sp>
+    </p:spTree>
+  </p:cSld>
+  <p:clrMapOvr>
+    <a:masterClrMapping/>
+  </p:clrMapOvr>
+</p:sld>
+</file>
+
+<file path=ppt/slides/slide52.xml><?xml version="1.0" encoding="utf-8"?>
+<p:sld xmlns:a="http://schemas.openxmlformats.org/drawingml/2006/main" xmlns:r="http://schemas.openxmlformats.org/officeDocument/2006/relationships" xmlns:p="http://schemas.openxmlformats.org/presentationml/2006/main">
+  <p:cSld>
+    <p:spTree>
+      <p:nvGrpSpPr>
+        <p:cNvPr id="1" name=""/>
+        <p:cNvGrpSpPr/>
+        <p:nvPr/>
+      </p:nvGrpSpPr>
+      <p:grpSpPr/>
       <p:pic>
         <p:nvPicPr>
           <p:cNvPr id="2" name="Picture 1" descr="Screenshot (349)"/>
@@ -22583,7 +23173,7 @@
           <p:nvPr/>
         </p:nvPicPr>
         <p:blipFill>
-          <a:blip r:embed="rId2"/>
+          <a:blip r:embed="rId1"/>
           <a:srcRect l="27484" t="22796" r="31443" b="36243"/>
           <a:stretch>
             <a:fillRect/>
@@ -22591,7 +23181,7 @@
         </p:blipFill>
         <p:spPr>
           <a:xfrm>
-            <a:off x="4519295" y="2374900"/>
+            <a:off x="436880" y="192405"/>
             <a:ext cx="7501890" cy="4304665"/>
           </a:xfrm>
           <a:prstGeom prst="rect">
@@ -22608,7 +23198,7 @@
           <p:nvPr/>
         </p:nvPicPr>
         <p:blipFill>
-          <a:blip r:embed="rId2"/>
+          <a:blip r:embed="rId1"/>
           <a:srcRect l="27484" t="69907" r="48259" b="21515"/>
           <a:stretch>
             <a:fillRect/>
@@ -22616,7 +23206,7 @@
         </p:blipFill>
         <p:spPr>
           <a:xfrm>
-            <a:off x="6738620" y="5559425"/>
+            <a:off x="842645" y="4617720"/>
             <a:ext cx="4628515" cy="941705"/>
           </a:xfrm>
           <a:prstGeom prst="rect">
@@ -22624,6 +23214,35 @@
           </a:prstGeom>
         </p:spPr>
       </p:pic>
+      <p:sp>
+        <p:nvSpPr>
+          <p:cNvPr id="3" name="Text Box 2"/>
+          <p:cNvSpPr txBox="1"/>
+          <p:nvPr/>
+        </p:nvSpPr>
+        <p:spPr>
+          <a:xfrm>
+            <a:off x="842645" y="5916930"/>
+            <a:ext cx="9615170" cy="368300"/>
+          </a:xfrm>
+          <a:prstGeom prst="rect">
+            <a:avLst/>
+          </a:prstGeom>
+          <a:noFill/>
+        </p:spPr>
+        <p:txBody>
+          <a:bodyPr wrap="square" rtlCol="0" anchor="t">
+            <a:spAutoFit/>
+          </a:bodyPr>
+          <a:p>
+            <a:r>
+              <a:rPr lang="en-US" altLang="en-US"/>
+              <a:t>https://www.geeksforgeeks.org/optimization-rule-in-deep-neural-networks/</a:t>
+            </a:r>
+            <a:endParaRPr lang="en-US"/>
+          </a:p>
+        </p:txBody>
+      </p:sp>
     </p:spTree>
   </p:cSld>
   <p:clrMapOvr>
@@ -22632,7 +23251,291 @@
 </p:sld>
 </file>
 
-<file path=ppt/slides/slide52.xml><?xml version="1.0" encoding="utf-8"?>
+<file path=ppt/slides/slide53.xml><?xml version="1.0" encoding="utf-8"?>
+<p:sld xmlns:a="http://schemas.openxmlformats.org/drawingml/2006/main" xmlns:r="http://schemas.openxmlformats.org/officeDocument/2006/relationships" xmlns:p="http://schemas.openxmlformats.org/presentationml/2006/main">
+  <p:cSld>
+    <p:spTree>
+      <p:nvGrpSpPr>
+        <p:cNvPr id="1" name=""/>
+        <p:cNvGrpSpPr/>
+        <p:nvPr/>
+      </p:nvGrpSpPr>
+      <p:grpSpPr/>
+      <p:sp>
+        <p:nvSpPr>
+          <p:cNvPr id="2" name="Text Box 1"/>
+          <p:cNvSpPr txBox="1"/>
+          <p:nvPr/>
+        </p:nvSpPr>
+        <p:spPr>
+          <a:xfrm>
+            <a:off x="127000" y="109220"/>
+            <a:ext cx="9782810" cy="3449320"/>
+          </a:xfrm>
+          <a:prstGeom prst="rect">
+            <a:avLst/>
+          </a:prstGeom>
+        </p:spPr>
+        <p:txBody>
+          <a:bodyPr wrap="square">
+            <a:noAutofit/>
+          </a:bodyPr>
+          <a:p>
+            <a:pPr marL="0" indent="0">
+              <a:spcAft>
+                <a:spcPct val="60000"/>
+              </a:spcAft>
+            </a:pPr>
+            <a:r>
+              <a:rPr sz="2300" b="1" i="0">
+                <a:solidFill>
+                  <a:srgbClr val="C00000"/>
+                </a:solidFill>
+                <a:effectLst>
+                  <a:outerShdw blurRad="38100" dist="38100" dir="2700000" algn="tl">
+                    <a:srgbClr val="000000">
+                      <a:alpha val="43137"/>
+                    </a:srgbClr>
+                  </a:outerShdw>
+                </a:effectLst>
+                <a:latin typeface="Arial" panose="020B0604020202020204" pitchFamily="34" charset="0"/>
+                <a:ea typeface="Inter"/>
+                <a:cs typeface="Arial" panose="020B0604020202020204" pitchFamily="34" charset="0"/>
+              </a:rPr>
+              <a:t>Adagrad (Adaptive Gradient Descent) Deep Learning Optimizer</a:t>
+            </a:r>
+            <a:endParaRPr sz="2300" b="1" i="0">
+              <a:solidFill>
+                <a:srgbClr val="C00000"/>
+              </a:solidFill>
+              <a:effectLst>
+                <a:outerShdw blurRad="38100" dist="38100" dir="2700000" algn="tl">
+                  <a:srgbClr val="000000">
+                    <a:alpha val="43137"/>
+                  </a:srgbClr>
+                </a:outerShdw>
+              </a:effectLst>
+              <a:latin typeface="Arial" panose="020B0604020202020204" pitchFamily="34" charset="0"/>
+              <a:ea typeface="Inter"/>
+              <a:cs typeface="Arial" panose="020B0604020202020204" pitchFamily="34" charset="0"/>
+            </a:endParaRPr>
+          </a:p>
+          <a:p>
+            <a:pPr marL="0" indent="0">
+              <a:lnSpc>
+                <a:spcPct val="100000"/>
+              </a:lnSpc>
+            </a:pPr>
+            <a:r>
+              <a:rPr b="0" i="0">
+                <a:solidFill>
+                  <a:srgbClr val="383838"/>
+                </a:solidFill>
+                <a:latin typeface="Arial" panose="020B0604020202020204" pitchFamily="34" charset="0"/>
+                <a:ea typeface="Inter"/>
+                <a:cs typeface="Arial" panose="020B0604020202020204" pitchFamily="34" charset="0"/>
+              </a:rPr>
+              <a:t>The adaptive gradient descent algorithm is slightly different from other gradient descent algorithms. This is because it uses different learning rates for each iteration. The change in learning rate depends upon the difference in the parameters during training. </a:t>
+            </a:r>
+            <a:endParaRPr b="0" i="0">
+              <a:solidFill>
+                <a:srgbClr val="383838"/>
+              </a:solidFill>
+              <a:latin typeface="Arial" panose="020B0604020202020204" pitchFamily="34" charset="0"/>
+              <a:ea typeface="Inter"/>
+              <a:cs typeface="Arial" panose="020B0604020202020204" pitchFamily="34" charset="0"/>
+            </a:endParaRPr>
+          </a:p>
+          <a:p>
+            <a:pPr marL="0" indent="0">
+              <a:lnSpc>
+                <a:spcPct val="100000"/>
+              </a:lnSpc>
+            </a:pPr>
+            <a:endParaRPr b="0" i="0">
+              <a:solidFill>
+                <a:srgbClr val="383838"/>
+              </a:solidFill>
+              <a:latin typeface="Arial" panose="020B0604020202020204" pitchFamily="34" charset="0"/>
+              <a:ea typeface="Inter"/>
+              <a:cs typeface="Arial" panose="020B0604020202020204" pitchFamily="34" charset="0"/>
+            </a:endParaRPr>
+          </a:p>
+          <a:p>
+            <a:pPr marL="0" indent="0">
+              <a:lnSpc>
+                <a:spcPct val="100000"/>
+              </a:lnSpc>
+            </a:pPr>
+            <a:r>
+              <a:rPr b="0" i="0">
+                <a:solidFill>
+                  <a:srgbClr val="383838"/>
+                </a:solidFill>
+                <a:latin typeface="Arial" panose="020B0604020202020204" pitchFamily="34" charset="0"/>
+                <a:ea typeface="Inter"/>
+                <a:cs typeface="Arial" panose="020B0604020202020204" pitchFamily="34" charset="0"/>
+              </a:rPr>
+              <a:t>The more the parameters get changed, the more minor the learning rate changes. This modification is highly beneficial because real-world datasets contain sparse as well as dense features. </a:t>
+            </a:r>
+            <a:endParaRPr b="0" i="0">
+              <a:solidFill>
+                <a:srgbClr val="383838"/>
+              </a:solidFill>
+              <a:latin typeface="Arial" panose="020B0604020202020204" pitchFamily="34" charset="0"/>
+              <a:ea typeface="Inter"/>
+              <a:cs typeface="Arial" panose="020B0604020202020204" pitchFamily="34" charset="0"/>
+            </a:endParaRPr>
+          </a:p>
+          <a:p>
+            <a:pPr marL="0" indent="0">
+              <a:lnSpc>
+                <a:spcPct val="100000"/>
+              </a:lnSpc>
+            </a:pPr>
+            <a:endParaRPr b="0" i="0">
+              <a:solidFill>
+                <a:srgbClr val="383838"/>
+              </a:solidFill>
+              <a:latin typeface="Arial" panose="020B0604020202020204" pitchFamily="34" charset="0"/>
+              <a:ea typeface="Inter"/>
+              <a:cs typeface="Arial" panose="020B0604020202020204" pitchFamily="34" charset="0"/>
+            </a:endParaRPr>
+          </a:p>
+          <a:p>
+            <a:pPr marL="0" indent="0">
+              <a:lnSpc>
+                <a:spcPct val="100000"/>
+              </a:lnSpc>
+            </a:pPr>
+            <a:r>
+              <a:rPr b="0" i="0">
+                <a:solidFill>
+                  <a:srgbClr val="383838"/>
+                </a:solidFill>
+                <a:latin typeface="Arial" panose="020B0604020202020204" pitchFamily="34" charset="0"/>
+                <a:ea typeface="Inter"/>
+                <a:cs typeface="Arial" panose="020B0604020202020204" pitchFamily="34" charset="0"/>
+              </a:rPr>
+              <a:t>So it is unfair to have the same value of learning rate for all the features. The Adagrad algorithm uses the below formula to update the weights. Here the alpha(t) denotes the different learning rates at each iteration, n is a constant, and E is a small positive to avoid division by 0.</a:t>
+            </a:r>
+            <a:endParaRPr b="0" i="0">
+              <a:solidFill>
+                <a:srgbClr val="383838"/>
+              </a:solidFill>
+              <a:latin typeface="Arial" panose="020B0604020202020204" pitchFamily="34" charset="0"/>
+              <a:ea typeface="Inter"/>
+              <a:cs typeface="Arial" panose="020B0604020202020204" pitchFamily="34" charset="0"/>
+            </a:endParaRPr>
+          </a:p>
+        </p:txBody>
+      </p:sp>
+      <p:pic>
+        <p:nvPicPr>
+          <p:cNvPr id="3" name="Picture 2"/>
+          <p:cNvPicPr/>
+          <p:nvPr/>
+        </p:nvPicPr>
+        <p:blipFill>
+          <a:blip r:embed="rId1"/>
+          <a:stretch>
+            <a:fillRect/>
+          </a:stretch>
+        </p:blipFill>
+        <p:spPr>
+          <a:xfrm>
+            <a:off x="2103755" y="4165600"/>
+            <a:ext cx="3137535" cy="482600"/>
+          </a:xfrm>
+          <a:prstGeom prst="rect">
+            <a:avLst/>
+          </a:prstGeom>
+        </p:spPr>
+      </p:pic>
+      <p:pic>
+        <p:nvPicPr>
+          <p:cNvPr id="4" name="Picture 3"/>
+          <p:cNvPicPr/>
+          <p:nvPr/>
+        </p:nvPicPr>
+        <p:blipFill>
+          <a:blip r:embed="rId2"/>
+          <a:stretch>
+            <a:fillRect/>
+          </a:stretch>
+        </p:blipFill>
+        <p:spPr>
+          <a:xfrm>
+            <a:off x="2578735" y="5066030"/>
+            <a:ext cx="1957070" cy="599440"/>
+          </a:xfrm>
+          <a:prstGeom prst="rect">
+            <a:avLst/>
+          </a:prstGeom>
+        </p:spPr>
+      </p:pic>
+      <p:sp>
+        <p:nvSpPr>
+          <p:cNvPr id="5" name="Text Box 4"/>
+          <p:cNvSpPr txBox="1"/>
+          <p:nvPr/>
+        </p:nvSpPr>
+        <p:spPr>
+          <a:xfrm>
+            <a:off x="127000" y="5592445"/>
+            <a:ext cx="8509000" cy="1183640"/>
+          </a:xfrm>
+          <a:prstGeom prst="rect">
+            <a:avLst/>
+          </a:prstGeom>
+        </p:spPr>
+        <p:txBody>
+          <a:bodyPr wrap="square">
+            <a:spAutoFit/>
+          </a:bodyPr>
+          <a:p>
+            <a:endParaRPr sz="2600">
+              <a:latin typeface="Arial" panose="020B0604020202020204" pitchFamily="34" charset="0"/>
+              <a:cs typeface="Arial" panose="020B0604020202020204" pitchFamily="34" charset="0"/>
+            </a:endParaRPr>
+          </a:p>
+          <a:p>
+            <a:pPr marL="0" indent="0">
+              <a:lnSpc>
+                <a:spcPts val="1800"/>
+              </a:lnSpc>
+            </a:pPr>
+            <a:r>
+              <a:rPr sz="1600" b="0" i="0">
+                <a:solidFill>
+                  <a:srgbClr val="383838"/>
+                </a:solidFill>
+                <a:latin typeface="Arial" panose="020B0604020202020204" pitchFamily="34" charset="0"/>
+                <a:ea typeface="Inter"/>
+                <a:cs typeface="Arial" panose="020B0604020202020204" pitchFamily="34" charset="0"/>
+              </a:rPr>
+              <a:t>The benefit of using Adagrad is that it abolishes the need to modify the learning rate manually. It is more reliable than gradient descent algorithms and their variants, and it reaches convergence at a higher speed.</a:t>
+            </a:r>
+            <a:endParaRPr sz="1600" b="0" i="0">
+              <a:solidFill>
+                <a:srgbClr val="383838"/>
+              </a:solidFill>
+              <a:latin typeface="Arial" panose="020B0604020202020204" pitchFamily="34" charset="0"/>
+              <a:ea typeface="Inter"/>
+              <a:cs typeface="Arial" panose="020B0604020202020204" pitchFamily="34" charset="0"/>
+            </a:endParaRPr>
+          </a:p>
+        </p:txBody>
+      </p:sp>
+    </p:spTree>
+  </p:cSld>
+  <p:clrMapOvr>
+    <a:masterClrMapping/>
+  </p:clrMapOvr>
+</p:sld>
+</file>
+
+<file path=ppt/slides/slide54.xml><?xml version="1.0" encoding="utf-8"?>
 <p:sld xmlns:a="http://schemas.openxmlformats.org/drawingml/2006/main" xmlns:r="http://schemas.openxmlformats.org/officeDocument/2006/relationships" xmlns:p="http://schemas.openxmlformats.org/presentationml/2006/main">
   <p:cSld>
     <p:spTree>
@@ -22739,7 +23642,9 @@
         <a:graphic>
           <a:graphicData uri="http://schemas.openxmlformats.org/drawingml/2006/table">
             <a:tbl>
-              <a:tblPr/>
+              <a:tblPr>
+                <a:tableStyleId>{3C2FFA5D-87B4-456A-9821-1D502468CF0F}</a:tableStyleId>
+              </a:tblPr>
               <a:tblGrid>
                 <a:gridCol w="5242560"/>
                 <a:gridCol w="5242560"/>
@@ -22756,21 +23661,7 @@
                       <a:endParaRPr sz="1800"/>
                     </a:p>
                   </a:txBody>
-                  <a:tcPr marL="0" marR="0" marT="0" marB="0" anchor="ctr" anchorCtr="0">
-                    <a:lnL>
-                      <a:noFill/>
-                    </a:lnL>
-                    <a:lnR>
-                      <a:noFill/>
-                    </a:lnR>
-                    <a:lnT>
-                      <a:noFill/>
-                    </a:lnT>
-                    <a:lnB>
-                      <a:noFill/>
-                    </a:lnB>
-                    <a:noFill/>
-                  </a:tcPr>
+                  <a:tcPr marL="0" marR="0" marT="0" marB="0" anchor="ctr" anchorCtr="0"/>
                 </a:tc>
                 <a:tc>
                   <a:txBody>
@@ -22783,21 +23674,7 @@
                       <a:endParaRPr sz="1800"/>
                     </a:p>
                   </a:txBody>
-                  <a:tcPr marL="0" marR="0" marT="0" marB="0" anchor="ctr" anchorCtr="0">
-                    <a:lnL>
-                      <a:noFill/>
-                    </a:lnL>
-                    <a:lnR>
-                      <a:noFill/>
-                    </a:lnR>
-                    <a:lnT>
-                      <a:noFill/>
-                    </a:lnT>
-                    <a:lnB>
-                      <a:noFill/>
-                    </a:lnB>
-                    <a:noFill/>
-                  </a:tcPr>
+                  <a:tcPr marL="0" marR="0" marT="0" marB="0" anchor="ctr" anchorCtr="0"/>
                 </a:tc>
               </a:tr>
               <a:tr h="0">
@@ -22812,21 +23689,7 @@
                       <a:endParaRPr sz="1800"/>
                     </a:p>
                   </a:txBody>
-                  <a:tcPr marL="0" marR="0" marT="0" marB="0" anchor="ctr" anchorCtr="0">
-                    <a:lnL>
-                      <a:noFill/>
-                    </a:lnL>
-                    <a:lnR>
-                      <a:noFill/>
-                    </a:lnR>
-                    <a:lnT>
-                      <a:noFill/>
-                    </a:lnT>
-                    <a:lnB>
-                      <a:noFill/>
-                    </a:lnB>
-                    <a:noFill/>
-                  </a:tcPr>
+                  <a:tcPr marL="0" marR="0" marT="0" marB="0" anchor="ctr" anchorCtr="0"/>
                 </a:tc>
                 <a:tc>
                   <a:txBody>
@@ -22839,21 +23702,7 @@
                       <a:endParaRPr sz="1800"/>
                     </a:p>
                   </a:txBody>
-                  <a:tcPr marL="0" marR="0" marT="0" marB="0" anchor="ctr" anchorCtr="0">
-                    <a:lnL>
-                      <a:noFill/>
-                    </a:lnL>
-                    <a:lnR>
-                      <a:noFill/>
-                    </a:lnR>
-                    <a:lnT>
-                      <a:noFill/>
-                    </a:lnT>
-                    <a:lnB>
-                      <a:noFill/>
-                    </a:lnB>
-                    <a:noFill/>
-                  </a:tcPr>
+                  <a:tcPr marL="0" marR="0" marT="0" marB="0" anchor="ctr" anchorCtr="0"/>
                 </a:tc>
               </a:tr>
               <a:tr h="153035">
@@ -22868,21 +23717,7 @@
                       <a:endParaRPr sz="1800"/>
                     </a:p>
                   </a:txBody>
-                  <a:tcPr marL="0" marR="0" marT="0" marB="0" anchor="ctr" anchorCtr="0">
-                    <a:lnL>
-                      <a:noFill/>
-                    </a:lnL>
-                    <a:lnR>
-                      <a:noFill/>
-                    </a:lnR>
-                    <a:lnT>
-                      <a:noFill/>
-                    </a:lnT>
-                    <a:lnB>
-                      <a:noFill/>
-                    </a:lnB>
-                    <a:noFill/>
-                  </a:tcPr>
+                  <a:tcPr marL="0" marR="0" marT="0" marB="0" anchor="ctr" anchorCtr="0"/>
                 </a:tc>
                 <a:tc>
                   <a:txBody>
@@ -22895,21 +23730,7 @@
                       <a:endParaRPr sz="1800"/>
                     </a:p>
                   </a:txBody>
-                  <a:tcPr marL="0" marR="0" marT="0" marB="0" anchor="ctr" anchorCtr="0">
-                    <a:lnL>
-                      <a:noFill/>
-                    </a:lnL>
-                    <a:lnR>
-                      <a:noFill/>
-                    </a:lnR>
-                    <a:lnT>
-                      <a:noFill/>
-                    </a:lnT>
-                    <a:lnB>
-                      <a:noFill/>
-                    </a:lnB>
-                    <a:noFill/>
-                  </a:tcPr>
+                  <a:tcPr marL="0" marR="0" marT="0" marB="0" anchor="ctr" anchorCtr="0"/>
                 </a:tc>
               </a:tr>
               <a:tr h="0">
@@ -22924,21 +23745,7 @@
                       <a:endParaRPr sz="1800"/>
                     </a:p>
                   </a:txBody>
-                  <a:tcPr marL="0" marR="0" marT="0" marB="0" anchor="ctr" anchorCtr="0">
-                    <a:lnL>
-                      <a:noFill/>
-                    </a:lnL>
-                    <a:lnR>
-                      <a:noFill/>
-                    </a:lnR>
-                    <a:lnT>
-                      <a:noFill/>
-                    </a:lnT>
-                    <a:lnB>
-                      <a:noFill/>
-                    </a:lnB>
-                    <a:noFill/>
-                  </a:tcPr>
+                  <a:tcPr marL="0" marR="0" marT="0" marB="0" anchor="ctr" anchorCtr="0"/>
                 </a:tc>
                 <a:tc>
                   <a:txBody>
@@ -22951,21 +23758,7 @@
                       <a:endParaRPr sz="1800"/>
                     </a:p>
                   </a:txBody>
-                  <a:tcPr marL="0" marR="0" marT="0" marB="0" anchor="ctr" anchorCtr="0">
-                    <a:lnL>
-                      <a:noFill/>
-                    </a:lnL>
-                    <a:lnR>
-                      <a:noFill/>
-                    </a:lnR>
-                    <a:lnT>
-                      <a:noFill/>
-                    </a:lnT>
-                    <a:lnB>
-                      <a:noFill/>
-                    </a:lnB>
-                    <a:noFill/>
-                  </a:tcPr>
+                  <a:tcPr marL="0" marR="0" marT="0" marB="0" anchor="ctr" anchorCtr="0"/>
                 </a:tc>
               </a:tr>
               <a:tr h="0">
@@ -22980,21 +23773,7 @@
                       <a:endParaRPr sz="1800"/>
                     </a:p>
                   </a:txBody>
-                  <a:tcPr marL="0" marR="0" marT="0" marB="0" anchor="ctr" anchorCtr="0">
-                    <a:lnL>
-                      <a:noFill/>
-                    </a:lnL>
-                    <a:lnR>
-                      <a:noFill/>
-                    </a:lnR>
-                    <a:lnT>
-                      <a:noFill/>
-                    </a:lnT>
-                    <a:lnB>
-                      <a:noFill/>
-                    </a:lnB>
-                    <a:noFill/>
-                  </a:tcPr>
+                  <a:tcPr marL="0" marR="0" marT="0" marB="0" anchor="ctr" anchorCtr="0"/>
                 </a:tc>
                 <a:tc>
                   <a:txBody>
@@ -23007,21 +23786,7 @@
                       <a:endParaRPr sz="1800"/>
                     </a:p>
                   </a:txBody>
-                  <a:tcPr marL="0" marR="0" marT="0" marB="0" anchor="ctr" anchorCtr="0">
-                    <a:lnL>
-                      <a:noFill/>
-                    </a:lnL>
-                    <a:lnR>
-                      <a:noFill/>
-                    </a:lnR>
-                    <a:lnT>
-                      <a:noFill/>
-                    </a:lnT>
-                    <a:lnB>
-                      <a:noFill/>
-                    </a:lnB>
-                    <a:noFill/>
-                  </a:tcPr>
+                  <a:tcPr marL="0" marR="0" marT="0" marB="0" anchor="ctr" anchorCtr="0"/>
                 </a:tc>
               </a:tr>
               <a:tr h="0">
@@ -23036,21 +23801,7 @@
                       <a:endParaRPr sz="1800"/>
                     </a:p>
                   </a:txBody>
-                  <a:tcPr marL="0" marR="0" marT="0" marB="0" anchor="ctr" anchorCtr="0">
-                    <a:lnL>
-                      <a:noFill/>
-                    </a:lnL>
-                    <a:lnR>
-                      <a:noFill/>
-                    </a:lnR>
-                    <a:lnT>
-                      <a:noFill/>
-                    </a:lnT>
-                    <a:lnB>
-                      <a:noFill/>
-                    </a:lnB>
-                    <a:noFill/>
-                  </a:tcPr>
+                  <a:tcPr marL="0" marR="0" marT="0" marB="0" anchor="ctr" anchorCtr="0"/>
                 </a:tc>
                 <a:tc>
                   <a:txBody>
@@ -23063,21 +23814,7 @@
                       <a:endParaRPr sz="1800"/>
                     </a:p>
                   </a:txBody>
-                  <a:tcPr marL="0" marR="0" marT="0" marB="0" anchor="ctr" anchorCtr="0">
-                    <a:lnL>
-                      <a:noFill/>
-                    </a:lnL>
-                    <a:lnR>
-                      <a:noFill/>
-                    </a:lnR>
-                    <a:lnT>
-                      <a:noFill/>
-                    </a:lnT>
-                    <a:lnB>
-                      <a:noFill/>
-                    </a:lnB>
-                    <a:noFill/>
-                  </a:tcPr>
+                  <a:tcPr marL="0" marR="0" marT="0" marB="0" anchor="ctr" anchorCtr="0"/>
                 </a:tc>
               </a:tr>
             </a:tbl>
@@ -23101,7 +23838,7 @@
         </p:blipFill>
         <p:spPr>
           <a:xfrm>
-            <a:off x="6654800" y="0"/>
+            <a:off x="6494780" y="147320"/>
             <a:ext cx="5529580" cy="5128895"/>
           </a:xfrm>
           <a:prstGeom prst="rect">
@@ -23155,7 +23892,7 @@
 </p:sld>
 </file>
 
-<file path=ppt/slides/slide53.xml><?xml version="1.0" encoding="utf-8"?>
+<file path=ppt/slides/slide55.xml><?xml version="1.0" encoding="utf-8"?>
 <p:sld xmlns:a="http://schemas.openxmlformats.org/drawingml/2006/main" xmlns:r="http://schemas.openxmlformats.org/officeDocument/2006/relationships" xmlns:p="http://schemas.openxmlformats.org/presentationml/2006/main">
   <p:cSld>
     <p:spTree>
@@ -23314,6 +24051,35 @@
           </a:p>
         </p:txBody>
       </p:sp>
+      <p:sp>
+        <p:nvSpPr>
+          <p:cNvPr id="4" name="Text Box 3"/>
+          <p:cNvSpPr txBox="1"/>
+          <p:nvPr/>
+        </p:nvSpPr>
+        <p:spPr>
+          <a:xfrm>
+            <a:off x="522605" y="6300470"/>
+            <a:ext cx="10415270" cy="368300"/>
+          </a:xfrm>
+          <a:prstGeom prst="rect">
+            <a:avLst/>
+          </a:prstGeom>
+          <a:noFill/>
+        </p:spPr>
+        <p:txBody>
+          <a:bodyPr wrap="square" rtlCol="0" anchor="t">
+            <a:spAutoFit/>
+          </a:bodyPr>
+          <a:p>
+            <a:r>
+              <a:rPr lang="en-US" altLang="en-US"/>
+              <a:t>https://www.analyticsvidhya.com/blog/2021/10/a-comprehensive-guide-on-deep-learning-optimizers/</a:t>
+            </a:r>
+            <a:endParaRPr lang="en-US"/>
+          </a:p>
+        </p:txBody>
+      </p:sp>
     </p:spTree>
   </p:cSld>
   <p:clrMapOvr>
@@ -23322,7 +24088,7 @@
 </p:sld>
 </file>
 
-<file path=ppt/slides/slide54.xml><?xml version="1.0" encoding="utf-8"?>
+<file path=ppt/slides/slide56.xml><?xml version="1.0" encoding="utf-8"?>
 <p:sld xmlns:a="http://schemas.openxmlformats.org/drawingml/2006/main" xmlns:r="http://schemas.openxmlformats.org/officeDocument/2006/relationships" xmlns:p="http://schemas.openxmlformats.org/presentationml/2006/main">
   <p:cSld>
     <p:spTree>
@@ -23948,7 +24714,7 @@
 </p:sld>
 </file>
 
-<file path=ppt/slides/slide55.xml><?xml version="1.0" encoding="utf-8"?>
+<file path=ppt/slides/slide57.xml><?xml version="1.0" encoding="utf-8"?>
 <p:sld xmlns:a="http://schemas.openxmlformats.org/drawingml/2006/main" xmlns:r="http://schemas.openxmlformats.org/officeDocument/2006/relationships" xmlns:p="http://schemas.openxmlformats.org/presentationml/2006/main">
   <p:cSld>
     <p:spTree>
@@ -23967,69 +24733,6 @@
 </file>
 
 <file path=ppt/slides/slide6.xml><?xml version="1.0" encoding="utf-8"?>
-<p:sld xmlns:a="http://schemas.openxmlformats.org/drawingml/2006/main" xmlns:r="http://schemas.openxmlformats.org/officeDocument/2006/relationships" xmlns:p="http://schemas.openxmlformats.org/presentationml/2006/main">
-  <p:cSld>
-    <p:spTree>
-      <p:nvGrpSpPr>
-        <p:cNvPr id="1" name=""/>
-        <p:cNvGrpSpPr/>
-        <p:nvPr/>
-      </p:nvGrpSpPr>
-      <p:grpSpPr/>
-      <p:pic>
-        <p:nvPicPr>
-          <p:cNvPr id="6" name="Picture 5"/>
-          <p:cNvPicPr/>
-          <p:nvPr/>
-        </p:nvPicPr>
-        <p:blipFill>
-          <a:blip r:embed="rId1"/>
-          <a:srcRect b="4915"/>
-          <a:stretch>
-            <a:fillRect/>
-          </a:stretch>
-        </p:blipFill>
-        <p:spPr>
-          <a:xfrm>
-            <a:off x="156210" y="768350"/>
-            <a:ext cx="6007100" cy="4481830"/>
-          </a:xfrm>
-          <a:prstGeom prst="rect">
-            <a:avLst/>
-          </a:prstGeom>
-        </p:spPr>
-      </p:pic>
-      <p:pic>
-        <p:nvPicPr>
-          <p:cNvPr id="2" name="Picture 1"/>
-          <p:cNvPicPr/>
-          <p:nvPr/>
-        </p:nvPicPr>
-        <p:blipFill>
-          <a:blip r:embed="rId2"/>
-          <a:stretch>
-            <a:fillRect/>
-          </a:stretch>
-        </p:blipFill>
-        <p:spPr>
-          <a:xfrm>
-            <a:off x="6162675" y="768350"/>
-            <a:ext cx="5789295" cy="4482465"/>
-          </a:xfrm>
-          <a:prstGeom prst="rect">
-            <a:avLst/>
-          </a:prstGeom>
-        </p:spPr>
-      </p:pic>
-    </p:spTree>
-  </p:cSld>
-  <p:clrMapOvr>
-    <a:masterClrMapping/>
-  </p:clrMapOvr>
-</p:sld>
-</file>
-
-<file path=ppt/slides/slide7.xml><?xml version="1.0" encoding="utf-8"?>
 <p:sld xmlns:a="http://schemas.openxmlformats.org/drawingml/2006/main" xmlns:r="http://schemas.openxmlformats.org/officeDocument/2006/relationships" xmlns:p="http://schemas.openxmlformats.org/presentationml/2006/main">
   <p:cSld>
     <p:spTree>
@@ -24550,7 +25253,7 @@
 </p:sld>
 </file>
 
-<file path=ppt/slides/slide8.xml><?xml version="1.0" encoding="utf-8"?>
+<file path=ppt/slides/slide7.xml><?xml version="1.0" encoding="utf-8"?>
 <p:sld xmlns:a="http://schemas.openxmlformats.org/drawingml/2006/main" xmlns:r="http://schemas.openxmlformats.org/officeDocument/2006/relationships" xmlns:p="http://schemas.openxmlformats.org/presentationml/2006/main">
   <p:cSld>
     <p:spTree>
@@ -24967,6 +25670,122 @@
           </a:p>
         </p:txBody>
       </p:sp>
+      <p:sp>
+        <p:nvSpPr>
+          <p:cNvPr id="2" name="Text Box 1"/>
+          <p:cNvSpPr txBox="1"/>
+          <p:nvPr/>
+        </p:nvSpPr>
+        <p:spPr>
+          <a:xfrm>
+            <a:off x="633095" y="6054725"/>
+            <a:ext cx="9649460" cy="368300"/>
+          </a:xfrm>
+          <a:prstGeom prst="rect">
+            <a:avLst/>
+          </a:prstGeom>
+          <a:noFill/>
+        </p:spPr>
+        <p:txBody>
+          <a:bodyPr wrap="square" rtlCol="0" anchor="t">
+            <a:spAutoFit/>
+          </a:bodyPr>
+          <a:p>
+            <a:r>
+              <a:rPr lang="en-US" altLang="en-US"/>
+              <a:t>https://www.geeksforgeeks.org/hinge-loss-relationship-with-support-vector-machines/</a:t>
+            </a:r>
+            <a:endParaRPr lang="en-US"/>
+          </a:p>
+        </p:txBody>
+      </p:sp>
+      <p:sp>
+        <p:nvSpPr>
+          <p:cNvPr id="6" name="Text Box 5"/>
+          <p:cNvSpPr txBox="1"/>
+          <p:nvPr/>
+        </p:nvSpPr>
+        <p:spPr>
+          <a:xfrm>
+            <a:off x="398780" y="6423025"/>
+            <a:ext cx="6096000" cy="645160"/>
+          </a:xfrm>
+          <a:prstGeom prst="rect">
+            <a:avLst/>
+          </a:prstGeom>
+          <a:noFill/>
+        </p:spPr>
+        <p:txBody>
+          <a:bodyPr wrap="square" rtlCol="0" anchor="t">
+            <a:spAutoFit/>
+          </a:bodyPr>
+          <a:p>
+            <a:r>
+              <a:rPr lang="en-US" altLang="en-US"/>
+              <a:t>https://medium.com/@devcharlie2698619/understanding-huber-loss-function-insights-from-applications-5c1c5145d2c4</a:t>
+            </a:r>
+            <a:endParaRPr lang="en-US"/>
+          </a:p>
+        </p:txBody>
+      </p:sp>
+      <p:sp>
+        <p:nvSpPr>
+          <p:cNvPr id="7" name="Text Box 6"/>
+          <p:cNvSpPr txBox="1"/>
+          <p:nvPr/>
+        </p:nvSpPr>
+        <p:spPr>
+          <a:xfrm>
+            <a:off x="5003165" y="4507230"/>
+            <a:ext cx="6096000" cy="645160"/>
+          </a:xfrm>
+          <a:prstGeom prst="rect">
+            <a:avLst/>
+          </a:prstGeom>
+          <a:noFill/>
+        </p:spPr>
+        <p:txBody>
+          <a:bodyPr wrap="square" rtlCol="0" anchor="t">
+            <a:spAutoFit/>
+          </a:bodyPr>
+          <a:p>
+            <a:r>
+              <a:rPr lang="en-US" altLang="en-US"/>
+              <a:t>https://www.geeksforgeeks.org/categorical-cross-entropy-in-multi-class-classification/</a:t>
+            </a:r>
+            <a:endParaRPr lang="en-US"/>
+          </a:p>
+        </p:txBody>
+      </p:sp>
+      <p:sp>
+        <p:nvSpPr>
+          <p:cNvPr id="8" name="Text Box 7"/>
+          <p:cNvSpPr txBox="1"/>
+          <p:nvPr/>
+        </p:nvSpPr>
+        <p:spPr>
+          <a:xfrm>
+            <a:off x="511175" y="5039995"/>
+            <a:ext cx="9680575" cy="368300"/>
+          </a:xfrm>
+          <a:prstGeom prst="rect">
+            <a:avLst/>
+          </a:prstGeom>
+          <a:noFill/>
+        </p:spPr>
+        <p:txBody>
+          <a:bodyPr wrap="square" rtlCol="0" anchor="t">
+            <a:spAutoFit/>
+          </a:bodyPr>
+          <a:p>
+            <a:r>
+              <a:rPr lang="en-US" altLang="en-US"/>
+              <a:t>https://medium.com/data-science/optimization-loss-function-under-the-hood-part-iii-5dff33fa015d</a:t>
+            </a:r>
+            <a:endParaRPr lang="en-US"/>
+          </a:p>
+        </p:txBody>
+      </p:sp>
     </p:spTree>
   </p:cSld>
   <p:clrMapOvr>
@@ -24975,7 +25794,7 @@
 </p:sld>
 </file>
 
-<file path=ppt/slides/slide9.xml><?xml version="1.0" encoding="utf-8"?>
+<file path=ppt/slides/slide8.xml><?xml version="1.0" encoding="utf-8"?>
 <p:sld xmlns:a="http://schemas.openxmlformats.org/drawingml/2006/main" xmlns:r="http://schemas.openxmlformats.org/officeDocument/2006/relationships" xmlns:p="http://schemas.openxmlformats.org/presentationml/2006/main">
   <p:cSld>
     <p:spTree>
@@ -25283,6 +26102,405 @@
           </a:p>
         </p:txBody>
       </p:sp>
+    </p:spTree>
+  </p:cSld>
+  <p:clrMapOvr>
+    <a:masterClrMapping/>
+  </p:clrMapOvr>
+</p:sld>
+</file>
+
+<file path=ppt/slides/slide9.xml><?xml version="1.0" encoding="utf-8"?>
+<p:sld xmlns:a="http://schemas.openxmlformats.org/drawingml/2006/main" xmlns:r="http://schemas.openxmlformats.org/officeDocument/2006/relationships" xmlns:p="http://schemas.openxmlformats.org/presentationml/2006/main">
+  <p:cSld>
+    <p:spTree>
+      <p:nvGrpSpPr>
+        <p:cNvPr id="1" name=""/>
+        <p:cNvGrpSpPr/>
+        <p:nvPr/>
+      </p:nvGrpSpPr>
+      <p:grpSpPr/>
+      <p:sp>
+        <p:nvSpPr>
+          <p:cNvPr id="2" name="Text Box 1"/>
+          <p:cNvSpPr txBox="1"/>
+          <p:nvPr/>
+        </p:nvSpPr>
+        <p:spPr>
+          <a:xfrm>
+            <a:off x="0" y="0"/>
+            <a:ext cx="5239385" cy="6532245"/>
+          </a:xfrm>
+          <a:prstGeom prst="rect">
+            <a:avLst/>
+          </a:prstGeom>
+          <a:noFill/>
+        </p:spPr>
+        <p:txBody>
+          <a:bodyPr wrap="square" rtlCol="0" anchor="t">
+            <a:noAutofit/>
+          </a:bodyPr>
+          <a:p>
+            <a:pPr>
+              <a:spcAft>
+                <a:spcPct val="60000"/>
+              </a:spcAft>
+            </a:pPr>
+            <a:r>
+              <a:rPr sz="2300" b="1">
+                <a:sym typeface="+mn-ea"/>
+              </a:rPr>
+              <a:t>1.1</a:t>
+            </a:r>
+            <a:r>
+              <a:rPr sz="2300" b="1">
+                <a:solidFill>
+                  <a:srgbClr val="FF0000"/>
+                </a:solidFill>
+                <a:effectLst>
+                  <a:outerShdw blurRad="38100" dist="38100" dir="2700000" algn="tl">
+                    <a:srgbClr val="000000">
+                      <a:alpha val="43137"/>
+                    </a:srgbClr>
+                  </a:outerShdw>
+                </a:effectLst>
+                <a:sym typeface="+mn-ea"/>
+              </a:rPr>
+              <a:t> Mean Squared Error (MSE)</a:t>
+            </a:r>
+            <a:endParaRPr sz="2300" b="1"/>
+          </a:p>
+          <a:p>
+            <a:r>
+              <a:rPr sz="1600">
+                <a:sym typeface="+mn-ea"/>
+              </a:rPr>
+              <a:t>MSE measures the average squared difference between the actual and predicted values. It punishes large errors more than small ones.</a:t>
+            </a:r>
+            <a:endParaRPr sz="1600"/>
+          </a:p>
+          <a:p>
+            <a:pPr>
+              <a:spcAft>
+                <a:spcPct val="60000"/>
+              </a:spcAft>
+            </a:pPr>
+            <a:r>
+              <a:rPr sz="2200" b="1">
+                <a:sym typeface="+mn-ea"/>
+              </a:rPr>
+              <a:t>📝 Explanation:</a:t>
+            </a:r>
+            <a:endParaRPr sz="2200" b="1"/>
+          </a:p>
+          <a:p>
+            <a:pPr>
+              <a:buFont typeface="Arial" panose="020B0604020202020204"/>
+              <a:buChar char="•"/>
+            </a:pPr>
+            <a:r>
+              <a:rPr sz="1600">
+                <a:sym typeface="+mn-ea"/>
+              </a:rPr>
+              <a:t>MSE squares the error to ensure positive values and amplify large errors.</a:t>
+            </a:r>
+            <a:endParaRPr sz="1600"/>
+          </a:p>
+          <a:p>
+            <a:pPr>
+              <a:buFont typeface="Arial" panose="020B0604020202020204"/>
+              <a:buChar char="•"/>
+            </a:pPr>
+            <a:r>
+              <a:rPr sz="1600">
+                <a:sym typeface="+mn-ea"/>
+              </a:rPr>
+              <a:t>It helps models learn smooth predictions but is sensitive to outliers (since large errors get squared).</a:t>
+            </a:r>
+            <a:endParaRPr sz="1600"/>
+          </a:p>
+          <a:p>
+            <a:pPr>
+              <a:spcAft>
+                <a:spcPct val="60000"/>
+              </a:spcAft>
+            </a:pPr>
+            <a:r>
+              <a:rPr sz="2200" b="1">
+                <a:sym typeface="+mn-ea"/>
+              </a:rPr>
+              <a:t>💡 Use Cases:</a:t>
+            </a:r>
+            <a:endParaRPr sz="2200" b="1"/>
+          </a:p>
+          <a:p>
+            <a:r>
+              <a:rPr sz="1600">
+                <a:sym typeface="+mn-ea"/>
+              </a:rPr>
+              <a:t>✔ Predicting house prices</a:t>
+            </a:r>
+            <a:endParaRPr sz="1600"/>
+          </a:p>
+          <a:p>
+            <a:r>
+              <a:rPr sz="1600">
+                <a:sym typeface="+mn-ea"/>
+              </a:rPr>
+              <a:t> ✔ Forecasting stock prices</a:t>
+            </a:r>
+            <a:endParaRPr sz="1600"/>
+          </a:p>
+          <a:p>
+            <a:r>
+              <a:rPr sz="1600">
+                <a:sym typeface="+mn-ea"/>
+              </a:rPr>
+              <a:t> ✔ Estimating temperature trends</a:t>
+            </a:r>
+            <a:endParaRPr sz="1600"/>
+          </a:p>
+          <a:p>
+            <a:pPr>
+              <a:spcAft>
+                <a:spcPct val="60000"/>
+              </a:spcAft>
+            </a:pPr>
+            <a:r>
+              <a:rPr sz="2200" b="1">
+                <a:sym typeface="+mn-ea"/>
+              </a:rPr>
+              <a:t>🌎 Real-World Example:</a:t>
+            </a:r>
+            <a:endParaRPr sz="2200" b="1"/>
+          </a:p>
+          <a:p>
+            <a:pPr>
+              <a:buFont typeface="Arial" panose="020B0604020202020204"/>
+              <a:buChar char="•"/>
+            </a:pPr>
+            <a:r>
+              <a:rPr sz="1600">
+                <a:sym typeface="+mn-ea"/>
+              </a:rPr>
+              <a:t>Predicting real estate prices based on features like area, location, and amenities.</a:t>
+            </a:r>
+            <a:endParaRPr sz="1600"/>
+          </a:p>
+          <a:p>
+            <a:pPr>
+              <a:buFont typeface="Arial" panose="020B0604020202020204"/>
+              <a:buChar char="•"/>
+            </a:pPr>
+            <a:r>
+              <a:rPr sz="1600">
+                <a:sym typeface="+mn-ea"/>
+              </a:rPr>
+              <a:t>A model predicting house price as $250K, while the actual price is $260K, results in an error of $10K² = $100M$.</a:t>
+            </a:r>
+            <a:endParaRPr sz="1600"/>
+          </a:p>
+          <a:p>
+            <a:pPr>
+              <a:spcAft>
+                <a:spcPct val="60000"/>
+              </a:spcAft>
+            </a:pPr>
+            <a:endParaRPr lang="en-US" sz="2200" b="1">
+              <a:sym typeface="+mn-ea"/>
+            </a:endParaRPr>
+          </a:p>
+        </p:txBody>
+      </p:sp>
+      <p:sp>
+        <p:nvSpPr>
+          <p:cNvPr id="3" name="Text Box 2"/>
+          <p:cNvSpPr txBox="1"/>
+          <p:nvPr/>
+        </p:nvSpPr>
+        <p:spPr>
+          <a:xfrm>
+            <a:off x="5375275" y="168275"/>
+            <a:ext cx="6816725" cy="3411220"/>
+          </a:xfrm>
+          <a:prstGeom prst="rect">
+            <a:avLst/>
+          </a:prstGeom>
+          <a:noFill/>
+        </p:spPr>
+        <p:txBody>
+          <a:bodyPr wrap="square" rtlCol="0" anchor="t">
+            <a:noAutofit/>
+          </a:bodyPr>
+          <a:p>
+            <a:pPr>
+              <a:lnSpc>
+                <a:spcPct val="0"/>
+              </a:lnSpc>
+              <a:spcAft>
+                <a:spcPct val="60000"/>
+              </a:spcAft>
+            </a:pPr>
+            <a:r>
+              <a:rPr sz="2200" b="1">
+                <a:sym typeface="+mn-ea"/>
+              </a:rPr>
+              <a:t>✅ Pros:</a:t>
+            </a:r>
+            <a:endParaRPr sz="2200" b="1"/>
+          </a:p>
+          <a:p>
+            <a:r>
+              <a:rPr sz="1600">
+                <a:sym typeface="+mn-ea"/>
+              </a:rPr>
+              <a:t>✔ Simple and easy to compute.</a:t>
+            </a:r>
+            <a:endParaRPr sz="1600"/>
+          </a:p>
+          <a:p>
+            <a:r>
+              <a:rPr sz="1600">
+                <a:sym typeface="+mn-ea"/>
+              </a:rPr>
+              <a:t> ✔ Works well when errors are normally distributed.</a:t>
+            </a:r>
+            <a:endParaRPr sz="1600"/>
+          </a:p>
+          <a:p>
+            <a:pPr>
+              <a:spcAft>
+                <a:spcPct val="60000"/>
+              </a:spcAft>
+            </a:pPr>
+            <a:r>
+              <a:rPr sz="2200" b="1">
+                <a:sym typeface="+mn-ea"/>
+              </a:rPr>
+              <a:t>❌ Cons:</a:t>
+            </a:r>
+            <a:endParaRPr sz="2200" b="1"/>
+          </a:p>
+          <a:p>
+            <a:r>
+              <a:rPr sz="1600">
+                <a:sym typeface="+mn-ea"/>
+              </a:rPr>
+              <a:t>❌ Sensitive to outliers, as squared differences amplify large errors.</a:t>
+            </a:r>
+            <a:endParaRPr sz="1600"/>
+          </a:p>
+          <a:p>
+            <a:r>
+              <a:rPr sz="1600">
+                <a:sym typeface="+mn-ea"/>
+              </a:rPr>
+              <a:t> ❌ Not robust when dealing with skewed data.</a:t>
+            </a:r>
+            <a:endParaRPr sz="1600"/>
+          </a:p>
+          <a:p>
+            <a:pPr>
+              <a:spcAft>
+                <a:spcPct val="60000"/>
+              </a:spcAft>
+            </a:pPr>
+            <a:r>
+              <a:rPr sz="2200" b="1">
+                <a:sym typeface="+mn-ea"/>
+              </a:rPr>
+              <a:t>🛠 How to Overcome:</a:t>
+            </a:r>
+            <a:endParaRPr sz="2200" b="1"/>
+          </a:p>
+          <a:p>
+            <a:r>
+              <a:rPr sz="1600">
+                <a:sym typeface="+mn-ea"/>
+              </a:rPr>
+              <a:t>✔ Use Huber Loss or Log-Cosh Loss instead of MSE when outliers are present.</a:t>
+            </a:r>
+            <a:endParaRPr sz="1600"/>
+          </a:p>
+          <a:p>
+            <a:pPr>
+              <a:spcAft>
+                <a:spcPct val="60000"/>
+              </a:spcAft>
+            </a:pPr>
+            <a:r>
+              <a:rPr sz="2200" b="1">
+                <a:sym typeface="+mn-ea"/>
+              </a:rPr>
+              <a:t>📍 Where to Use:</a:t>
+            </a:r>
+            <a:endParaRPr sz="2200" b="1"/>
+          </a:p>
+          <a:p>
+            <a:r>
+              <a:rPr sz="1600">
+                <a:sym typeface="+mn-ea"/>
+              </a:rPr>
+              <a:t>✅ Regression models with normally distributed errors.</a:t>
+            </a:r>
+            <a:endParaRPr sz="1600"/>
+          </a:p>
+          <a:p>
+            <a:pPr>
+              <a:spcAft>
+                <a:spcPct val="60000"/>
+              </a:spcAft>
+            </a:pPr>
+            <a:endParaRPr lang="en-US" sz="2200" b="1">
+              <a:sym typeface="+mn-ea"/>
+            </a:endParaRPr>
+          </a:p>
+        </p:txBody>
+      </p:sp>
+      <p:pic>
+        <p:nvPicPr>
+          <p:cNvPr id="4" name="Picture 3"/>
+          <p:cNvPicPr/>
+          <p:nvPr/>
+        </p:nvPicPr>
+        <p:blipFill>
+          <a:blip r:embed="rId1"/>
+          <a:stretch>
+            <a:fillRect/>
+          </a:stretch>
+        </p:blipFill>
+        <p:spPr>
+          <a:xfrm>
+            <a:off x="493395" y="5818505"/>
+            <a:ext cx="4551045" cy="1039495"/>
+          </a:xfrm>
+          <a:prstGeom prst="rect">
+            <a:avLst/>
+          </a:prstGeom>
+        </p:spPr>
+      </p:pic>
+      <p:pic>
+        <p:nvPicPr>
+          <p:cNvPr id="5" name="Picture 4"/>
+          <p:cNvPicPr/>
+          <p:nvPr/>
+        </p:nvPicPr>
+        <p:blipFill>
+          <a:blip r:embed="rId2"/>
+          <a:stretch>
+            <a:fillRect/>
+          </a:stretch>
+        </p:blipFill>
+        <p:spPr>
+          <a:xfrm>
+            <a:off x="6336030" y="3652520"/>
+            <a:ext cx="5462905" cy="3278505"/>
+          </a:xfrm>
+          <a:prstGeom prst="rect">
+            <a:avLst/>
+          </a:prstGeom>
+        </p:spPr>
+      </p:pic>
     </p:spTree>
   </p:cSld>
   <p:clrMapOvr>

--- a/9.Deep_learning/class_3_module_9_deep learning_Loss_Functions Gradient Descent.pptx
+++ b/9.Deep_learning/class_3_module_9_deep learning_Loss_Functions Gradient Descent.pptx
@@ -12231,6 +12231,35 @@
               <a:latin typeface="Roboto-Regular"/>
               <a:ea typeface="Roboto-Regular"/>
             </a:endParaRPr>
+          </a:p>
+        </p:txBody>
+      </p:sp>
+      <p:sp>
+        <p:nvSpPr>
+          <p:cNvPr id="4" name="Text Box 3"/>
+          <p:cNvSpPr txBox="1"/>
+          <p:nvPr/>
+        </p:nvSpPr>
+        <p:spPr>
+          <a:xfrm>
+            <a:off x="4564380" y="4810760"/>
+            <a:ext cx="6096000" cy="645160"/>
+          </a:xfrm>
+          <a:prstGeom prst="rect">
+            <a:avLst/>
+          </a:prstGeom>
+          <a:noFill/>
+        </p:spPr>
+        <p:txBody>
+          <a:bodyPr wrap="square" rtlCol="0" anchor="t">
+            <a:spAutoFit/>
+          </a:bodyPr>
+          <a:p>
+            <a:r>
+              <a:rPr lang="en-US" altLang="en-US"/>
+              <a:t>https://www.geeksforgeeks.org/optimization-rule-in-deep-neural-networks/</a:t>
+            </a:r>
+            <a:endParaRPr lang="en-US"/>
           </a:p>
         </p:txBody>
       </p:sp>

--- a/9.Deep_learning/class_3_module_9_deep learning_Loss_Functions Gradient Descent.pptx
+++ b/9.Deep_learning/class_3_module_9_deep learning_Loss_Functions Gradient Descent.pptx
@@ -20219,7 +20219,7 @@
         </p:blipFill>
         <p:spPr>
           <a:xfrm>
-            <a:off x="974725" y="0"/>
+            <a:off x="1003935" y="0"/>
             <a:ext cx="10019665" cy="6411595"/>
           </a:xfrm>
           <a:prstGeom prst="rect">

--- a/9.Deep_learning/class_3_module_9_deep learning_Loss_Functions Gradient Descent.pptx
+++ b/9.Deep_learning/class_3_module_9_deep learning_Loss_Functions Gradient Descent.pptx
@@ -5,17 +5,17 @@
     <p:sldMasterId id="2147483648" r:id="rId1"/>
   </p:sldMasterIdLst>
   <p:notesMasterIdLst>
-    <p:notesMasterId r:id="rId11"/>
+    <p:notesMasterId r:id="rId10"/>
   </p:notesMasterIdLst>
   <p:sldIdLst>
     <p:sldId id="368" r:id="rId3"/>
     <p:sldId id="281" r:id="rId4"/>
-    <p:sldId id="317" r:id="rId5"/>
-    <p:sldId id="403" r:id="rId6"/>
+    <p:sldId id="403" r:id="rId5"/>
+    <p:sldId id="317" r:id="rId6"/>
     <p:sldId id="401" r:id="rId7"/>
     <p:sldId id="402" r:id="rId8"/>
     <p:sldId id="394" r:id="rId9"/>
-    <p:sldId id="393" r:id="rId10"/>
+    <p:sldId id="393" r:id="rId11"/>
     <p:sldId id="405" r:id="rId12"/>
     <p:sldId id="406" r:id="rId13"/>
     <p:sldId id="407" r:id="rId14"/>
@@ -34,37 +34,35 @@
     <p:sldId id="420" r:id="rId27"/>
     <p:sldId id="421" r:id="rId28"/>
     <p:sldId id="425" r:id="rId29"/>
-    <p:sldId id="422" r:id="rId30"/>
-    <p:sldId id="423" r:id="rId31"/>
-    <p:sldId id="424" r:id="rId32"/>
-    <p:sldId id="369" r:id="rId33"/>
-    <p:sldId id="362" r:id="rId34"/>
-    <p:sldId id="396" r:id="rId35"/>
-    <p:sldId id="395" r:id="rId36"/>
-    <p:sldId id="363" r:id="rId37"/>
-    <p:sldId id="426" r:id="rId38"/>
-    <p:sldId id="427" r:id="rId39"/>
-    <p:sldId id="430" r:id="rId40"/>
-    <p:sldId id="428" r:id="rId41"/>
-    <p:sldId id="432" r:id="rId42"/>
-    <p:sldId id="429" r:id="rId43"/>
-    <p:sldId id="433" r:id="rId44"/>
-    <p:sldId id="431" r:id="rId45"/>
-    <p:sldId id="364" r:id="rId46"/>
-    <p:sldId id="365" r:id="rId47"/>
-    <p:sldId id="434" r:id="rId48"/>
-    <p:sldId id="435" r:id="rId49"/>
-    <p:sldId id="392" r:id="rId50"/>
-    <p:sldId id="398" r:id="rId51"/>
-    <p:sldId id="397" r:id="rId52"/>
-    <p:sldId id="436" r:id="rId53"/>
-    <p:sldId id="440" r:id="rId54"/>
-    <p:sldId id="439" r:id="rId55"/>
-    <p:sldId id="441" r:id="rId56"/>
-    <p:sldId id="399" r:id="rId57"/>
-    <p:sldId id="437" r:id="rId58"/>
-    <p:sldId id="400" r:id="rId59"/>
-    <p:sldId id="438" r:id="rId60"/>
+    <p:sldId id="369" r:id="rId30"/>
+    <p:sldId id="362" r:id="rId31"/>
+    <p:sldId id="396" r:id="rId32"/>
+    <p:sldId id="395" r:id="rId33"/>
+    <p:sldId id="363" r:id="rId34"/>
+    <p:sldId id="426" r:id="rId35"/>
+    <p:sldId id="427" r:id="rId36"/>
+    <p:sldId id="430" r:id="rId37"/>
+    <p:sldId id="428" r:id="rId38"/>
+    <p:sldId id="432" r:id="rId39"/>
+    <p:sldId id="429" r:id="rId40"/>
+    <p:sldId id="433" r:id="rId41"/>
+    <p:sldId id="431" r:id="rId42"/>
+    <p:sldId id="364" r:id="rId43"/>
+    <p:sldId id="365" r:id="rId44"/>
+    <p:sldId id="434" r:id="rId45"/>
+    <p:sldId id="435" r:id="rId46"/>
+    <p:sldId id="392" r:id="rId47"/>
+    <p:sldId id="398" r:id="rId48"/>
+    <p:sldId id="397" r:id="rId49"/>
+    <p:sldId id="436" r:id="rId50"/>
+    <p:sldId id="440" r:id="rId51"/>
+    <p:sldId id="442" r:id="rId52"/>
+    <p:sldId id="439" r:id="rId53"/>
+    <p:sldId id="441" r:id="rId54"/>
+    <p:sldId id="399" r:id="rId55"/>
+    <p:sldId id="437" r:id="rId56"/>
+    <p:sldId id="400" r:id="rId57"/>
+    <p:sldId id="438" r:id="rId58"/>
   </p:sldIdLst>
   <p:sldSz cx="12192000" cy="6858000"/>
   <p:notesSz cx="6858000" cy="9144000"/>
@@ -658,6 +656,54 @@
 </file>
 
 <file path=ppt/notesSlides/notesSlide4.xml><?xml version="1.0" encoding="utf-8"?>
+<p:notes xmlns:a="http://schemas.openxmlformats.org/drawingml/2006/main" xmlns:r="http://schemas.openxmlformats.org/officeDocument/2006/relationships" xmlns:p="http://schemas.openxmlformats.org/presentationml/2006/main">
+  <p:cSld>
+    <p:spTree>
+      <p:nvGrpSpPr>
+        <p:cNvPr id="1" name=""/>
+        <p:cNvGrpSpPr/>
+        <p:nvPr/>
+      </p:nvGrpSpPr>
+      <p:grpSpPr/>
+      <p:sp>
+        <p:nvSpPr>
+          <p:cNvPr id="2" name="Slide Image Placeholder 1"/>
+          <p:cNvSpPr>
+            <a:spLocks noGrp="1"/>
+          </p:cNvSpPr>
+          <p:nvPr>
+            <p:ph type="sldImg" idx="2"/>
+          </p:nvPr>
+        </p:nvSpPr>
+        <p:spPr/>
+      </p:sp>
+      <p:sp>
+        <p:nvSpPr>
+          <p:cNvPr id="3" name="Text Placeholder 2"/>
+          <p:cNvSpPr>
+            <a:spLocks noGrp="1"/>
+          </p:cNvSpPr>
+          <p:nvPr>
+            <p:ph type="body" idx="3"/>
+          </p:nvPr>
+        </p:nvSpPr>
+        <p:spPr/>
+        <p:txBody>
+          <a:bodyPr/>
+          <a:p>
+            <a:endParaRPr lang="en-US"/>
+          </a:p>
+        </p:txBody>
+      </p:sp>
+    </p:spTree>
+  </p:cSld>
+  <p:clrMapOvr>
+    <a:masterClrMapping/>
+  </p:clrMapOvr>
+</p:notes>
+</file>
+
+<file path=ppt/notesSlides/notesSlide5.xml><?xml version="1.0" encoding="utf-8"?>
 <p:notes xmlns:a="http://schemas.openxmlformats.org/drawingml/2006/main" xmlns:r="http://schemas.openxmlformats.org/officeDocument/2006/relationships" xmlns:p="http://schemas.openxmlformats.org/presentationml/2006/main">
   <p:cSld>
     <p:spTree>
@@ -10613,7 +10659,9 @@
         <a:graphic>
           <a:graphicData uri="http://schemas.openxmlformats.org/drawingml/2006/table">
             <a:tbl>
-              <a:tblPr/>
+              <a:tblPr>
+                <a:tableStyleId>{3C2FFA5D-87B4-456A-9821-1D502468CF0F}</a:tableStyleId>
+              </a:tblPr>
               <a:tblGrid>
                 <a:gridCol w="3495040"/>
                 <a:gridCol w="3495040"/>
@@ -10624,82 +10672,43 @@
                   <a:txBody>
                     <a:bodyPr/>
                     <a:p>
+                      <a:pPr algn="l"/>
                       <a:r>
-                        <a:rPr sz="1100"/>
+                        <a:rPr sz="2400"/>
                         <a:t>Feature</a:t>
                       </a:r>
-                      <a:endParaRPr sz="1100"/>
+                      <a:endParaRPr sz="2400"/>
                     </a:p>
                   </a:txBody>
-                  <a:tcPr marL="0" marR="0" marT="0" marB="0" anchor="ctr" anchorCtr="0">
-                    <a:lnL>
-                      <a:noFill/>
-                    </a:lnL>
-                    <a:lnR>
-                      <a:noFill/>
-                    </a:lnR>
-                    <a:lnT>
-                      <a:noFill/>
-                    </a:lnT>
-                    <a:lnB>
-                      <a:noFill/>
-                    </a:lnB>
-                    <a:noFill/>
-                  </a:tcPr>
+                  <a:tcPr marL="0" marR="0" marT="0" marB="0" anchor="t" anchorCtr="0"/>
                 </a:tc>
                 <a:tc>
                   <a:txBody>
                     <a:bodyPr/>
                     <a:p>
+                      <a:pPr algn="l"/>
                       <a:r>
-                        <a:rPr sz="1100"/>
+                        <a:rPr sz="2400"/>
                         <a:t>Categorical Cross-Entropy</a:t>
                       </a:r>
-                      <a:endParaRPr sz="1100"/>
+                      <a:endParaRPr sz="2400"/>
                     </a:p>
                   </a:txBody>
-                  <a:tcPr marL="0" marR="0" marT="0" marB="0" anchor="ctr" anchorCtr="0">
-                    <a:lnL>
-                      <a:noFill/>
-                    </a:lnL>
-                    <a:lnR>
-                      <a:noFill/>
-                    </a:lnR>
-                    <a:lnT>
-                      <a:noFill/>
-                    </a:lnT>
-                    <a:lnB>
-                      <a:noFill/>
-                    </a:lnB>
-                    <a:noFill/>
-                  </a:tcPr>
+                  <a:tcPr marL="0" marR="0" marT="0" marB="0" anchor="t" anchorCtr="0"/>
                 </a:tc>
                 <a:tc>
                   <a:txBody>
                     <a:bodyPr/>
                     <a:p>
+                      <a:pPr algn="l"/>
                       <a:r>
-                        <a:rPr sz="1100"/>
+                        <a:rPr sz="2400"/>
                         <a:t>Sparse Categorical Cross-Entropy</a:t>
                       </a:r>
-                      <a:endParaRPr sz="1100"/>
+                      <a:endParaRPr sz="2400"/>
                     </a:p>
                   </a:txBody>
-                  <a:tcPr marL="0" marR="0" marT="0" marB="0" anchor="ctr" anchorCtr="0">
-                    <a:lnL>
-                      <a:noFill/>
-                    </a:lnL>
-                    <a:lnR>
-                      <a:noFill/>
-                    </a:lnR>
-                    <a:lnT>
-                      <a:noFill/>
-                    </a:lnT>
-                    <a:lnB>
-                      <a:noFill/>
-                    </a:lnB>
-                    <a:noFill/>
-                  </a:tcPr>
+                  <a:tcPr marL="0" marR="0" marT="0" marB="0" anchor="t" anchorCtr="0"/>
                 </a:tc>
               </a:tr>
               <a:tr h="0">
@@ -10707,98 +10716,87 @@
                   <a:txBody>
                     <a:bodyPr/>
                     <a:p>
+                      <a:pPr algn="l"/>
                       <a:r>
-                        <a:rPr sz="1100"/>
+                        <a:rPr sz="2400"/>
                         <a:t>Label Format</a:t>
                       </a:r>
-                      <a:endParaRPr sz="1100"/>
+                      <a:endParaRPr sz="2400"/>
                     </a:p>
                   </a:txBody>
-                  <a:tcPr marL="0" marR="0" marT="0" marB="0" anchor="ctr" anchorCtr="0">
-                    <a:lnL>
-                      <a:noFill/>
-                    </a:lnL>
-                    <a:lnR>
-                      <a:noFill/>
-                    </a:lnR>
-                    <a:lnT>
-                      <a:noFill/>
-                    </a:lnT>
-                    <a:lnB>
-                      <a:noFill/>
-                    </a:lnB>
-                    <a:noFill/>
-                  </a:tcPr>
+                  <a:tcPr marL="0" marR="0" marT="0" marB="0" anchor="t" anchorCtr="0"/>
                 </a:tc>
                 <a:tc>
                   <a:txBody>
                     <a:bodyPr/>
                     <a:p>
+                      <a:pPr algn="l"/>
                       <a:r>
-                        <a:rPr sz="1100"/>
-                        <a:t>One-hot encoded (e.g., </a:t>
+                        <a:rPr sz="2400"/>
+                        <a:t>One-hot encoded (e.g., [0, 1, 0])</a:t>
                       </a:r>
-                      <a:r>
-                        <a:rPr sz="1100"/>
-                        <a:t>[0, 1, 0]</a:t>
-                      </a:r>
-                      <a:r>
-                        <a:rPr sz="1100"/>
-                        <a:t>)</a:t>
-                      </a:r>
-                      <a:endParaRPr sz="1100"/>
+                      <a:endParaRPr sz="2400"/>
                     </a:p>
                   </a:txBody>
-                  <a:tcPr marL="0" marR="0" marT="0" marB="0" anchor="ctr" anchorCtr="0">
-                    <a:lnL>
-                      <a:noFill/>
-                    </a:lnL>
-                    <a:lnR>
-                      <a:noFill/>
-                    </a:lnR>
-                    <a:lnT>
-                      <a:noFill/>
-                    </a:lnT>
-                    <a:lnB>
-                      <a:noFill/>
-                    </a:lnB>
-                    <a:noFill/>
-                  </a:tcPr>
+                  <a:tcPr marL="0" marR="0" marT="0" marB="0" anchor="t" anchorCtr="0"/>
                 </a:tc>
                 <a:tc>
                   <a:txBody>
                     <a:bodyPr/>
                     <a:p>
+                      <a:pPr algn="l"/>
                       <a:r>
-                        <a:rPr sz="1100"/>
-                        <a:t>Integer encoded (e.g., </a:t>
+                        <a:rPr sz="2400"/>
+                        <a:t>Integer encoded (e.g., 1)</a:t>
                       </a:r>
-                      <a:r>
-                        <a:rPr sz="1100"/>
-                        <a:t>1</a:t>
-                      </a:r>
-                      <a:r>
-                        <a:rPr sz="1100"/>
-                        <a:t>)</a:t>
-                      </a:r>
-                      <a:endParaRPr sz="1100"/>
+                      <a:endParaRPr sz="2400"/>
                     </a:p>
                   </a:txBody>
-                  <a:tcPr marL="0" marR="0" marT="0" marB="0" anchor="ctr" anchorCtr="0">
-                    <a:lnL>
-                      <a:noFill/>
-                    </a:lnL>
-                    <a:lnR>
-                      <a:noFill/>
-                    </a:lnR>
-                    <a:lnT>
-                      <a:noFill/>
-                    </a:lnT>
-                    <a:lnB>
-                      <a:noFill/>
-                    </a:lnB>
-                    <a:noFill/>
-                  </a:tcPr>
+                  <a:tcPr marL="0" marR="0" marT="0" marB="0" anchor="t" anchorCtr="0"/>
+                </a:tc>
+              </a:tr>
+              <a:tr h="491490">
+                <a:tc>
+                  <a:txBody>
+                    <a:bodyPr/>
+                    <a:p>
+                      <a:pPr algn="l"/>
+                      <a:r>
+                        <a:rPr sz="2400"/>
+                        <a:t>Memory Usage</a:t>
+                      </a:r>
+                      <a:endParaRPr sz="2400"/>
+                    </a:p>
+                  </a:txBody>
+                  <a:tcPr marL="0" marR="0" marT="0" marB="0" anchor="t" anchorCtr="0"/>
+                </a:tc>
+                <a:tc>
+                  <a:txBody>
+                    <a:bodyPr/>
+                    <a:p>
+                      <a:pPr algn="l"/>
+                      <a:r>
+                        <a:rPr sz="2400"/>
+                        <a:t>Higher (stores full one-hot vectors)</a:t>
+                      </a:r>
+                      <a:endParaRPr sz="2400"/>
+                    </a:p>
+                  </a:txBody>
+                  <a:tcPr marL="0" marR="0" marT="0" marB="0" anchor="t" anchorCtr="0"/>
+                </a:tc>
+                <a:tc>
+                  <a:txBody>
+                    <a:bodyPr/>
+                    <a:p>
+                      <a:pPr algn="l"/>
+                      <a:r>
+                        <a:rPr sz="2400"/>
+                        <a:t>Lower (stores a single integer per label)</a:t>
+                      </a:r>
+                      <a:endParaRPr sz="2400"/>
+                    </a:p>
+                  </a:txBody>
+                  <a:tcPr marL="0" marR="0" marT="0" marB="0" anchor="t" anchorCtr="0"/>
                 </a:tc>
               </a:tr>
               <a:tr h="0">
@@ -10806,82 +10804,43 @@
                   <a:txBody>
                     <a:bodyPr/>
                     <a:p>
+                      <a:pPr algn="l"/>
                       <a:r>
-                        <a:rPr sz="1100"/>
-                        <a:t>Memory Usage</a:t>
+                        <a:rPr sz="2400"/>
+                        <a:t>Performance</a:t>
                       </a:r>
-                      <a:endParaRPr sz="1100"/>
+                      <a:endParaRPr sz="2400"/>
                     </a:p>
                   </a:txBody>
-                  <a:tcPr marL="0" marR="0" marT="0" marB="0" anchor="ctr" anchorCtr="0">
-                    <a:lnL>
-                      <a:noFill/>
-                    </a:lnL>
-                    <a:lnR>
-                      <a:noFill/>
-                    </a:lnR>
-                    <a:lnT>
-                      <a:noFill/>
-                    </a:lnT>
-                    <a:lnB>
-                      <a:noFill/>
-                    </a:lnB>
-                    <a:noFill/>
-                  </a:tcPr>
+                  <a:tcPr marL="0" marR="0" marT="0" marB="0" anchor="t" anchorCtr="0"/>
                 </a:tc>
                 <a:tc>
                   <a:txBody>
                     <a:bodyPr/>
                     <a:p>
+                      <a:pPr algn="l"/>
                       <a:r>
-                        <a:rPr sz="1100"/>
-                        <a:t>Higher (stores full one-hot vectors)</a:t>
+                        <a:rPr sz="2400"/>
+                        <a:t>Works well for small-medium class sizes</a:t>
                       </a:r>
-                      <a:endParaRPr sz="1100"/>
+                      <a:endParaRPr sz="2400"/>
                     </a:p>
                   </a:txBody>
-                  <a:tcPr marL="0" marR="0" marT="0" marB="0" anchor="ctr" anchorCtr="0">
-                    <a:lnL>
-                      <a:noFill/>
-                    </a:lnL>
-                    <a:lnR>
-                      <a:noFill/>
-                    </a:lnR>
-                    <a:lnT>
-                      <a:noFill/>
-                    </a:lnT>
-                    <a:lnB>
-                      <a:noFill/>
-                    </a:lnB>
-                    <a:noFill/>
-                  </a:tcPr>
+                  <a:tcPr marL="0" marR="0" marT="0" marB="0" anchor="t" anchorCtr="0"/>
                 </a:tc>
                 <a:tc>
                   <a:txBody>
                     <a:bodyPr/>
                     <a:p>
+                      <a:pPr algn="l"/>
                       <a:r>
-                        <a:rPr sz="1100"/>
-                        <a:t>Lower (stores a single integer per label)</a:t>
+                        <a:rPr sz="2400"/>
+                        <a:t>Best for large class sizes</a:t>
                       </a:r>
-                      <a:endParaRPr sz="1100"/>
+                      <a:endParaRPr sz="2400"/>
                     </a:p>
                   </a:txBody>
-                  <a:tcPr marL="0" marR="0" marT="0" marB="0" anchor="ctr" anchorCtr="0">
-                    <a:lnL>
-                      <a:noFill/>
-                    </a:lnL>
-                    <a:lnR>
-                      <a:noFill/>
-                    </a:lnR>
-                    <a:lnT>
-                      <a:noFill/>
-                    </a:lnT>
-                    <a:lnB>
-                      <a:noFill/>
-                    </a:lnB>
-                    <a:noFill/>
-                  </a:tcPr>
+                  <a:tcPr marL="0" marR="0" marT="0" marB="0" anchor="t" anchorCtr="0"/>
                 </a:tc>
               </a:tr>
               <a:tr h="0">
@@ -10889,82 +10848,43 @@
                   <a:txBody>
                     <a:bodyPr/>
                     <a:p>
+                      <a:pPr algn="l"/>
                       <a:r>
-                        <a:rPr sz="1100"/>
-                        <a:t>Performance</a:t>
+                        <a:rPr sz="2400"/>
+                        <a:t>Softmax Needed?</a:t>
                       </a:r>
-                      <a:endParaRPr sz="1100"/>
+                      <a:endParaRPr sz="2400"/>
                     </a:p>
                   </a:txBody>
-                  <a:tcPr marL="0" marR="0" marT="0" marB="0" anchor="ctr" anchorCtr="0">
-                    <a:lnL>
-                      <a:noFill/>
-                    </a:lnL>
-                    <a:lnR>
-                      <a:noFill/>
-                    </a:lnR>
-                    <a:lnT>
-                      <a:noFill/>
-                    </a:lnT>
-                    <a:lnB>
-                      <a:noFill/>
-                    </a:lnB>
-                    <a:noFill/>
-                  </a:tcPr>
+                  <a:tcPr marL="0" marR="0" marT="0" marB="0" anchor="t" anchorCtr="0"/>
                 </a:tc>
                 <a:tc>
                   <a:txBody>
                     <a:bodyPr/>
                     <a:p>
+                      <a:pPr algn="l"/>
                       <a:r>
-                        <a:rPr sz="1100"/>
-                        <a:t>Works well for small-medium class sizes</a:t>
+                        <a:rPr sz="2400"/>
+                        <a:t>Yes</a:t>
                       </a:r>
-                      <a:endParaRPr sz="1100"/>
+                      <a:endParaRPr sz="2400"/>
                     </a:p>
                   </a:txBody>
-                  <a:tcPr marL="0" marR="0" marT="0" marB="0" anchor="ctr" anchorCtr="0">
-                    <a:lnL>
-                      <a:noFill/>
-                    </a:lnL>
-                    <a:lnR>
-                      <a:noFill/>
-                    </a:lnR>
-                    <a:lnT>
-                      <a:noFill/>
-                    </a:lnT>
-                    <a:lnB>
-                      <a:noFill/>
-                    </a:lnB>
-                    <a:noFill/>
-                  </a:tcPr>
+                  <a:tcPr marL="0" marR="0" marT="0" marB="0" anchor="t" anchorCtr="0"/>
                 </a:tc>
                 <a:tc>
                   <a:txBody>
                     <a:bodyPr/>
                     <a:p>
+                      <a:pPr algn="l"/>
                       <a:r>
-                        <a:rPr sz="1100"/>
-                        <a:t>Best for large class sizes</a:t>
+                        <a:rPr sz="2400"/>
+                        <a:t>Yes</a:t>
                       </a:r>
-                      <a:endParaRPr sz="1100"/>
+                      <a:endParaRPr sz="2400"/>
                     </a:p>
                   </a:txBody>
-                  <a:tcPr marL="0" marR="0" marT="0" marB="0" anchor="ctr" anchorCtr="0">
-                    <a:lnL>
-                      <a:noFill/>
-                    </a:lnL>
-                    <a:lnR>
-                      <a:noFill/>
-                    </a:lnR>
-                    <a:lnT>
-                      <a:noFill/>
-                    </a:lnT>
-                    <a:lnB>
-                      <a:noFill/>
-                    </a:lnB>
-                    <a:noFill/>
-                  </a:tcPr>
+                  <a:tcPr marL="0" marR="0" marT="0" marB="0" anchor="t" anchorCtr="0"/>
                 </a:tc>
               </a:tr>
               <a:tr h="0">
@@ -10972,165 +10892,43 @@
                   <a:txBody>
                     <a:bodyPr/>
                     <a:p>
+                      <a:pPr algn="l"/>
                       <a:r>
-                        <a:rPr sz="1100"/>
-                        <a:t>Softmax Needed?</a:t>
+                        <a:rPr sz="2400"/>
+                        <a:t>Best For</a:t>
                       </a:r>
-                      <a:endParaRPr sz="1100"/>
+                      <a:endParaRPr sz="2400"/>
                     </a:p>
                   </a:txBody>
-                  <a:tcPr marL="0" marR="0" marT="0" marB="0" anchor="ctr" anchorCtr="0">
-                    <a:lnL>
-                      <a:noFill/>
-                    </a:lnL>
-                    <a:lnR>
-                      <a:noFill/>
-                    </a:lnR>
-                    <a:lnT>
-                      <a:noFill/>
-                    </a:lnT>
-                    <a:lnB>
-                      <a:noFill/>
-                    </a:lnB>
-                    <a:noFill/>
-                  </a:tcPr>
+                  <a:tcPr marL="0" marR="0" marT="0" marB="0" anchor="t" anchorCtr="0"/>
                 </a:tc>
                 <a:tc>
                   <a:txBody>
                     <a:bodyPr/>
                     <a:p>
+                      <a:pPr algn="l"/>
                       <a:r>
-                        <a:rPr sz="1100"/>
-                        <a:t>Yes</a:t>
+                        <a:rPr sz="2400"/>
+                        <a:t>Small to medium datasets (e.g., CIFAR-10)</a:t>
                       </a:r>
-                      <a:endParaRPr sz="1100"/>
+                      <a:endParaRPr sz="2400"/>
                     </a:p>
                   </a:txBody>
-                  <a:tcPr marL="0" marR="0" marT="0" marB="0" anchor="ctr" anchorCtr="0">
-                    <a:lnL>
-                      <a:noFill/>
-                    </a:lnL>
-                    <a:lnR>
-                      <a:noFill/>
-                    </a:lnR>
-                    <a:lnT>
-                      <a:noFill/>
-                    </a:lnT>
-                    <a:lnB>
-                      <a:noFill/>
-                    </a:lnB>
-                    <a:noFill/>
-                  </a:tcPr>
+                  <a:tcPr marL="0" marR="0" marT="0" marB="0" anchor="t" anchorCtr="0"/>
                 </a:tc>
                 <a:tc>
                   <a:txBody>
                     <a:bodyPr/>
                     <a:p>
+                      <a:pPr algn="l"/>
                       <a:r>
-                        <a:rPr sz="1100"/>
-                        <a:t>Yes</a:t>
+                        <a:rPr sz="2400"/>
+                        <a:t>Large datasets with many classes (e.g., ImageNet)</a:t>
                       </a:r>
-                      <a:endParaRPr sz="1100"/>
+                      <a:endParaRPr sz="2400"/>
                     </a:p>
                   </a:txBody>
-                  <a:tcPr marL="0" marR="0" marT="0" marB="0" anchor="ctr" anchorCtr="0">
-                    <a:lnL>
-                      <a:noFill/>
-                    </a:lnL>
-                    <a:lnR>
-                      <a:noFill/>
-                    </a:lnR>
-                    <a:lnT>
-                      <a:noFill/>
-                    </a:lnT>
-                    <a:lnB>
-                      <a:noFill/>
-                    </a:lnB>
-                    <a:noFill/>
-                  </a:tcPr>
-                </a:tc>
-              </a:tr>
-              <a:tr h="0">
-                <a:tc>
-                  <a:txBody>
-                    <a:bodyPr/>
-                    <a:p>
-                      <a:r>
-                        <a:rPr sz="1100"/>
-                        <a:t>Best For</a:t>
-                      </a:r>
-                      <a:endParaRPr sz="1100"/>
-                    </a:p>
-                  </a:txBody>
-                  <a:tcPr marL="0" marR="0" marT="0" marB="0" anchor="ctr" anchorCtr="0">
-                    <a:lnL>
-                      <a:noFill/>
-                    </a:lnL>
-                    <a:lnR>
-                      <a:noFill/>
-                    </a:lnR>
-                    <a:lnT>
-                      <a:noFill/>
-                    </a:lnT>
-                    <a:lnB>
-                      <a:noFill/>
-                    </a:lnB>
-                    <a:noFill/>
-                  </a:tcPr>
-                </a:tc>
-                <a:tc>
-                  <a:txBody>
-                    <a:bodyPr/>
-                    <a:p>
-                      <a:r>
-                        <a:rPr sz="1100"/>
-                        <a:t>Small to medium datasets (e.g., CIFAR-10)</a:t>
-                      </a:r>
-                      <a:endParaRPr sz="1100"/>
-                    </a:p>
-                  </a:txBody>
-                  <a:tcPr marL="0" marR="0" marT="0" marB="0" anchor="ctr" anchorCtr="0">
-                    <a:lnL>
-                      <a:noFill/>
-                    </a:lnL>
-                    <a:lnR>
-                      <a:noFill/>
-                    </a:lnR>
-                    <a:lnT>
-                      <a:noFill/>
-                    </a:lnT>
-                    <a:lnB>
-                      <a:noFill/>
-                    </a:lnB>
-                    <a:noFill/>
-                  </a:tcPr>
-                </a:tc>
-                <a:tc>
-                  <a:txBody>
-                    <a:bodyPr/>
-                    <a:p>
-                      <a:r>
-                        <a:rPr sz="1100"/>
-                        <a:t>Large datasets with many classes (e.g., ImageNet)</a:t>
-                      </a:r>
-                      <a:endParaRPr sz="1100"/>
-                    </a:p>
-                  </a:txBody>
-                  <a:tcPr marL="0" marR="0" marT="0" marB="0" anchor="ctr" anchorCtr="0">
-                    <a:lnL>
-                      <a:noFill/>
-                    </a:lnL>
-                    <a:lnR>
-                      <a:noFill/>
-                    </a:lnR>
-                    <a:lnT>
-                      <a:noFill/>
-                    </a:lnT>
-                    <a:lnB>
-                      <a:noFill/>
-                    </a:lnB>
-                    <a:noFill/>
-                  </a:tcPr>
+                  <a:tcPr marL="0" marR="0" marT="0" marB="0" anchor="t" anchorCtr="0"/>
                 </a:tc>
               </a:tr>
             </a:tbl>
@@ -11145,8 +10943,8 @@
         </p:nvSpPr>
         <p:spPr>
           <a:xfrm>
-            <a:off x="565785" y="1868170"/>
-            <a:ext cx="8665210" cy="1442720"/>
+            <a:off x="345440" y="4638040"/>
+            <a:ext cx="9779000" cy="1760220"/>
           </a:xfrm>
           <a:prstGeom prst="rect">
             <a:avLst/>
@@ -11163,10 +10961,10 @@
               </a:spcAft>
             </a:pPr>
             <a:r>
-              <a:rPr sz="2300" b="1"/>
+              <a:rPr sz="2800" b="1"/>
               <a:t>Which One Should You Use?</a:t>
             </a:r>
-            <a:endParaRPr sz="2300" b="1"/>
+            <a:endParaRPr sz="2800" b="1"/>
           </a:p>
           <a:p>
             <a:pPr>
@@ -11174,10 +10972,10 @@
               <a:buChar char="•"/>
             </a:pPr>
             <a:r>
-              <a:rPr sz="1600"/>
+              <a:rPr sz="2000"/>
               <a:t>If labels are one-hot encoded → Use Categorical Cross-Entropy.</a:t>
             </a:r>
-            <a:endParaRPr sz="1600"/>
+            <a:endParaRPr sz="2000"/>
           </a:p>
           <a:p>
             <a:pPr>
@@ -11185,10 +10983,10 @@
               <a:buChar char="•"/>
             </a:pPr>
             <a:r>
-              <a:rPr sz="1600"/>
+              <a:rPr sz="2000"/>
               <a:t>If labels are integers → Use Sparse Categorical Cross-Entropy.</a:t>
             </a:r>
-            <a:endParaRPr sz="1600"/>
+            <a:endParaRPr sz="2000"/>
           </a:p>
           <a:p>
             <a:pPr>
@@ -11196,10 +10994,10 @@
               <a:buChar char="•"/>
             </a:pPr>
             <a:r>
-              <a:rPr sz="1600"/>
+              <a:rPr sz="2000"/>
               <a:t>For large datasets with many classes → Use Sparse CCE for better memory efficiency.</a:t>
             </a:r>
-            <a:endParaRPr sz="1600"/>
+            <a:endParaRPr sz="2000"/>
           </a:p>
         </p:txBody>
       </p:sp>
@@ -12033,101 +11831,6 @@
         <p:nvPr/>
       </p:nvGrpSpPr>
       <p:grpSpPr/>
-    </p:spTree>
-  </p:cSld>
-  <p:clrMapOvr>
-    <a:masterClrMapping/>
-  </p:clrMapOvr>
-</p:sld>
-</file>
-
-<file path=ppt/slides/slide28.xml><?xml version="1.0" encoding="utf-8"?>
-<p:sld xmlns:a="http://schemas.openxmlformats.org/drawingml/2006/main" xmlns:r="http://schemas.openxmlformats.org/officeDocument/2006/relationships" xmlns:p="http://schemas.openxmlformats.org/presentationml/2006/main">
-  <p:cSld>
-    <p:spTree>
-      <p:nvGrpSpPr>
-        <p:cNvPr id="1" name=""/>
-        <p:cNvGrpSpPr/>
-        <p:nvPr/>
-      </p:nvGrpSpPr>
-      <p:grpSpPr/>
-    </p:spTree>
-  </p:cSld>
-  <p:clrMapOvr>
-    <a:masterClrMapping/>
-  </p:clrMapOvr>
-</p:sld>
-</file>
-
-<file path=ppt/slides/slide29.xml><?xml version="1.0" encoding="utf-8"?>
-<p:sld xmlns:a="http://schemas.openxmlformats.org/drawingml/2006/main" xmlns:r="http://schemas.openxmlformats.org/officeDocument/2006/relationships" xmlns:p="http://schemas.openxmlformats.org/presentationml/2006/main">
-  <p:cSld>
-    <p:spTree>
-      <p:nvGrpSpPr>
-        <p:cNvPr id="1" name=""/>
-        <p:cNvGrpSpPr/>
-        <p:nvPr/>
-      </p:nvGrpSpPr>
-      <p:grpSpPr/>
-    </p:spTree>
-  </p:cSld>
-  <p:clrMapOvr>
-    <a:masterClrMapping/>
-  </p:clrMapOvr>
-</p:sld>
-</file>
-
-<file path=ppt/slides/slide3.xml><?xml version="1.0" encoding="utf-8"?>
-<p:sld xmlns:a="http://schemas.openxmlformats.org/drawingml/2006/main" xmlns:r="http://schemas.openxmlformats.org/officeDocument/2006/relationships" xmlns:p="http://schemas.openxmlformats.org/presentationml/2006/main">
-  <p:cSld>
-    <p:spTree>
-      <p:nvGrpSpPr>
-        <p:cNvPr id="1" name=""/>
-        <p:cNvGrpSpPr/>
-        <p:nvPr/>
-      </p:nvGrpSpPr>
-      <p:grpSpPr/>
-      <p:pic>
-        <p:nvPicPr>
-          <p:cNvPr id="2" name="Picture 1"/>
-          <p:cNvPicPr/>
-          <p:nvPr/>
-        </p:nvPicPr>
-        <p:blipFill>
-          <a:blip r:embed="rId1"/>
-          <a:srcRect l="4780" t="8459" r="7678" b="8056"/>
-          <a:stretch>
-            <a:fillRect/>
-          </a:stretch>
-        </p:blipFill>
-        <p:spPr>
-          <a:xfrm>
-            <a:off x="1756410" y="742315"/>
-            <a:ext cx="8384540" cy="4599940"/>
-          </a:xfrm>
-          <a:prstGeom prst="rect">
-            <a:avLst/>
-          </a:prstGeom>
-        </p:spPr>
-      </p:pic>
-    </p:spTree>
-  </p:cSld>
-  <p:clrMapOvr>
-    <a:masterClrMapping/>
-  </p:clrMapOvr>
-</p:sld>
-</file>
-
-<file path=ppt/slides/slide30.xml><?xml version="1.0" encoding="utf-8"?>
-<p:sld xmlns:a="http://schemas.openxmlformats.org/drawingml/2006/main" xmlns:r="http://schemas.openxmlformats.org/officeDocument/2006/relationships" xmlns:p="http://schemas.openxmlformats.org/presentationml/2006/main">
-  <p:cSld>
-    <p:spTree>
-      <p:nvGrpSpPr>
-        <p:cNvPr id="1" name=""/>
-        <p:cNvGrpSpPr/>
-        <p:nvPr/>
-      </p:nvGrpSpPr>
-      <p:grpSpPr/>
       <p:sp>
         <p:nvSpPr>
           <p:cNvPr id="2" name="Text Box 1"/>
@@ -12242,8 +11945,8 @@
         </p:nvSpPr>
         <p:spPr>
           <a:xfrm>
-            <a:off x="4564380" y="4810760"/>
-            <a:ext cx="6096000" cy="645160"/>
+            <a:off x="2176145" y="4810760"/>
+            <a:ext cx="8484235" cy="645160"/>
           </a:xfrm>
           <a:prstGeom prst="rect">
             <a:avLst/>
@@ -12257,6 +11960,13 @@
           <a:p>
             <a:r>
               <a:rPr lang="en-US" altLang="en-US"/>
+              <a:t>https://www.geeksforgeeks.org/data-science/what-is-gradient-descent/</a:t>
+            </a:r>
+            <a:endParaRPr lang="en-US" altLang="en-US"/>
+          </a:p>
+          <a:p>
+            <a:r>
+              <a:rPr lang="en-US" altLang="en-US"/>
               <a:t>https://www.geeksforgeeks.org/optimization-rule-in-deep-neural-networks/</a:t>
             </a:r>
             <a:endParaRPr lang="en-US"/>
@@ -12271,7 +11981,7 @@
 </p:sld>
 </file>
 
-<file path=ppt/slides/slide31.xml><?xml version="1.0" encoding="utf-8"?>
+<file path=ppt/slides/slide28.xml><?xml version="1.0" encoding="utf-8"?>
 <p:sld xmlns:a="http://schemas.openxmlformats.org/drawingml/2006/main" xmlns:r="http://schemas.openxmlformats.org/officeDocument/2006/relationships" xmlns:p="http://schemas.openxmlformats.org/presentationml/2006/main">
   <p:cSld>
     <p:spTree>
@@ -12735,7 +12445,7 @@
         </p:blipFill>
         <p:spPr>
           <a:xfrm>
-            <a:off x="1830705" y="3139123"/>
+            <a:off x="1830705" y="3428683"/>
             <a:ext cx="4762500" cy="2867025"/>
           </a:xfrm>
           <a:prstGeom prst="rect">
@@ -12837,7 +12547,7 @@
 </p:sld>
 </file>
 
-<file path=ppt/slides/slide32.xml><?xml version="1.0" encoding="utf-8"?>
+<file path=ppt/slides/slide29.xml><?xml version="1.0" encoding="utf-8"?>
 <p:sld xmlns:a="http://schemas.openxmlformats.org/drawingml/2006/main" xmlns:r="http://schemas.openxmlformats.org/officeDocument/2006/relationships" xmlns:p="http://schemas.openxmlformats.org/presentationml/2006/main">
   <p:cSld>
     <p:spTree>
@@ -12922,9 +12632,15 @@
               <a:rPr sz="1600">
                 <a:sym typeface="+mn-ea"/>
               </a:rPr>
-              <a:t>Goal: Find the optimal parameters that minimize the error.</a:t>
-            </a:r>
-            <a:endParaRPr sz="1600"/>
+              <a:t>Goal: Find the optimal parameters that </a:t>
+            </a:r>
+            <a:r>
+              <a:rPr sz="1600" b="1">
+                <a:sym typeface="+mn-ea"/>
+              </a:rPr>
+              <a:t>minimize the error.</a:t>
+            </a:r>
+            <a:endParaRPr sz="1600" b="1"/>
           </a:p>
           <a:p>
             <a:pPr>
@@ -13080,7 +12796,321 @@
 </p:sld>
 </file>
 
-<file path=ppt/slides/slide33.xml><?xml version="1.0" encoding="utf-8"?>
+<file path=ppt/slides/slide3.xml><?xml version="1.0" encoding="utf-8"?>
+<p:sld xmlns:a="http://schemas.openxmlformats.org/drawingml/2006/main" xmlns:r="http://schemas.openxmlformats.org/officeDocument/2006/relationships" xmlns:p="http://schemas.openxmlformats.org/presentationml/2006/main">
+  <p:cSld>
+    <p:spTree>
+      <p:nvGrpSpPr>
+        <p:cNvPr id="1" name=""/>
+        <p:cNvGrpSpPr/>
+        <p:nvPr/>
+      </p:nvGrpSpPr>
+      <p:grpSpPr/>
+      <p:pic>
+        <p:nvPicPr>
+          <p:cNvPr id="6" name="Picture 5"/>
+          <p:cNvPicPr/>
+          <p:nvPr/>
+        </p:nvPicPr>
+        <p:blipFill>
+          <a:blip r:embed="rId1"/>
+          <a:stretch>
+            <a:fillRect/>
+          </a:stretch>
+        </p:blipFill>
+        <p:spPr>
+          <a:xfrm>
+            <a:off x="5236210" y="250825"/>
+            <a:ext cx="6956425" cy="4227195"/>
+          </a:xfrm>
+          <a:prstGeom prst="rect">
+            <a:avLst/>
+          </a:prstGeom>
+        </p:spPr>
+      </p:pic>
+      <p:sp>
+        <p:nvSpPr>
+          <p:cNvPr id="2" name="Text Box 1"/>
+          <p:cNvSpPr txBox="1"/>
+          <p:nvPr/>
+        </p:nvSpPr>
+        <p:spPr>
+          <a:xfrm>
+            <a:off x="294005" y="1778000"/>
+            <a:ext cx="9720580" cy="3020060"/>
+          </a:xfrm>
+          <a:prstGeom prst="rect">
+            <a:avLst/>
+          </a:prstGeom>
+        </p:spPr>
+        <p:txBody>
+          <a:bodyPr wrap="square">
+            <a:spAutoFit/>
+          </a:bodyPr>
+          <a:p>
+            <a:pPr marL="25400" indent="0" algn="l" fontAlgn="base">
+              <a:spcBef>
+                <a:spcPts val="200"/>
+              </a:spcBef>
+              <a:spcAft>
+                <a:spcPts val="200"/>
+              </a:spcAft>
+            </a:pPr>
+            <a:r>
+              <a:rPr sz="3200" b="1" i="0">
+                <a:solidFill>
+                  <a:srgbClr val="273239"/>
+                </a:solidFill>
+                <a:latin typeface="Nunito"/>
+                <a:ea typeface="Nunito"/>
+              </a:rPr>
+              <a:t>Table of Content</a:t>
+            </a:r>
+            <a:endParaRPr sz="3200" b="1" i="0">
+              <a:solidFill>
+                <a:srgbClr val="273239"/>
+              </a:solidFill>
+              <a:latin typeface="Nunito"/>
+              <a:ea typeface="Nunito"/>
+            </a:endParaRPr>
+          </a:p>
+          <a:p>
+            <a:pPr marL="0" indent="0" algn="l" fontAlgn="base">
+              <a:lnSpc>
+                <a:spcPct val="140000"/>
+              </a:lnSpc>
+              <a:spcBef>
+                <a:spcPct val="0"/>
+              </a:spcBef>
+              <a:spcAft>
+                <a:spcPct val="0"/>
+              </a:spcAft>
+              <a:buFont typeface="Arial" panose="020B0604020202020204"/>
+              <a:buChar char="•"/>
+            </a:pPr>
+            <a:r>
+              <a:rPr sz="2800" b="0" i="0" u="sng">
+                <a:solidFill>
+                  <a:srgbClr val="273239"/>
+                </a:solidFill>
+                <a:latin typeface="Nunito"/>
+                <a:ea typeface="Nunito"/>
+              </a:rPr>
+              <a:t>What is a Loss Function?</a:t>
+            </a:r>
+            <a:endParaRPr sz="2800" b="0" i="0" u="sng">
+              <a:solidFill>
+                <a:srgbClr val="273239"/>
+              </a:solidFill>
+              <a:latin typeface="Nunito"/>
+              <a:ea typeface="Nunito"/>
+            </a:endParaRPr>
+          </a:p>
+          <a:p>
+            <a:pPr marL="0" indent="0" algn="l" fontAlgn="base">
+              <a:lnSpc>
+                <a:spcPct val="140000"/>
+              </a:lnSpc>
+              <a:spcBef>
+                <a:spcPct val="0"/>
+              </a:spcBef>
+              <a:spcAft>
+                <a:spcPct val="0"/>
+              </a:spcAft>
+              <a:buFont typeface="Arial" panose="020B0604020202020204"/>
+              <a:buChar char="•"/>
+            </a:pPr>
+            <a:r>
+              <a:rPr sz="2800" b="0" i="0" u="sng">
+                <a:solidFill>
+                  <a:srgbClr val="273239"/>
+                </a:solidFill>
+                <a:latin typeface="Nunito"/>
+                <a:ea typeface="Nunito"/>
+              </a:rPr>
+              <a:t>How Loss Functions Work?</a:t>
+            </a:r>
+            <a:endParaRPr sz="2800" b="0" i="0" u="sng">
+              <a:solidFill>
+                <a:srgbClr val="273239"/>
+              </a:solidFill>
+              <a:latin typeface="Nunito"/>
+              <a:ea typeface="Nunito"/>
+            </a:endParaRPr>
+          </a:p>
+          <a:p>
+            <a:pPr marL="0" indent="0" algn="l" fontAlgn="base">
+              <a:lnSpc>
+                <a:spcPct val="140000"/>
+              </a:lnSpc>
+              <a:spcBef>
+                <a:spcPct val="0"/>
+              </a:spcBef>
+              <a:spcAft>
+                <a:spcPct val="0"/>
+              </a:spcAft>
+              <a:buFont typeface="Arial" panose="020B0604020202020204"/>
+              <a:buChar char="•"/>
+            </a:pPr>
+            <a:r>
+              <a:rPr sz="2800" b="0" i="0" u="sng">
+                <a:solidFill>
+                  <a:srgbClr val="273239"/>
+                </a:solidFill>
+                <a:latin typeface="Nunito"/>
+                <a:ea typeface="Nunito"/>
+              </a:rPr>
+              <a:t>Types of Loss Functions</a:t>
+            </a:r>
+            <a:endParaRPr sz="2800" b="0" i="0" u="sng">
+              <a:solidFill>
+                <a:srgbClr val="273239"/>
+              </a:solidFill>
+              <a:latin typeface="Nunito"/>
+              <a:ea typeface="Nunito"/>
+            </a:endParaRPr>
+          </a:p>
+          <a:p>
+            <a:pPr marL="0" indent="0" algn="l" fontAlgn="base">
+              <a:lnSpc>
+                <a:spcPct val="140000"/>
+              </a:lnSpc>
+              <a:spcBef>
+                <a:spcPct val="0"/>
+              </a:spcBef>
+              <a:spcAft>
+                <a:spcPct val="0"/>
+              </a:spcAft>
+              <a:buFont typeface="Arial" panose="020B0604020202020204"/>
+              <a:buChar char="•"/>
+            </a:pPr>
+            <a:r>
+              <a:rPr sz="2800" b="0" i="0" u="sng">
+                <a:solidFill>
+                  <a:srgbClr val="273239"/>
+                </a:solidFill>
+                <a:latin typeface="Nunito"/>
+                <a:ea typeface="Nunito"/>
+              </a:rPr>
+              <a:t>How to Choose the Right Loss Function?</a:t>
+            </a:r>
+            <a:endParaRPr sz="2800" b="0" i="0" u="sng">
+              <a:solidFill>
+                <a:srgbClr val="273239"/>
+              </a:solidFill>
+              <a:latin typeface="Nunito"/>
+              <a:ea typeface="Nunito"/>
+              <a:hlinkClick r:id="rId2"/>
+            </a:endParaRPr>
+          </a:p>
+        </p:txBody>
+      </p:sp>
+      <p:sp>
+        <p:nvSpPr>
+          <p:cNvPr id="3" name="Text Box 2"/>
+          <p:cNvSpPr txBox="1"/>
+          <p:nvPr/>
+        </p:nvSpPr>
+        <p:spPr>
+          <a:xfrm>
+            <a:off x="294005" y="250825"/>
+            <a:ext cx="6096000" cy="768350"/>
+          </a:xfrm>
+          <a:prstGeom prst="rect">
+            <a:avLst/>
+          </a:prstGeom>
+          <a:noFill/>
+        </p:spPr>
+        <p:txBody>
+          <a:bodyPr wrap="square" rtlCol="0" anchor="t">
+            <a:spAutoFit/>
+          </a:bodyPr>
+          <a:p>
+            <a:r>
+              <a:rPr sz="4400" b="1">
+                <a:solidFill>
+                  <a:srgbClr val="FF0000"/>
+                </a:solidFill>
+                <a:effectLst>
+                  <a:outerShdw blurRad="38100" dist="38100" dir="2700000" algn="tl">
+                    <a:srgbClr val="000000">
+                      <a:alpha val="43137"/>
+                    </a:srgbClr>
+                  </a:outerShdw>
+                </a:effectLst>
+                <a:latin typeface="Arial Black" panose="020B0A04020102020204" charset="0"/>
+                <a:ea typeface="Google Sans"/>
+                <a:cs typeface="Arial Black" panose="020B0A04020102020204" charset="0"/>
+                <a:sym typeface="+mn-ea"/>
+              </a:rPr>
+              <a:t> </a:t>
+            </a:r>
+            <a:r>
+              <a:rPr lang="en-IN" sz="4400" b="1">
+                <a:solidFill>
+                  <a:srgbClr val="FF0000"/>
+                </a:solidFill>
+                <a:effectLst>
+                  <a:outerShdw blurRad="38100" dist="38100" dir="2700000" algn="tl">
+                    <a:srgbClr val="000000">
+                      <a:alpha val="43137"/>
+                    </a:srgbClr>
+                  </a:outerShdw>
+                </a:effectLst>
+                <a:latin typeface="Arial Black" panose="020B0A04020102020204" charset="0"/>
+                <a:ea typeface="Google Sans"/>
+                <a:cs typeface="Arial Black" panose="020B0A04020102020204" charset="0"/>
+                <a:sym typeface="+mn-ea"/>
+              </a:rPr>
+              <a:t>L</a:t>
+            </a:r>
+            <a:r>
+              <a:rPr sz="4400" b="1">
+                <a:solidFill>
+                  <a:srgbClr val="FF0000"/>
+                </a:solidFill>
+                <a:effectLst>
+                  <a:outerShdw blurRad="38100" dist="38100" dir="2700000" algn="tl">
+                    <a:srgbClr val="000000">
+                      <a:alpha val="43137"/>
+                    </a:srgbClr>
+                  </a:outerShdw>
+                </a:effectLst>
+                <a:latin typeface="Arial Black" panose="020B0A04020102020204" charset="0"/>
+                <a:ea typeface="Google Sans"/>
+                <a:cs typeface="Arial Black" panose="020B0A04020102020204" charset="0"/>
+                <a:sym typeface="+mn-ea"/>
+              </a:rPr>
+              <a:t>oss function</a:t>
+            </a:r>
+            <a:endParaRPr lang="en-US" sz="4400" b="1">
+              <a:solidFill>
+                <a:srgbClr val="FF0000"/>
+              </a:solidFill>
+              <a:effectLst>
+                <a:outerShdw blurRad="38100" dist="38100" dir="2700000" algn="tl">
+                  <a:srgbClr val="000000">
+                    <a:alpha val="43137"/>
+                  </a:srgbClr>
+                </a:outerShdw>
+              </a:effectLst>
+              <a:latin typeface="Arial Black" panose="020B0A04020102020204" charset="0"/>
+              <a:ea typeface="Google Sans"/>
+              <a:cs typeface="Arial Black" panose="020B0A04020102020204" charset="0"/>
+              <a:sym typeface="+mn-ea"/>
+            </a:endParaRPr>
+          </a:p>
+        </p:txBody>
+      </p:sp>
+    </p:spTree>
+  </p:cSld>
+  <p:clrMapOvr>
+    <a:masterClrMapping/>
+  </p:clrMapOvr>
+</p:sld>
+</file>
+
+<file path=ppt/slides/slide30.xml><?xml version="1.0" encoding="utf-8"?>
 <p:sld xmlns:a="http://schemas.openxmlformats.org/drawingml/2006/main" xmlns:r="http://schemas.openxmlformats.org/officeDocument/2006/relationships" xmlns:p="http://schemas.openxmlformats.org/presentationml/2006/main">
   <p:cSld>
     <p:spTree>
@@ -13805,7 +13835,7 @@
 </p:sld>
 </file>
 
-<file path=ppt/slides/slide34.xml><?xml version="1.0" encoding="utf-8"?>
+<file path=ppt/slides/slide31.xml><?xml version="1.0" encoding="utf-8"?>
 <p:sld xmlns:a="http://schemas.openxmlformats.org/drawingml/2006/main" xmlns:r="http://schemas.openxmlformats.org/officeDocument/2006/relationships" xmlns:p="http://schemas.openxmlformats.org/presentationml/2006/main">
   <p:cSld>
     <p:spTree>
@@ -16101,7 +16131,7 @@
 </p:sld>
 </file>
 
-<file path=ppt/slides/slide35.xml><?xml version="1.0" encoding="utf-8"?>
+<file path=ppt/slides/slide32.xml><?xml version="1.0" encoding="utf-8"?>
 <p:sld xmlns:a="http://schemas.openxmlformats.org/drawingml/2006/main" xmlns:r="http://schemas.openxmlformats.org/officeDocument/2006/relationships" xmlns:p="http://schemas.openxmlformats.org/presentationml/2006/main">
   <p:cSld>
     <p:spTree>
@@ -16357,7 +16387,7 @@
 </p:sld>
 </file>
 
-<file path=ppt/slides/slide36.xml><?xml version="1.0" encoding="utf-8"?>
+<file path=ppt/slides/slide33.xml><?xml version="1.0" encoding="utf-8"?>
 <p:sld xmlns:a="http://schemas.openxmlformats.org/drawingml/2006/main" xmlns:r="http://schemas.openxmlformats.org/officeDocument/2006/relationships" xmlns:p="http://schemas.openxmlformats.org/presentationml/2006/main">
   <p:cSld>
     <p:spTree>
@@ -17008,7 +17038,7 @@
 </p:sld>
 </file>
 
-<file path=ppt/slides/slide37.xml><?xml version="1.0" encoding="utf-8"?>
+<file path=ppt/slides/slide34.xml><?xml version="1.0" encoding="utf-8"?>
 <p:sld xmlns:a="http://schemas.openxmlformats.org/drawingml/2006/main" xmlns:r="http://schemas.openxmlformats.org/officeDocument/2006/relationships" xmlns:p="http://schemas.openxmlformats.org/presentationml/2006/main">
   <p:cSld>
     <p:spTree>
@@ -17403,7 +17433,7 @@
 </p:sld>
 </file>
 
-<file path=ppt/slides/slide38.xml><?xml version="1.0" encoding="utf-8"?>
+<file path=ppt/slides/slide35.xml><?xml version="1.0" encoding="utf-8"?>
 <p:sld xmlns:a="http://schemas.openxmlformats.org/drawingml/2006/main" xmlns:r="http://schemas.openxmlformats.org/officeDocument/2006/relationships" xmlns:p="http://schemas.openxmlformats.org/presentationml/2006/main">
   <p:cSld>
     <p:spTree>
@@ -17935,7 +17965,7 @@
 </p:sld>
 </file>
 
-<file path=ppt/slides/slide39.xml><?xml version="1.0" encoding="utf-8"?>
+<file path=ppt/slides/slide36.xml><?xml version="1.0" encoding="utf-8"?>
 <p:sld xmlns:a="http://schemas.openxmlformats.org/drawingml/2006/main" xmlns:r="http://schemas.openxmlformats.org/officeDocument/2006/relationships" xmlns:p="http://schemas.openxmlformats.org/presentationml/2006/main">
   <p:cSld>
     <p:spTree>
@@ -18897,321 +18927,7 @@
 </p:sld>
 </file>
 
-<file path=ppt/slides/slide4.xml><?xml version="1.0" encoding="utf-8"?>
-<p:sld xmlns:a="http://schemas.openxmlformats.org/drawingml/2006/main" xmlns:r="http://schemas.openxmlformats.org/officeDocument/2006/relationships" xmlns:p="http://schemas.openxmlformats.org/presentationml/2006/main">
-  <p:cSld>
-    <p:spTree>
-      <p:nvGrpSpPr>
-        <p:cNvPr id="1" name=""/>
-        <p:cNvGrpSpPr/>
-        <p:nvPr/>
-      </p:nvGrpSpPr>
-      <p:grpSpPr/>
-      <p:pic>
-        <p:nvPicPr>
-          <p:cNvPr id="6" name="Picture 5"/>
-          <p:cNvPicPr/>
-          <p:nvPr/>
-        </p:nvPicPr>
-        <p:blipFill>
-          <a:blip r:embed="rId1"/>
-          <a:stretch>
-            <a:fillRect/>
-          </a:stretch>
-        </p:blipFill>
-        <p:spPr>
-          <a:xfrm>
-            <a:off x="5236210" y="250825"/>
-            <a:ext cx="6956425" cy="4227195"/>
-          </a:xfrm>
-          <a:prstGeom prst="rect">
-            <a:avLst/>
-          </a:prstGeom>
-        </p:spPr>
-      </p:pic>
-      <p:sp>
-        <p:nvSpPr>
-          <p:cNvPr id="2" name="Text Box 1"/>
-          <p:cNvSpPr txBox="1"/>
-          <p:nvPr/>
-        </p:nvSpPr>
-        <p:spPr>
-          <a:xfrm>
-            <a:off x="294005" y="1778000"/>
-            <a:ext cx="9720580" cy="3020060"/>
-          </a:xfrm>
-          <a:prstGeom prst="rect">
-            <a:avLst/>
-          </a:prstGeom>
-        </p:spPr>
-        <p:txBody>
-          <a:bodyPr wrap="square">
-            <a:spAutoFit/>
-          </a:bodyPr>
-          <a:p>
-            <a:pPr marL="25400" indent="0" algn="l" fontAlgn="base">
-              <a:spcBef>
-                <a:spcPts val="200"/>
-              </a:spcBef>
-              <a:spcAft>
-                <a:spcPts val="200"/>
-              </a:spcAft>
-            </a:pPr>
-            <a:r>
-              <a:rPr sz="3200" b="1" i="0">
-                <a:solidFill>
-                  <a:srgbClr val="273239"/>
-                </a:solidFill>
-                <a:latin typeface="Nunito"/>
-                <a:ea typeface="Nunito"/>
-              </a:rPr>
-              <a:t>Table of Content</a:t>
-            </a:r>
-            <a:endParaRPr sz="3200" b="1" i="0">
-              <a:solidFill>
-                <a:srgbClr val="273239"/>
-              </a:solidFill>
-              <a:latin typeface="Nunito"/>
-              <a:ea typeface="Nunito"/>
-            </a:endParaRPr>
-          </a:p>
-          <a:p>
-            <a:pPr marL="0" indent="0" algn="l" fontAlgn="base">
-              <a:lnSpc>
-                <a:spcPct val="140000"/>
-              </a:lnSpc>
-              <a:spcBef>
-                <a:spcPct val="0"/>
-              </a:spcBef>
-              <a:spcAft>
-                <a:spcPct val="0"/>
-              </a:spcAft>
-              <a:buFont typeface="Arial" panose="020B0604020202020204"/>
-              <a:buChar char="•"/>
-            </a:pPr>
-            <a:r>
-              <a:rPr sz="2800" b="0" i="0" u="sng">
-                <a:solidFill>
-                  <a:srgbClr val="273239"/>
-                </a:solidFill>
-                <a:latin typeface="Nunito"/>
-                <a:ea typeface="Nunito"/>
-              </a:rPr>
-              <a:t>What is a Loss Function?</a:t>
-            </a:r>
-            <a:endParaRPr sz="2800" b="0" i="0" u="sng">
-              <a:solidFill>
-                <a:srgbClr val="273239"/>
-              </a:solidFill>
-              <a:latin typeface="Nunito"/>
-              <a:ea typeface="Nunito"/>
-            </a:endParaRPr>
-          </a:p>
-          <a:p>
-            <a:pPr marL="0" indent="0" algn="l" fontAlgn="base">
-              <a:lnSpc>
-                <a:spcPct val="140000"/>
-              </a:lnSpc>
-              <a:spcBef>
-                <a:spcPct val="0"/>
-              </a:spcBef>
-              <a:spcAft>
-                <a:spcPct val="0"/>
-              </a:spcAft>
-              <a:buFont typeface="Arial" panose="020B0604020202020204"/>
-              <a:buChar char="•"/>
-            </a:pPr>
-            <a:r>
-              <a:rPr sz="2800" b="0" i="0" u="sng">
-                <a:solidFill>
-                  <a:srgbClr val="273239"/>
-                </a:solidFill>
-                <a:latin typeface="Nunito"/>
-                <a:ea typeface="Nunito"/>
-              </a:rPr>
-              <a:t>How Loss Functions Work?</a:t>
-            </a:r>
-            <a:endParaRPr sz="2800" b="0" i="0" u="sng">
-              <a:solidFill>
-                <a:srgbClr val="273239"/>
-              </a:solidFill>
-              <a:latin typeface="Nunito"/>
-              <a:ea typeface="Nunito"/>
-            </a:endParaRPr>
-          </a:p>
-          <a:p>
-            <a:pPr marL="0" indent="0" algn="l" fontAlgn="base">
-              <a:lnSpc>
-                <a:spcPct val="140000"/>
-              </a:lnSpc>
-              <a:spcBef>
-                <a:spcPct val="0"/>
-              </a:spcBef>
-              <a:spcAft>
-                <a:spcPct val="0"/>
-              </a:spcAft>
-              <a:buFont typeface="Arial" panose="020B0604020202020204"/>
-              <a:buChar char="•"/>
-            </a:pPr>
-            <a:r>
-              <a:rPr sz="2800" b="0" i="0" u="sng">
-                <a:solidFill>
-                  <a:srgbClr val="273239"/>
-                </a:solidFill>
-                <a:latin typeface="Nunito"/>
-                <a:ea typeface="Nunito"/>
-              </a:rPr>
-              <a:t>Types of Loss Functions</a:t>
-            </a:r>
-            <a:endParaRPr sz="2800" b="0" i="0" u="sng">
-              <a:solidFill>
-                <a:srgbClr val="273239"/>
-              </a:solidFill>
-              <a:latin typeface="Nunito"/>
-              <a:ea typeface="Nunito"/>
-            </a:endParaRPr>
-          </a:p>
-          <a:p>
-            <a:pPr marL="0" indent="0" algn="l" fontAlgn="base">
-              <a:lnSpc>
-                <a:spcPct val="140000"/>
-              </a:lnSpc>
-              <a:spcBef>
-                <a:spcPct val="0"/>
-              </a:spcBef>
-              <a:spcAft>
-                <a:spcPct val="0"/>
-              </a:spcAft>
-              <a:buFont typeface="Arial" panose="020B0604020202020204"/>
-              <a:buChar char="•"/>
-            </a:pPr>
-            <a:r>
-              <a:rPr sz="2800" b="0" i="0" u="sng">
-                <a:solidFill>
-                  <a:srgbClr val="273239"/>
-                </a:solidFill>
-                <a:latin typeface="Nunito"/>
-                <a:ea typeface="Nunito"/>
-              </a:rPr>
-              <a:t>How to Choose the Right Loss Function?</a:t>
-            </a:r>
-            <a:endParaRPr sz="2800" b="0" i="0" u="sng">
-              <a:solidFill>
-                <a:srgbClr val="273239"/>
-              </a:solidFill>
-              <a:latin typeface="Nunito"/>
-              <a:ea typeface="Nunito"/>
-              <a:hlinkClick r:id="rId2"/>
-            </a:endParaRPr>
-          </a:p>
-        </p:txBody>
-      </p:sp>
-      <p:sp>
-        <p:nvSpPr>
-          <p:cNvPr id="3" name="Text Box 2"/>
-          <p:cNvSpPr txBox="1"/>
-          <p:nvPr/>
-        </p:nvSpPr>
-        <p:spPr>
-          <a:xfrm>
-            <a:off x="294005" y="250825"/>
-            <a:ext cx="6096000" cy="768350"/>
-          </a:xfrm>
-          <a:prstGeom prst="rect">
-            <a:avLst/>
-          </a:prstGeom>
-          <a:noFill/>
-        </p:spPr>
-        <p:txBody>
-          <a:bodyPr wrap="square" rtlCol="0" anchor="t">
-            <a:spAutoFit/>
-          </a:bodyPr>
-          <a:p>
-            <a:r>
-              <a:rPr sz="4400" b="1">
-                <a:solidFill>
-                  <a:srgbClr val="FF0000"/>
-                </a:solidFill>
-                <a:effectLst>
-                  <a:outerShdw blurRad="38100" dist="38100" dir="2700000" algn="tl">
-                    <a:srgbClr val="000000">
-                      <a:alpha val="43137"/>
-                    </a:srgbClr>
-                  </a:outerShdw>
-                </a:effectLst>
-                <a:latin typeface="Arial Black" panose="020B0A04020102020204" charset="0"/>
-                <a:ea typeface="Google Sans"/>
-                <a:cs typeface="Arial Black" panose="020B0A04020102020204" charset="0"/>
-                <a:sym typeface="+mn-ea"/>
-              </a:rPr>
-              <a:t> </a:t>
-            </a:r>
-            <a:r>
-              <a:rPr lang="en-IN" sz="4400" b="1">
-                <a:solidFill>
-                  <a:srgbClr val="FF0000"/>
-                </a:solidFill>
-                <a:effectLst>
-                  <a:outerShdw blurRad="38100" dist="38100" dir="2700000" algn="tl">
-                    <a:srgbClr val="000000">
-                      <a:alpha val="43137"/>
-                    </a:srgbClr>
-                  </a:outerShdw>
-                </a:effectLst>
-                <a:latin typeface="Arial Black" panose="020B0A04020102020204" charset="0"/>
-                <a:ea typeface="Google Sans"/>
-                <a:cs typeface="Arial Black" panose="020B0A04020102020204" charset="0"/>
-                <a:sym typeface="+mn-ea"/>
-              </a:rPr>
-              <a:t>L</a:t>
-            </a:r>
-            <a:r>
-              <a:rPr sz="4400" b="1">
-                <a:solidFill>
-                  <a:srgbClr val="FF0000"/>
-                </a:solidFill>
-                <a:effectLst>
-                  <a:outerShdw blurRad="38100" dist="38100" dir="2700000" algn="tl">
-                    <a:srgbClr val="000000">
-                      <a:alpha val="43137"/>
-                    </a:srgbClr>
-                  </a:outerShdw>
-                </a:effectLst>
-                <a:latin typeface="Arial Black" panose="020B0A04020102020204" charset="0"/>
-                <a:ea typeface="Google Sans"/>
-                <a:cs typeface="Arial Black" panose="020B0A04020102020204" charset="0"/>
-                <a:sym typeface="+mn-ea"/>
-              </a:rPr>
-              <a:t>oss function</a:t>
-            </a:r>
-            <a:endParaRPr lang="en-US" sz="4400" b="1">
-              <a:solidFill>
-                <a:srgbClr val="FF0000"/>
-              </a:solidFill>
-              <a:effectLst>
-                <a:outerShdw blurRad="38100" dist="38100" dir="2700000" algn="tl">
-                  <a:srgbClr val="000000">
-                    <a:alpha val="43137"/>
-                  </a:srgbClr>
-                </a:outerShdw>
-              </a:effectLst>
-              <a:latin typeface="Arial Black" panose="020B0A04020102020204" charset="0"/>
-              <a:ea typeface="Google Sans"/>
-              <a:cs typeface="Arial Black" panose="020B0A04020102020204" charset="0"/>
-              <a:sym typeface="+mn-ea"/>
-            </a:endParaRPr>
-          </a:p>
-        </p:txBody>
-      </p:sp>
-    </p:spTree>
-  </p:cSld>
-  <p:clrMapOvr>
-    <a:masterClrMapping/>
-  </p:clrMapOvr>
-</p:sld>
-</file>
-
-<file path=ppt/slides/slide40.xml><?xml version="1.0" encoding="utf-8"?>
+<file path=ppt/slides/slide37.xml><?xml version="1.0" encoding="utf-8"?>
 <p:sld xmlns:a="http://schemas.openxmlformats.org/drawingml/2006/main" xmlns:r="http://schemas.openxmlformats.org/officeDocument/2006/relationships" xmlns:p="http://schemas.openxmlformats.org/presentationml/2006/main">
   <p:cSld>
     <p:spTree>
@@ -19643,7 +19359,7 @@
 </p:sld>
 </file>
 
-<file path=ppt/slides/slide41.xml><?xml version="1.0" encoding="utf-8"?>
+<file path=ppt/slides/slide38.xml><?xml version="1.0" encoding="utf-8"?>
 <p:sld xmlns:a="http://schemas.openxmlformats.org/drawingml/2006/main" xmlns:r="http://schemas.openxmlformats.org/officeDocument/2006/relationships" xmlns:p="http://schemas.openxmlformats.org/presentationml/2006/main">
   <p:cSld>
     <p:spTree>
@@ -20195,7 +19911,7 @@
 </p:sld>
 </file>
 
-<file path=ppt/slides/slide42.xml><?xml version="1.0" encoding="utf-8"?>
+<file path=ppt/slides/slide39.xml><?xml version="1.0" encoding="utf-8"?>
 <p:sld xmlns:a="http://schemas.openxmlformats.org/drawingml/2006/main" xmlns:r="http://schemas.openxmlformats.org/officeDocument/2006/relationships" xmlns:p="http://schemas.openxmlformats.org/presentationml/2006/main">
   <p:cSld>
     <p:spTree>
@@ -20264,7 +19980,48 @@
 </p:sld>
 </file>
 
-<file path=ppt/slides/slide43.xml><?xml version="1.0" encoding="utf-8"?>
+<file path=ppt/slides/slide4.xml><?xml version="1.0" encoding="utf-8"?>
+<p:sld xmlns:a="http://schemas.openxmlformats.org/drawingml/2006/main" xmlns:r="http://schemas.openxmlformats.org/officeDocument/2006/relationships" xmlns:p="http://schemas.openxmlformats.org/presentationml/2006/main">
+  <p:cSld>
+    <p:spTree>
+      <p:nvGrpSpPr>
+        <p:cNvPr id="1" name=""/>
+        <p:cNvGrpSpPr/>
+        <p:nvPr/>
+      </p:nvGrpSpPr>
+      <p:grpSpPr/>
+      <p:pic>
+        <p:nvPicPr>
+          <p:cNvPr id="2" name="Picture 1"/>
+          <p:cNvPicPr/>
+          <p:nvPr/>
+        </p:nvPicPr>
+        <p:blipFill>
+          <a:blip r:embed="rId1"/>
+          <a:srcRect l="4780" t="8459" r="7678" b="8056"/>
+          <a:stretch>
+            <a:fillRect/>
+          </a:stretch>
+        </p:blipFill>
+        <p:spPr>
+          <a:xfrm>
+            <a:off x="1756410" y="742315"/>
+            <a:ext cx="8384540" cy="4599940"/>
+          </a:xfrm>
+          <a:prstGeom prst="rect">
+            <a:avLst/>
+          </a:prstGeom>
+        </p:spPr>
+      </p:pic>
+    </p:spTree>
+  </p:cSld>
+  <p:clrMapOvr>
+    <a:masterClrMapping/>
+  </p:clrMapOvr>
+</p:sld>
+</file>
+
+<file path=ppt/slides/slide40.xml><?xml version="1.0" encoding="utf-8"?>
 <p:sld xmlns:a="http://schemas.openxmlformats.org/drawingml/2006/main" xmlns:r="http://schemas.openxmlformats.org/officeDocument/2006/relationships" xmlns:p="http://schemas.openxmlformats.org/presentationml/2006/main">
   <p:cSld>
     <p:spTree>
@@ -20395,7 +20152,7 @@
 </p:sld>
 </file>
 
-<file path=ppt/slides/slide44.xml><?xml version="1.0" encoding="utf-8"?>
+<file path=ppt/slides/slide41.xml><?xml version="1.0" encoding="utf-8"?>
 <p:sld xmlns:a="http://schemas.openxmlformats.org/drawingml/2006/main" xmlns:r="http://schemas.openxmlformats.org/officeDocument/2006/relationships" xmlns:p="http://schemas.openxmlformats.org/presentationml/2006/main">
   <p:cSld>
     <p:spTree>
@@ -20435,7 +20192,7 @@
 </p:sld>
 </file>
 
-<file path=ppt/slides/slide45.xml><?xml version="1.0" encoding="utf-8"?>
+<file path=ppt/slides/slide42.xml><?xml version="1.0" encoding="utf-8"?>
 <p:sld xmlns:a="http://schemas.openxmlformats.org/drawingml/2006/main" xmlns:r="http://schemas.openxmlformats.org/officeDocument/2006/relationships" xmlns:p="http://schemas.openxmlformats.org/presentationml/2006/main">
   <p:cSld>
     <p:spTree>
@@ -20927,7 +20684,7 @@
 </p:sld>
 </file>
 
-<file path=ppt/slides/slide46.xml><?xml version="1.0" encoding="utf-8"?>
+<file path=ppt/slides/slide43.xml><?xml version="1.0" encoding="utf-8"?>
 <p:sld xmlns:a="http://schemas.openxmlformats.org/drawingml/2006/main" xmlns:r="http://schemas.openxmlformats.org/officeDocument/2006/relationships" xmlns:p="http://schemas.openxmlformats.org/presentationml/2006/main">
   <p:cSld>
     <p:spTree>
@@ -20970,7 +20727,7 @@
 </p:sld>
 </file>
 
-<file path=ppt/slides/slide47.xml><?xml version="1.0" encoding="utf-8"?>
+<file path=ppt/slides/slide44.xml><?xml version="1.0" encoding="utf-8"?>
 <p:sld xmlns:a="http://schemas.openxmlformats.org/drawingml/2006/main" xmlns:r="http://schemas.openxmlformats.org/officeDocument/2006/relationships" xmlns:p="http://schemas.openxmlformats.org/presentationml/2006/main">
   <p:cSld>
     <p:spTree>
@@ -21054,7 +20811,7 @@
         <p:spPr>
           <a:xfrm>
             <a:off x="2900680" y="4434205"/>
-            <a:ext cx="7078345" cy="645160"/>
+            <a:ext cx="7898765" cy="368300"/>
           </a:xfrm>
           <a:prstGeom prst="rect">
             <a:avLst/>
@@ -21086,7 +20843,7 @@
 </p:sld>
 </file>
 
-<file path=ppt/slides/slide48.xml><?xml version="1.0" encoding="utf-8"?>
+<file path=ppt/slides/slide45.xml><?xml version="1.0" encoding="utf-8"?>
 <p:sld xmlns:a="http://schemas.openxmlformats.org/drawingml/2006/main" xmlns:r="http://schemas.openxmlformats.org/officeDocument/2006/relationships" xmlns:p="http://schemas.openxmlformats.org/presentationml/2006/main">
   <p:cSld>
     <p:spTree>
@@ -21993,7 +21750,7 @@
 </p:sld>
 </file>
 
-<file path=ppt/slides/slide49.xml><?xml version="1.0" encoding="utf-8"?>
+<file path=ppt/slides/slide46.xml><?xml version="1.0" encoding="utf-8"?>
 <p:sld xmlns:a="http://schemas.openxmlformats.org/drawingml/2006/main" xmlns:r="http://schemas.openxmlformats.org/officeDocument/2006/relationships" xmlns:p="http://schemas.openxmlformats.org/presentationml/2006/main">
   <p:cSld>
     <p:spTree>
@@ -22164,6 +21921,998 @@
             <a:endParaRPr lang="en-US" sz="1600">
               <a:sym typeface="+mn-ea"/>
             </a:endParaRPr>
+          </a:p>
+        </p:txBody>
+      </p:sp>
+    </p:spTree>
+  </p:cSld>
+  <p:clrMapOvr>
+    <a:masterClrMapping/>
+  </p:clrMapOvr>
+</p:sld>
+</file>
+
+<file path=ppt/slides/slide47.xml><?xml version="1.0" encoding="utf-8"?>
+<p:sld xmlns:a="http://schemas.openxmlformats.org/drawingml/2006/main" xmlns:r="http://schemas.openxmlformats.org/officeDocument/2006/relationships" xmlns:p="http://schemas.openxmlformats.org/presentationml/2006/main">
+  <p:cSld>
+    <p:spTree>
+      <p:nvGrpSpPr>
+        <p:cNvPr id="1" name=""/>
+        <p:cNvGrpSpPr/>
+        <p:nvPr/>
+      </p:nvGrpSpPr>
+      <p:grpSpPr/>
+      <p:pic>
+        <p:nvPicPr>
+          <p:cNvPr id="3" name="Picture 2" descr="Screenshot (348)"/>
+          <p:cNvPicPr>
+            <a:picLocks noChangeAspect="1"/>
+          </p:cNvPicPr>
+          <p:nvPr/>
+        </p:nvPicPr>
+        <p:blipFill>
+          <a:blip r:embed="rId1"/>
+          <a:srcRect l="32542" t="31546" r="19698" b="37361"/>
+          <a:stretch>
+            <a:fillRect/>
+          </a:stretch>
+        </p:blipFill>
+        <p:spPr>
+          <a:xfrm>
+            <a:off x="273050" y="75565"/>
+            <a:ext cx="6421120" cy="3688080"/>
+          </a:xfrm>
+          <a:prstGeom prst="rect">
+            <a:avLst/>
+          </a:prstGeom>
+        </p:spPr>
+      </p:pic>
+      <p:sp>
+        <p:nvSpPr>
+          <p:cNvPr id="5" name="Text Box 4"/>
+          <p:cNvSpPr txBox="1"/>
+          <p:nvPr/>
+        </p:nvSpPr>
+        <p:spPr>
+          <a:xfrm>
+            <a:off x="273050" y="6579870"/>
+            <a:ext cx="7980680" cy="368300"/>
+          </a:xfrm>
+          <a:prstGeom prst="rect">
+            <a:avLst/>
+          </a:prstGeom>
+          <a:noFill/>
+        </p:spPr>
+        <p:txBody>
+          <a:bodyPr wrap="square" rtlCol="0" anchor="t">
+            <a:spAutoFit/>
+          </a:bodyPr>
+          <a:p>
+            <a:r>
+              <a:rPr lang="en-US" altLang="en-US"/>
+              <a:t>https://musstafa0804.medium.com/optimizers-in-deep-learning-7bf81fed78a0</a:t>
+            </a:r>
+            <a:endParaRPr lang="en-US"/>
+          </a:p>
+        </p:txBody>
+      </p:sp>
+      <p:sp>
+        <p:nvSpPr>
+          <p:cNvPr id="2" name="Text Box 1"/>
+          <p:cNvSpPr txBox="1"/>
+          <p:nvPr/>
+        </p:nvSpPr>
+        <p:spPr>
+          <a:xfrm>
+            <a:off x="6799580" y="406400"/>
+            <a:ext cx="5622925" cy="2482215"/>
+          </a:xfrm>
+          <a:prstGeom prst="rect">
+            <a:avLst/>
+          </a:prstGeom>
+          <a:noFill/>
+        </p:spPr>
+        <p:txBody>
+          <a:bodyPr wrap="square" rtlCol="0" anchor="t">
+            <a:noAutofit/>
+          </a:bodyPr>
+          <a:p>
+            <a:pPr>
+              <a:spcAft>
+                <a:spcPct val="60000"/>
+              </a:spcAft>
+            </a:pPr>
+            <a:r>
+              <a:rPr sz="1900" b="1">
+                <a:sym typeface="+mn-ea"/>
+              </a:rPr>
+              <a:t>🔹 (2) SGD with Momentum</a:t>
+            </a:r>
+            <a:endParaRPr sz="1900" b="1"/>
+          </a:p>
+          <a:p>
+            <a:r>
+              <a:rPr sz="1600">
+                <a:sym typeface="+mn-ea"/>
+              </a:rPr>
+              <a:t>✔ Adds a velocity term to accelerate updates in the right direction.</a:t>
+            </a:r>
+            <a:endParaRPr sz="1600"/>
+          </a:p>
+          <a:p>
+            <a:r>
+              <a:rPr sz="1600">
+                <a:sym typeface="+mn-ea"/>
+              </a:rPr>
+              <a:t> ✔ Helps escape local minima and smoothens updates.</a:t>
+            </a:r>
+            <a:endParaRPr sz="1600">
+              <a:sym typeface="+mn-ea"/>
+            </a:endParaRPr>
+          </a:p>
+          <a:p>
+            <a:r>
+              <a:rPr sz="1600">
+                <a:sym typeface="+mn-ea"/>
+              </a:rPr>
+              <a:t>✔ Pros: Faster convergence, less oscillation.</a:t>
+            </a:r>
+            <a:endParaRPr sz="1600"/>
+          </a:p>
+          <a:p>
+            <a:r>
+              <a:rPr sz="1600">
+                <a:sym typeface="+mn-ea"/>
+              </a:rPr>
+              <a:t> ✔ Cons: Still needs careful tuning of parameters.</a:t>
+            </a:r>
+            <a:endParaRPr sz="1600"/>
+          </a:p>
+          <a:p>
+            <a:pPr>
+              <a:spcAft>
+                <a:spcPct val="60000"/>
+              </a:spcAft>
+            </a:pPr>
+            <a:endParaRPr lang="en-US" sz="1600"/>
+          </a:p>
+        </p:txBody>
+      </p:sp>
+      <p:sp>
+        <p:nvSpPr>
+          <p:cNvPr id="7" name="Text Box 6"/>
+          <p:cNvSpPr txBox="1"/>
+          <p:nvPr/>
+        </p:nvSpPr>
+        <p:spPr>
+          <a:xfrm>
+            <a:off x="6946900" y="2376805"/>
+            <a:ext cx="5092700" cy="645160"/>
+          </a:xfrm>
+          <a:prstGeom prst="rect">
+            <a:avLst/>
+          </a:prstGeom>
+          <a:noFill/>
+        </p:spPr>
+        <p:txBody>
+          <a:bodyPr wrap="square" rtlCol="0" anchor="t">
+            <a:spAutoFit/>
+          </a:bodyPr>
+          <a:p>
+            <a:r>
+              <a:rPr lang="en-US" altLang="en-US"/>
+              <a:t>https://paperswithcode.com/method/sgd-with-momentum</a:t>
+            </a:r>
+            <a:endParaRPr lang="en-US"/>
+          </a:p>
+        </p:txBody>
+      </p:sp>
+    </p:spTree>
+  </p:cSld>
+  <p:clrMapOvr>
+    <a:masterClrMapping/>
+  </p:clrMapOvr>
+</p:sld>
+</file>
+
+<file path=ppt/slides/slide48.xml><?xml version="1.0" encoding="utf-8"?>
+<p:sld xmlns:a="http://schemas.openxmlformats.org/drawingml/2006/main" xmlns:r="http://schemas.openxmlformats.org/officeDocument/2006/relationships" xmlns:p="http://schemas.openxmlformats.org/presentationml/2006/main">
+  <p:cSld>
+    <p:spTree>
+      <p:nvGrpSpPr>
+        <p:cNvPr id="1" name=""/>
+        <p:cNvGrpSpPr/>
+        <p:nvPr/>
+      </p:nvGrpSpPr>
+      <p:grpSpPr/>
+      <p:sp>
+        <p:nvSpPr>
+          <p:cNvPr id="2" name="Text Box 1"/>
+          <p:cNvSpPr txBox="1"/>
+          <p:nvPr/>
+        </p:nvSpPr>
+        <p:spPr>
+          <a:xfrm>
+            <a:off x="263525" y="255905"/>
+            <a:ext cx="5258435" cy="6247130"/>
+          </a:xfrm>
+          <a:prstGeom prst="rect">
+            <a:avLst/>
+          </a:prstGeom>
+        </p:spPr>
+        <p:txBody>
+          <a:bodyPr wrap="square">
+            <a:spAutoFit/>
+          </a:bodyPr>
+          <a:p>
+            <a:pPr marL="0" indent="0">
+              <a:spcBef>
+                <a:spcPts val="1000"/>
+              </a:spcBef>
+              <a:spcAft>
+                <a:spcPts val="500"/>
+              </a:spcAft>
+            </a:pPr>
+            <a:r>
+              <a:rPr sz="2400" b="1" i="0">
+                <a:solidFill>
+                  <a:srgbClr val="FF0000"/>
+                </a:solidFill>
+                <a:effectLst>
+                  <a:outerShdw blurRad="38100" dist="38100" dir="2700000" algn="tl">
+                    <a:srgbClr val="000000">
+                      <a:alpha val="43137"/>
+                    </a:srgbClr>
+                  </a:outerShdw>
+                </a:effectLst>
+                <a:latin typeface="Arial" panose="020B0604020202020204" pitchFamily="34" charset="0"/>
+                <a:ea typeface="Google Sans"/>
+                <a:cs typeface="Arial" panose="020B0604020202020204" pitchFamily="34" charset="0"/>
+              </a:rPr>
+              <a:t>What is SGD?</a:t>
+            </a:r>
+            <a:endParaRPr sz="2400" b="1" i="0">
+              <a:solidFill>
+                <a:srgbClr val="FF0000"/>
+              </a:solidFill>
+              <a:effectLst>
+                <a:outerShdw blurRad="38100" dist="38100" dir="2700000" algn="tl">
+                  <a:srgbClr val="000000">
+                    <a:alpha val="43137"/>
+                  </a:srgbClr>
+                </a:outerShdw>
+              </a:effectLst>
+              <a:latin typeface="Arial" panose="020B0604020202020204" pitchFamily="34" charset="0"/>
+              <a:ea typeface="Google Sans"/>
+              <a:cs typeface="Arial" panose="020B0604020202020204" pitchFamily="34" charset="0"/>
+            </a:endParaRPr>
+          </a:p>
+          <a:p>
+            <a:pPr marL="0" indent="0">
+              <a:spcBef>
+                <a:spcPct val="0"/>
+              </a:spcBef>
+              <a:spcAft>
+                <a:spcPts val="400"/>
+              </a:spcAft>
+              <a:buFont typeface="Arial" panose="020B0604020202020204"/>
+              <a:buChar char="•"/>
+            </a:pPr>
+            <a:r>
+              <a:rPr sz="1600" b="1" i="0">
+                <a:solidFill>
+                  <a:srgbClr val="001D35"/>
+                </a:solidFill>
+                <a:latin typeface="Arial" panose="020B0604020202020204" pitchFamily="34" charset="0"/>
+                <a:ea typeface="Google Sans"/>
+                <a:cs typeface="Arial" panose="020B0604020202020204" pitchFamily="34" charset="0"/>
+              </a:rPr>
+              <a:t>Stochastic Gradient Descent (SGD):</a:t>
+            </a:r>
+            <a:endParaRPr sz="1600" b="1" i="0">
+              <a:solidFill>
+                <a:srgbClr val="001D35"/>
+              </a:solidFill>
+              <a:latin typeface="Arial" panose="020B0604020202020204" pitchFamily="34" charset="0"/>
+              <a:ea typeface="Google Sans"/>
+              <a:cs typeface="Arial" panose="020B0604020202020204" pitchFamily="34" charset="0"/>
+            </a:endParaRPr>
+          </a:p>
+          <a:p>
+            <a:pPr marL="0" indent="0">
+              <a:spcBef>
+                <a:spcPct val="0"/>
+              </a:spcBef>
+              <a:spcAft>
+                <a:spcPts val="400"/>
+              </a:spcAft>
+            </a:pPr>
+            <a:r>
+              <a:rPr sz="1600" b="0" i="0">
+                <a:solidFill>
+                  <a:srgbClr val="001D35"/>
+                </a:solidFill>
+                <a:latin typeface="Arial" panose="020B0604020202020204" pitchFamily="34" charset="0"/>
+                <a:ea typeface="Google Sans"/>
+                <a:cs typeface="Arial" panose="020B0604020202020204" pitchFamily="34" charset="0"/>
+              </a:rPr>
+              <a:t>An iterative optimization algorithm used to find the minimum of a function. It updates the model parameters based on the gradient of the loss function calculated on a small, randomly selected subset of the training data (a mini-batch). </a:t>
+            </a:r>
+            <a:endParaRPr sz="1600" b="0" i="0">
+              <a:solidFill>
+                <a:srgbClr val="001D35"/>
+              </a:solidFill>
+              <a:latin typeface="Arial" panose="020B0604020202020204" pitchFamily="34" charset="0"/>
+              <a:ea typeface="Google Sans"/>
+              <a:cs typeface="Arial" panose="020B0604020202020204" pitchFamily="34" charset="0"/>
+            </a:endParaRPr>
+          </a:p>
+          <a:p>
+            <a:pPr marL="0" indent="0">
+              <a:spcBef>
+                <a:spcPct val="0"/>
+              </a:spcBef>
+              <a:spcAft>
+                <a:spcPts val="400"/>
+              </a:spcAft>
+            </a:pPr>
+            <a:endParaRPr sz="1600" b="0" i="0">
+              <a:solidFill>
+                <a:srgbClr val="001D35"/>
+              </a:solidFill>
+              <a:latin typeface="Arial" panose="020B0604020202020204" pitchFamily="34" charset="0"/>
+              <a:ea typeface="Google Sans"/>
+              <a:cs typeface="Arial" panose="020B0604020202020204" pitchFamily="34" charset="0"/>
+            </a:endParaRPr>
+          </a:p>
+          <a:p>
+            <a:pPr marL="0" indent="0">
+              <a:spcBef>
+                <a:spcPct val="0"/>
+              </a:spcBef>
+              <a:spcAft>
+                <a:spcPct val="0"/>
+              </a:spcAft>
+              <a:buFont typeface="Arial" panose="020B0604020202020204"/>
+              <a:buChar char="•"/>
+            </a:pPr>
+            <a:r>
+              <a:rPr sz="1600" b="1" i="0">
+                <a:solidFill>
+                  <a:srgbClr val="001D35"/>
+                </a:solidFill>
+                <a:latin typeface="Arial" panose="020B0604020202020204" pitchFamily="34" charset="0"/>
+                <a:ea typeface="Google Sans"/>
+                <a:cs typeface="Arial" panose="020B0604020202020204" pitchFamily="34" charset="0"/>
+              </a:rPr>
+              <a:t>Challenges of SGD:</a:t>
+            </a:r>
+            <a:endParaRPr sz="1600" b="1" i="0">
+              <a:solidFill>
+                <a:srgbClr val="001D35"/>
+              </a:solidFill>
+              <a:latin typeface="Arial" panose="020B0604020202020204" pitchFamily="34" charset="0"/>
+              <a:ea typeface="Google Sans"/>
+              <a:cs typeface="Arial" panose="020B0604020202020204" pitchFamily="34" charset="0"/>
+            </a:endParaRPr>
+          </a:p>
+          <a:p>
+            <a:pPr marL="0" indent="0">
+              <a:spcBef>
+                <a:spcPct val="0"/>
+              </a:spcBef>
+              <a:spcAft>
+                <a:spcPct val="0"/>
+              </a:spcAft>
+            </a:pPr>
+            <a:r>
+              <a:rPr sz="1600" b="0" i="0">
+                <a:solidFill>
+                  <a:srgbClr val="001D35"/>
+                </a:solidFill>
+                <a:latin typeface="Arial" panose="020B0604020202020204" pitchFamily="34" charset="0"/>
+                <a:ea typeface="Google Sans"/>
+                <a:cs typeface="Arial" panose="020B0604020202020204" pitchFamily="34" charset="0"/>
+              </a:rPr>
+              <a:t>Standard SGD can be slow to converge, and its updates can be noisy and oscillatory, especially in complex loss landscapes. </a:t>
+            </a:r>
+            <a:endParaRPr sz="1600" b="0" i="0">
+              <a:solidFill>
+                <a:srgbClr val="001D35"/>
+              </a:solidFill>
+              <a:latin typeface="Arial" panose="020B0604020202020204" pitchFamily="34" charset="0"/>
+              <a:ea typeface="Google Sans"/>
+              <a:cs typeface="Arial" panose="020B0604020202020204" pitchFamily="34" charset="0"/>
+            </a:endParaRPr>
+          </a:p>
+          <a:p>
+            <a:pPr marL="0" indent="0">
+              <a:spcBef>
+                <a:spcPts val="1000"/>
+              </a:spcBef>
+              <a:spcAft>
+                <a:spcPts val="500"/>
+              </a:spcAft>
+            </a:pPr>
+            <a:r>
+              <a:rPr sz="1600" b="1" i="0">
+                <a:solidFill>
+                  <a:srgbClr val="001D35"/>
+                </a:solidFill>
+                <a:latin typeface="Arial" panose="020B0604020202020204" pitchFamily="34" charset="0"/>
+                <a:ea typeface="Google Sans"/>
+                <a:cs typeface="Arial" panose="020B0604020202020204" pitchFamily="34" charset="0"/>
+              </a:rPr>
+              <a:t>How Momentum Helps:</a:t>
+            </a:r>
+            <a:endParaRPr sz="1600" b="1" i="0">
+              <a:solidFill>
+                <a:srgbClr val="001D35"/>
+              </a:solidFill>
+              <a:latin typeface="Arial" panose="020B0604020202020204" pitchFamily="34" charset="0"/>
+              <a:ea typeface="Google Sans"/>
+              <a:cs typeface="Arial" panose="020B0604020202020204" pitchFamily="34" charset="0"/>
+            </a:endParaRPr>
+          </a:p>
+          <a:p>
+            <a:pPr marL="0" indent="0">
+              <a:spcBef>
+                <a:spcPct val="0"/>
+              </a:spcBef>
+              <a:spcAft>
+                <a:spcPts val="400"/>
+              </a:spcAft>
+              <a:buFont typeface="Arial" panose="020B0604020202020204"/>
+              <a:buChar char="•"/>
+            </a:pPr>
+            <a:r>
+              <a:rPr sz="1600" b="1" i="0">
+                <a:solidFill>
+                  <a:srgbClr val="001D35"/>
+                </a:solidFill>
+                <a:latin typeface="Arial" panose="020B0604020202020204" pitchFamily="34" charset="0"/>
+                <a:ea typeface="Google Sans"/>
+                <a:cs typeface="Arial" panose="020B0604020202020204" pitchFamily="34" charset="0"/>
+              </a:rPr>
+              <a:t>Intuition:</a:t>
+            </a:r>
+            <a:endParaRPr sz="1600" b="1" i="0">
+              <a:solidFill>
+                <a:srgbClr val="001D35"/>
+              </a:solidFill>
+              <a:latin typeface="Arial" panose="020B0604020202020204" pitchFamily="34" charset="0"/>
+              <a:ea typeface="Google Sans"/>
+              <a:cs typeface="Arial" panose="020B0604020202020204" pitchFamily="34" charset="0"/>
+            </a:endParaRPr>
+          </a:p>
+          <a:p>
+            <a:pPr marL="0" indent="0">
+              <a:spcBef>
+                <a:spcPct val="0"/>
+              </a:spcBef>
+              <a:spcAft>
+                <a:spcPts val="400"/>
+              </a:spcAft>
+            </a:pPr>
+            <a:r>
+              <a:rPr sz="1600" b="0" i="0">
+                <a:solidFill>
+                  <a:srgbClr val="001D35"/>
+                </a:solidFill>
+                <a:latin typeface="Arial" panose="020B0604020202020204" pitchFamily="34" charset="0"/>
+                <a:ea typeface="Google Sans"/>
+                <a:cs typeface="Arial" panose="020B0604020202020204" pitchFamily="34" charset="0"/>
+              </a:rPr>
+              <a:t>Imagine a ball rolling down a hill. It gains speed as it rolls, and this speed (or velocity) is analogous to the momentum in SGDM. </a:t>
+            </a:r>
+            <a:endParaRPr sz="1600" b="0" i="0">
+              <a:solidFill>
+                <a:srgbClr val="001D35"/>
+              </a:solidFill>
+              <a:latin typeface="Arial" panose="020B0604020202020204" pitchFamily="34" charset="0"/>
+              <a:ea typeface="Google Sans"/>
+              <a:cs typeface="Arial" panose="020B0604020202020204" pitchFamily="34" charset="0"/>
+            </a:endParaRPr>
+          </a:p>
+          <a:p>
+            <a:pPr marL="0" indent="0">
+              <a:spcBef>
+                <a:spcPct val="0"/>
+              </a:spcBef>
+              <a:spcAft>
+                <a:spcPts val="400"/>
+              </a:spcAft>
+              <a:buFont typeface="Arial" panose="020B0604020202020204"/>
+              <a:buChar char="•"/>
+            </a:pPr>
+            <a:r>
+              <a:rPr sz="1600" b="1" i="0">
+                <a:solidFill>
+                  <a:srgbClr val="001D35"/>
+                </a:solidFill>
+                <a:latin typeface="Arial" panose="020B0604020202020204" pitchFamily="34" charset="0"/>
+                <a:ea typeface="Google Sans"/>
+                <a:cs typeface="Arial" panose="020B0604020202020204" pitchFamily="34" charset="0"/>
+              </a:rPr>
+              <a:t>Mechanism:</a:t>
+            </a:r>
+            <a:endParaRPr sz="1600" b="1" i="0">
+              <a:solidFill>
+                <a:srgbClr val="001D35"/>
+              </a:solidFill>
+              <a:latin typeface="Arial" panose="020B0604020202020204" pitchFamily="34" charset="0"/>
+              <a:ea typeface="Google Sans"/>
+              <a:cs typeface="Arial" panose="020B0604020202020204" pitchFamily="34" charset="0"/>
+            </a:endParaRPr>
+          </a:p>
+          <a:p>
+            <a:pPr marL="0" indent="0">
+              <a:spcBef>
+                <a:spcPct val="0"/>
+              </a:spcBef>
+              <a:spcAft>
+                <a:spcPts val="400"/>
+              </a:spcAft>
+            </a:pPr>
+            <a:r>
+              <a:rPr sz="1600" b="0" i="0">
+                <a:solidFill>
+                  <a:srgbClr val="001D35"/>
+                </a:solidFill>
+                <a:latin typeface="Arial" panose="020B0604020202020204" pitchFamily="34" charset="0"/>
+                <a:ea typeface="Google Sans"/>
+                <a:cs typeface="Arial" panose="020B0604020202020204" pitchFamily="34" charset="0"/>
+              </a:rPr>
+              <a:t>SGDM accumulates a moving average of past gradients, which acts as a "velocity" or "momentum" that guides the updates. </a:t>
+            </a:r>
+            <a:endParaRPr sz="1600" b="0" i="0">
+              <a:solidFill>
+                <a:srgbClr val="001D35"/>
+              </a:solidFill>
+              <a:latin typeface="Arial" panose="020B0604020202020204" pitchFamily="34" charset="0"/>
+              <a:ea typeface="Google Sans"/>
+              <a:cs typeface="Arial" panose="020B0604020202020204" pitchFamily="34" charset="0"/>
+            </a:endParaRPr>
+          </a:p>
+          <a:p>
+            <a:pPr marL="0" indent="0">
+              <a:spcBef>
+                <a:spcPct val="0"/>
+              </a:spcBef>
+              <a:spcAft>
+                <a:spcPct val="0"/>
+              </a:spcAft>
+              <a:buFont typeface="Arial" panose="020B0604020202020204"/>
+              <a:buChar char="•"/>
+            </a:pPr>
+            <a:endParaRPr sz="1600" b="0" i="0">
+              <a:solidFill>
+                <a:srgbClr val="001D35"/>
+              </a:solidFill>
+              <a:latin typeface="Arial" panose="020B0604020202020204" pitchFamily="34" charset="0"/>
+              <a:ea typeface="Google Sans"/>
+              <a:cs typeface="Arial" panose="020B0604020202020204" pitchFamily="34" charset="0"/>
+            </a:endParaRPr>
+          </a:p>
+        </p:txBody>
+      </p:sp>
+      <p:sp>
+        <p:nvSpPr>
+          <p:cNvPr id="3" name="Text Box 2"/>
+          <p:cNvSpPr txBox="1"/>
+          <p:nvPr/>
+        </p:nvSpPr>
+        <p:spPr>
+          <a:xfrm>
+            <a:off x="5891530" y="255905"/>
+            <a:ext cx="6096000" cy="6408420"/>
+          </a:xfrm>
+          <a:prstGeom prst="rect">
+            <a:avLst/>
+          </a:prstGeom>
+          <a:noFill/>
+        </p:spPr>
+        <p:txBody>
+          <a:bodyPr wrap="square" rtlCol="0" anchor="t">
+            <a:spAutoFit/>
+          </a:bodyPr>
+          <a:p>
+            <a:pPr marL="0" indent="0">
+              <a:spcBef>
+                <a:spcPct val="0"/>
+              </a:spcBef>
+              <a:spcAft>
+                <a:spcPct val="0"/>
+              </a:spcAft>
+              <a:buFont typeface="Arial" panose="020B0604020202020204"/>
+              <a:buChar char="•"/>
+            </a:pPr>
+            <a:r>
+              <a:rPr sz="1600" b="1">
+                <a:solidFill>
+                  <a:srgbClr val="001D35"/>
+                </a:solidFill>
+                <a:latin typeface="Arial" panose="020B0604020202020204" pitchFamily="34" charset="0"/>
+                <a:ea typeface="Google Sans"/>
+                <a:cs typeface="Arial" panose="020B0604020202020204" pitchFamily="34" charset="0"/>
+                <a:sym typeface="+mn-ea"/>
+              </a:rPr>
+              <a:t>Benefits:</a:t>
+            </a:r>
+            <a:endParaRPr sz="1600" b="1" i="0">
+              <a:solidFill>
+                <a:srgbClr val="001D35"/>
+              </a:solidFill>
+              <a:latin typeface="Arial" panose="020B0604020202020204" pitchFamily="34" charset="0"/>
+              <a:ea typeface="Google Sans"/>
+              <a:cs typeface="Arial" panose="020B0604020202020204" pitchFamily="34" charset="0"/>
+            </a:endParaRPr>
+          </a:p>
+          <a:p>
+            <a:pPr marL="0" lvl="1" indent="0">
+              <a:spcBef>
+                <a:spcPct val="0"/>
+              </a:spcBef>
+              <a:spcAft>
+                <a:spcPts val="400"/>
+              </a:spcAft>
+              <a:buFont typeface="Arial" panose="020B0604020202020204"/>
+              <a:buChar char="◦"/>
+            </a:pPr>
+            <a:r>
+              <a:rPr sz="1600">
+                <a:solidFill>
+                  <a:srgbClr val="001D35"/>
+                </a:solidFill>
+                <a:latin typeface="Arial" panose="020B0604020202020204" pitchFamily="34" charset="0"/>
+                <a:ea typeface="Google Sans"/>
+                <a:cs typeface="Arial" panose="020B0604020202020204" pitchFamily="34" charset="0"/>
+                <a:sym typeface="+mn-ea"/>
+              </a:rPr>
+              <a:t>Faster Convergence: The momentum term helps the algorithm move more quickly in the correct direction, leading to faster convergence compared to standard SGD. </a:t>
+            </a:r>
+            <a:endParaRPr sz="1600" b="0" i="0">
+              <a:solidFill>
+                <a:srgbClr val="001D35"/>
+              </a:solidFill>
+              <a:latin typeface="Arial" panose="020B0604020202020204" pitchFamily="34" charset="0"/>
+              <a:ea typeface="Google Sans"/>
+              <a:cs typeface="Arial" panose="020B0604020202020204" pitchFamily="34" charset="0"/>
+            </a:endParaRPr>
+          </a:p>
+          <a:p>
+            <a:pPr marL="0" lvl="1" indent="0">
+              <a:spcBef>
+                <a:spcPct val="0"/>
+              </a:spcBef>
+              <a:spcAft>
+                <a:spcPts val="400"/>
+              </a:spcAft>
+              <a:buFont typeface="Arial" panose="020B0604020202020204"/>
+              <a:buChar char="◦"/>
+            </a:pPr>
+            <a:r>
+              <a:rPr sz="1600">
+                <a:solidFill>
+                  <a:srgbClr val="001D35"/>
+                </a:solidFill>
+                <a:latin typeface="Arial" panose="020B0604020202020204" pitchFamily="34" charset="0"/>
+                <a:ea typeface="Google Sans"/>
+                <a:cs typeface="Arial" panose="020B0604020202020204" pitchFamily="34" charset="0"/>
+                <a:sym typeface="+mn-ea"/>
+              </a:rPr>
+              <a:t>Dampens Oscillations: By smoothing out the updates, momentum helps reduce the oscillations and noisy behavior that can occur in standard SGD. </a:t>
+            </a:r>
+            <a:endParaRPr sz="1600" b="0" i="0">
+              <a:solidFill>
+                <a:srgbClr val="001D35"/>
+              </a:solidFill>
+              <a:latin typeface="Arial" panose="020B0604020202020204" pitchFamily="34" charset="0"/>
+              <a:ea typeface="Google Sans"/>
+              <a:cs typeface="Arial" panose="020B0604020202020204" pitchFamily="34" charset="0"/>
+            </a:endParaRPr>
+          </a:p>
+          <a:p>
+            <a:pPr marL="0" lvl="1" indent="0">
+              <a:spcBef>
+                <a:spcPct val="0"/>
+              </a:spcBef>
+              <a:spcAft>
+                <a:spcPct val="0"/>
+              </a:spcAft>
+              <a:buFont typeface="Arial" panose="020B0604020202020204"/>
+              <a:buChar char="◦"/>
+            </a:pPr>
+            <a:r>
+              <a:rPr sz="1600">
+                <a:solidFill>
+                  <a:srgbClr val="001D35"/>
+                </a:solidFill>
+                <a:latin typeface="Arial" panose="020B0604020202020204" pitchFamily="34" charset="0"/>
+                <a:ea typeface="Google Sans"/>
+                <a:cs typeface="Arial" panose="020B0604020202020204" pitchFamily="34" charset="0"/>
+                <a:sym typeface="+mn-ea"/>
+              </a:rPr>
+              <a:t>Escaping Local Minima: The momentum can help the algorithm "jump" over small bumps or local minima, leading to a better chance of finding the global minimum. </a:t>
+            </a:r>
+            <a:endParaRPr sz="1600" b="0" i="0">
+              <a:solidFill>
+                <a:srgbClr val="001D35"/>
+              </a:solidFill>
+              <a:latin typeface="Arial" panose="020B0604020202020204" pitchFamily="34" charset="0"/>
+              <a:ea typeface="Google Sans"/>
+              <a:cs typeface="Arial" panose="020B0604020202020204" pitchFamily="34" charset="0"/>
+            </a:endParaRPr>
+          </a:p>
+          <a:p>
+            <a:pPr marL="0" indent="0">
+              <a:spcBef>
+                <a:spcPts val="1000"/>
+              </a:spcBef>
+              <a:spcAft>
+                <a:spcPts val="500"/>
+              </a:spcAft>
+            </a:pPr>
+            <a:r>
+              <a:rPr sz="1600" b="1">
+                <a:solidFill>
+                  <a:srgbClr val="001D35"/>
+                </a:solidFill>
+                <a:latin typeface="Arial" panose="020B0604020202020204" pitchFamily="34" charset="0"/>
+                <a:ea typeface="Google Sans"/>
+                <a:cs typeface="Arial" panose="020B0604020202020204" pitchFamily="34" charset="0"/>
+                <a:sym typeface="+mn-ea"/>
+              </a:rPr>
+              <a:t>Key Concepts:</a:t>
+            </a:r>
+            <a:endParaRPr sz="1600" b="1" i="0">
+              <a:solidFill>
+                <a:srgbClr val="001D35"/>
+              </a:solidFill>
+              <a:latin typeface="Arial" panose="020B0604020202020204" pitchFamily="34" charset="0"/>
+              <a:ea typeface="Google Sans"/>
+              <a:cs typeface="Arial" panose="020B0604020202020204" pitchFamily="34" charset="0"/>
+            </a:endParaRPr>
+          </a:p>
+          <a:p>
+            <a:pPr marL="0" indent="0">
+              <a:spcBef>
+                <a:spcPct val="0"/>
+              </a:spcBef>
+              <a:spcAft>
+                <a:spcPts val="400"/>
+              </a:spcAft>
+              <a:buFont typeface="Arial" panose="020B0604020202020204"/>
+              <a:buChar char="•"/>
+            </a:pPr>
+            <a:r>
+              <a:rPr sz="1600" b="1">
+                <a:solidFill>
+                  <a:srgbClr val="001D35"/>
+                </a:solidFill>
+                <a:latin typeface="Arial" panose="020B0604020202020204" pitchFamily="34" charset="0"/>
+                <a:ea typeface="Google Sans"/>
+                <a:cs typeface="Arial" panose="020B0604020202020204" pitchFamily="34" charset="0"/>
+                <a:sym typeface="+mn-ea"/>
+              </a:rPr>
+              <a:t>Momentum Parameter (β):</a:t>
+            </a:r>
+            <a:r>
+              <a:rPr sz="1600">
+                <a:solidFill>
+                  <a:srgbClr val="001D35"/>
+                </a:solidFill>
+                <a:latin typeface="Arial" panose="020B0604020202020204" pitchFamily="34" charset="0"/>
+                <a:ea typeface="Google Sans"/>
+                <a:cs typeface="Arial" panose="020B0604020202020204" pitchFamily="34" charset="0"/>
+                <a:sym typeface="+mn-ea"/>
+              </a:rPr>
+              <a:t> A hyperparameter that controls the strength of the momentum term. It's typically a value between 0 and 1.</a:t>
+            </a:r>
+            <a:endParaRPr sz="1600" b="0" i="0">
+              <a:solidFill>
+                <a:srgbClr val="001D35"/>
+              </a:solidFill>
+              <a:latin typeface="Arial" panose="020B0604020202020204" pitchFamily="34" charset="0"/>
+              <a:ea typeface="Google Sans"/>
+              <a:cs typeface="Arial" panose="020B0604020202020204" pitchFamily="34" charset="0"/>
+            </a:endParaRPr>
+          </a:p>
+          <a:p>
+            <a:pPr marL="0" indent="0">
+              <a:spcBef>
+                <a:spcPct val="0"/>
+              </a:spcBef>
+              <a:spcAft>
+                <a:spcPts val="400"/>
+              </a:spcAft>
+              <a:buFont typeface="Arial" panose="020B0604020202020204"/>
+              <a:buChar char="•"/>
+            </a:pPr>
+            <a:r>
+              <a:rPr sz="1600" b="1">
+                <a:solidFill>
+                  <a:srgbClr val="001D35"/>
+                </a:solidFill>
+                <a:latin typeface="Arial" panose="020B0604020202020204" pitchFamily="34" charset="0"/>
+                <a:ea typeface="Google Sans"/>
+                <a:cs typeface="Arial" panose="020B0604020202020204" pitchFamily="34" charset="0"/>
+                <a:sym typeface="+mn-ea"/>
+              </a:rPr>
+              <a:t>Velocity (v)</a:t>
+            </a:r>
+            <a:r>
+              <a:rPr sz="1600">
+                <a:solidFill>
+                  <a:srgbClr val="001D35"/>
+                </a:solidFill>
+                <a:latin typeface="Arial" panose="020B0604020202020204" pitchFamily="34" charset="0"/>
+                <a:ea typeface="Google Sans"/>
+                <a:cs typeface="Arial" panose="020B0604020202020204" pitchFamily="34" charset="0"/>
+                <a:sym typeface="+mn-ea"/>
+              </a:rPr>
+              <a:t>: A vector that stores the accumulated momentum, initialized to zero.</a:t>
+            </a:r>
+            <a:endParaRPr sz="1600" b="0" i="0">
+              <a:solidFill>
+                <a:srgbClr val="001D35"/>
+              </a:solidFill>
+              <a:latin typeface="Arial" panose="020B0604020202020204" pitchFamily="34" charset="0"/>
+              <a:ea typeface="Google Sans"/>
+              <a:cs typeface="Arial" panose="020B0604020202020204" pitchFamily="34" charset="0"/>
+            </a:endParaRPr>
+          </a:p>
+          <a:p>
+            <a:pPr marL="0" indent="0">
+              <a:spcBef>
+                <a:spcPct val="0"/>
+              </a:spcBef>
+              <a:spcAft>
+                <a:spcPct val="0"/>
+              </a:spcAft>
+              <a:buFont typeface="Arial" panose="020B0604020202020204"/>
+              <a:buChar char="•"/>
+            </a:pPr>
+            <a:r>
+              <a:rPr sz="1600" b="1">
+                <a:solidFill>
+                  <a:srgbClr val="001D35"/>
+                </a:solidFill>
+                <a:latin typeface="Arial" panose="020B0604020202020204" pitchFamily="34" charset="0"/>
+                <a:ea typeface="Google Sans"/>
+                <a:cs typeface="Arial" panose="020B0604020202020204" pitchFamily="34" charset="0"/>
+                <a:sym typeface="+mn-ea"/>
+              </a:rPr>
+              <a:t>Update Rule: </a:t>
+            </a:r>
+            <a:r>
+              <a:rPr sz="1600">
+                <a:solidFill>
+                  <a:srgbClr val="001D35"/>
+                </a:solidFill>
+                <a:latin typeface="Arial" panose="020B0604020202020204" pitchFamily="34" charset="0"/>
+                <a:ea typeface="Google Sans"/>
+                <a:cs typeface="Arial" panose="020B0604020202020204" pitchFamily="34" charset="0"/>
+                <a:sym typeface="+mn-ea"/>
+              </a:rPr>
+              <a:t>The model parameters are updated based on the current gradient and the velocity (momentum). </a:t>
+            </a:r>
+            <a:endParaRPr sz="1600" b="0" i="0">
+              <a:solidFill>
+                <a:srgbClr val="001D35"/>
+              </a:solidFill>
+              <a:latin typeface="Arial" panose="020B0604020202020204" pitchFamily="34" charset="0"/>
+              <a:ea typeface="Google Sans"/>
+              <a:cs typeface="Arial" panose="020B0604020202020204" pitchFamily="34" charset="0"/>
+            </a:endParaRPr>
+          </a:p>
+          <a:p>
+            <a:pPr marL="0" indent="0">
+              <a:spcBef>
+                <a:spcPts val="1000"/>
+              </a:spcBef>
+              <a:spcAft>
+                <a:spcPts val="500"/>
+              </a:spcAft>
+            </a:pPr>
+            <a:r>
+              <a:rPr sz="1600" b="1">
+                <a:solidFill>
+                  <a:srgbClr val="001D35"/>
+                </a:solidFill>
+                <a:latin typeface="Arial" panose="020B0604020202020204" pitchFamily="34" charset="0"/>
+                <a:ea typeface="Google Sans"/>
+                <a:cs typeface="Arial" panose="020B0604020202020204" pitchFamily="34" charset="0"/>
+                <a:sym typeface="+mn-ea"/>
+              </a:rPr>
+              <a:t>In Summary:</a:t>
+            </a:r>
+            <a:endParaRPr sz="1600" b="1" i="0">
+              <a:solidFill>
+                <a:srgbClr val="001D35"/>
+              </a:solidFill>
+              <a:latin typeface="Arial" panose="020B0604020202020204" pitchFamily="34" charset="0"/>
+              <a:ea typeface="Google Sans"/>
+              <a:cs typeface="Arial" panose="020B0604020202020204" pitchFamily="34" charset="0"/>
+            </a:endParaRPr>
+          </a:p>
+          <a:p>
+            <a:pPr marL="0" indent="0">
+              <a:spcBef>
+                <a:spcPts val="500"/>
+              </a:spcBef>
+              <a:spcAft>
+                <a:spcPts val="1000"/>
+              </a:spcAft>
+            </a:pPr>
+            <a:r>
+              <a:rPr sz="1600">
+                <a:solidFill>
+                  <a:srgbClr val="001D35"/>
+                </a:solidFill>
+                <a:latin typeface="Arial" panose="020B0604020202020204" pitchFamily="34" charset="0"/>
+                <a:ea typeface="Google Sans"/>
+                <a:cs typeface="Arial" panose="020B0604020202020204" pitchFamily="34" charset="0"/>
+                <a:sym typeface="+mn-ea"/>
+              </a:rPr>
+              <a:t>SGDM is a powerful optimization algorithm that builds upon SGD by incorporating a momentum term. This momentum helps the algorithm converge faster and more stably, making it a popular choice for training deep learning models. </a:t>
+            </a:r>
+            <a:endParaRPr lang="en-US" sz="1600">
+              <a:solidFill>
+                <a:srgbClr val="001D35"/>
+              </a:solidFill>
+              <a:latin typeface="Arial" panose="020B0604020202020204" pitchFamily="34" charset="0"/>
+              <a:ea typeface="Google Sans"/>
+              <a:cs typeface="Arial" panose="020B0604020202020204" pitchFamily="34" charset="0"/>
+              <a:sym typeface="+mn-ea"/>
+            </a:endParaRPr>
+          </a:p>
+        </p:txBody>
+      </p:sp>
+    </p:spTree>
+  </p:cSld>
+  <p:clrMapOvr>
+    <a:masterClrMapping/>
+  </p:clrMapOvr>
+</p:sld>
+</file>
+
+<file path=ppt/slides/slide49.xml><?xml version="1.0" encoding="utf-8"?>
+<p:sld xmlns:a="http://schemas.openxmlformats.org/drawingml/2006/main" xmlns:r="http://schemas.openxmlformats.org/officeDocument/2006/relationships" xmlns:p="http://schemas.openxmlformats.org/presentationml/2006/main">
+  <p:cSld>
+    <p:spTree>
+      <p:nvGrpSpPr>
+        <p:cNvPr id="1" name=""/>
+        <p:cNvGrpSpPr/>
+        <p:nvPr/>
+      </p:nvGrpSpPr>
+      <p:grpSpPr/>
+      <p:sp>
+        <p:nvSpPr>
+          <p:cNvPr id="2" name="Text Box 1"/>
+          <p:cNvSpPr txBox="1"/>
+          <p:nvPr/>
+        </p:nvSpPr>
+        <p:spPr>
+          <a:xfrm>
+            <a:off x="235585" y="117475"/>
+            <a:ext cx="11414125" cy="368300"/>
+          </a:xfrm>
+          <a:prstGeom prst="rect">
+            <a:avLst/>
+          </a:prstGeom>
+          <a:noFill/>
+        </p:spPr>
+        <p:txBody>
+          <a:bodyPr wrap="square" rtlCol="0" anchor="t">
+            <a:spAutoFit/>
+          </a:bodyPr>
+          <a:p>
+            <a:r>
+              <a:rPr lang="en-US" altLang="en-US"/>
+              <a:t>https://www.geeksforgeeks.org/machine-learning/ml-momentum-based-gradient-optimizer-introduction/</a:t>
+            </a:r>
+            <a:endParaRPr lang="en-US"/>
           </a:p>
         </p:txBody>
       </p:sp>
@@ -22250,951 +22999,6 @@
       <p:grpSpPr/>
       <p:pic>
         <p:nvPicPr>
-          <p:cNvPr id="3" name="Picture 2" descr="Screenshot (348)"/>
-          <p:cNvPicPr>
-            <a:picLocks noChangeAspect="1"/>
-          </p:cNvPicPr>
-          <p:nvPr/>
-        </p:nvPicPr>
-        <p:blipFill>
-          <a:blip r:embed="rId1"/>
-          <a:srcRect l="32542" t="31546" r="19698" b="37361"/>
-          <a:stretch>
-            <a:fillRect/>
-          </a:stretch>
-        </p:blipFill>
-        <p:spPr>
-          <a:xfrm>
-            <a:off x="273050" y="75565"/>
-            <a:ext cx="6421120" cy="3688080"/>
-          </a:xfrm>
-          <a:prstGeom prst="rect">
-            <a:avLst/>
-          </a:prstGeom>
-        </p:spPr>
-      </p:pic>
-      <p:sp>
-        <p:nvSpPr>
-          <p:cNvPr id="5" name="Text Box 4"/>
-          <p:cNvSpPr txBox="1"/>
-          <p:nvPr/>
-        </p:nvSpPr>
-        <p:spPr>
-          <a:xfrm>
-            <a:off x="273050" y="6579870"/>
-            <a:ext cx="7980680" cy="368300"/>
-          </a:xfrm>
-          <a:prstGeom prst="rect">
-            <a:avLst/>
-          </a:prstGeom>
-          <a:noFill/>
-        </p:spPr>
-        <p:txBody>
-          <a:bodyPr wrap="square" rtlCol="0" anchor="t">
-            <a:spAutoFit/>
-          </a:bodyPr>
-          <a:p>
-            <a:r>
-              <a:rPr lang="en-US" altLang="en-US"/>
-              <a:t>https://musstafa0804.medium.com/optimizers-in-deep-learning-7bf81fed78a0</a:t>
-            </a:r>
-            <a:endParaRPr lang="en-US"/>
-          </a:p>
-        </p:txBody>
-      </p:sp>
-      <p:sp>
-        <p:nvSpPr>
-          <p:cNvPr id="2" name="Text Box 1"/>
-          <p:cNvSpPr txBox="1"/>
-          <p:nvPr/>
-        </p:nvSpPr>
-        <p:spPr>
-          <a:xfrm>
-            <a:off x="6799580" y="406400"/>
-            <a:ext cx="5622925" cy="2482215"/>
-          </a:xfrm>
-          <a:prstGeom prst="rect">
-            <a:avLst/>
-          </a:prstGeom>
-          <a:noFill/>
-        </p:spPr>
-        <p:txBody>
-          <a:bodyPr wrap="square" rtlCol="0" anchor="t">
-            <a:noAutofit/>
-          </a:bodyPr>
-          <a:p>
-            <a:pPr>
-              <a:spcAft>
-                <a:spcPct val="60000"/>
-              </a:spcAft>
-            </a:pPr>
-            <a:r>
-              <a:rPr sz="1900" b="1">
-                <a:sym typeface="+mn-ea"/>
-              </a:rPr>
-              <a:t>🔹 (2) SGD with Momentum</a:t>
-            </a:r>
-            <a:endParaRPr sz="1900" b="1"/>
-          </a:p>
-          <a:p>
-            <a:r>
-              <a:rPr sz="1600">
-                <a:sym typeface="+mn-ea"/>
-              </a:rPr>
-              <a:t>✔ Adds a velocity term to accelerate updates in the right direction.</a:t>
-            </a:r>
-            <a:endParaRPr sz="1600"/>
-          </a:p>
-          <a:p>
-            <a:r>
-              <a:rPr sz="1600">
-                <a:sym typeface="+mn-ea"/>
-              </a:rPr>
-              <a:t> ✔ Helps escape local minima and smoothens updates.</a:t>
-            </a:r>
-            <a:endParaRPr sz="1600">
-              <a:sym typeface="+mn-ea"/>
-            </a:endParaRPr>
-          </a:p>
-          <a:p>
-            <a:r>
-              <a:rPr sz="1600">
-                <a:sym typeface="+mn-ea"/>
-              </a:rPr>
-              <a:t>✔ Pros: Faster convergence, less oscillation.</a:t>
-            </a:r>
-            <a:endParaRPr sz="1600"/>
-          </a:p>
-          <a:p>
-            <a:r>
-              <a:rPr sz="1600">
-                <a:sym typeface="+mn-ea"/>
-              </a:rPr>
-              <a:t> ✔ Cons: Still needs careful tuning of parameters.</a:t>
-            </a:r>
-            <a:endParaRPr sz="1600"/>
-          </a:p>
-          <a:p>
-            <a:pPr>
-              <a:spcAft>
-                <a:spcPct val="60000"/>
-              </a:spcAft>
-            </a:pPr>
-            <a:endParaRPr lang="en-US" sz="1600"/>
-          </a:p>
-        </p:txBody>
-      </p:sp>
-      <p:sp>
-        <p:nvSpPr>
-          <p:cNvPr id="7" name="Text Box 6"/>
-          <p:cNvSpPr txBox="1"/>
-          <p:nvPr/>
-        </p:nvSpPr>
-        <p:spPr>
-          <a:xfrm>
-            <a:off x="6946900" y="2376805"/>
-            <a:ext cx="5092700" cy="645160"/>
-          </a:xfrm>
-          <a:prstGeom prst="rect">
-            <a:avLst/>
-          </a:prstGeom>
-          <a:noFill/>
-        </p:spPr>
-        <p:txBody>
-          <a:bodyPr wrap="square" rtlCol="0" anchor="t">
-            <a:spAutoFit/>
-          </a:bodyPr>
-          <a:p>
-            <a:r>
-              <a:rPr lang="en-US" altLang="en-US"/>
-              <a:t>https://paperswithcode.com/method/sgd-with-momentum</a:t>
-            </a:r>
-            <a:endParaRPr lang="en-US"/>
-          </a:p>
-        </p:txBody>
-      </p:sp>
-    </p:spTree>
-  </p:cSld>
-  <p:clrMapOvr>
-    <a:masterClrMapping/>
-  </p:clrMapOvr>
-</p:sld>
-</file>
-
-<file path=ppt/slides/slide51.xml><?xml version="1.0" encoding="utf-8"?>
-<p:sld xmlns:a="http://schemas.openxmlformats.org/drawingml/2006/main" xmlns:r="http://schemas.openxmlformats.org/officeDocument/2006/relationships" xmlns:p="http://schemas.openxmlformats.org/presentationml/2006/main">
-  <p:cSld>
-    <p:spTree>
-      <p:nvGrpSpPr>
-        <p:cNvPr id="1" name=""/>
-        <p:cNvGrpSpPr/>
-        <p:nvPr/>
-      </p:nvGrpSpPr>
-      <p:grpSpPr/>
-      <p:sp>
-        <p:nvSpPr>
-          <p:cNvPr id="2" name="Text Box 1"/>
-          <p:cNvSpPr txBox="1"/>
-          <p:nvPr/>
-        </p:nvSpPr>
-        <p:spPr>
-          <a:xfrm>
-            <a:off x="263525" y="255905"/>
-            <a:ext cx="5258435" cy="6247130"/>
-          </a:xfrm>
-          <a:prstGeom prst="rect">
-            <a:avLst/>
-          </a:prstGeom>
-        </p:spPr>
-        <p:txBody>
-          <a:bodyPr wrap="square">
-            <a:spAutoFit/>
-          </a:bodyPr>
-          <a:p>
-            <a:pPr marL="0" indent="0">
-              <a:spcBef>
-                <a:spcPts val="1000"/>
-              </a:spcBef>
-              <a:spcAft>
-                <a:spcPts val="500"/>
-              </a:spcAft>
-            </a:pPr>
-            <a:r>
-              <a:rPr sz="2400" b="1" i="0">
-                <a:solidFill>
-                  <a:srgbClr val="FF0000"/>
-                </a:solidFill>
-                <a:effectLst>
-                  <a:outerShdw blurRad="38100" dist="38100" dir="2700000" algn="tl">
-                    <a:srgbClr val="000000">
-                      <a:alpha val="43137"/>
-                    </a:srgbClr>
-                  </a:outerShdw>
-                </a:effectLst>
-                <a:latin typeface="Arial" panose="020B0604020202020204" pitchFamily="34" charset="0"/>
-                <a:ea typeface="Google Sans"/>
-                <a:cs typeface="Arial" panose="020B0604020202020204" pitchFamily="34" charset="0"/>
-              </a:rPr>
-              <a:t>What is SGD?</a:t>
-            </a:r>
-            <a:endParaRPr sz="2400" b="1" i="0">
-              <a:solidFill>
-                <a:srgbClr val="FF0000"/>
-              </a:solidFill>
-              <a:effectLst>
-                <a:outerShdw blurRad="38100" dist="38100" dir="2700000" algn="tl">
-                  <a:srgbClr val="000000">
-                    <a:alpha val="43137"/>
-                  </a:srgbClr>
-                </a:outerShdw>
-              </a:effectLst>
-              <a:latin typeface="Arial" panose="020B0604020202020204" pitchFamily="34" charset="0"/>
-              <a:ea typeface="Google Sans"/>
-              <a:cs typeface="Arial" panose="020B0604020202020204" pitchFamily="34" charset="0"/>
-            </a:endParaRPr>
-          </a:p>
-          <a:p>
-            <a:pPr marL="0" indent="0">
-              <a:spcBef>
-                <a:spcPct val="0"/>
-              </a:spcBef>
-              <a:spcAft>
-                <a:spcPts val="400"/>
-              </a:spcAft>
-              <a:buFont typeface="Arial" panose="020B0604020202020204"/>
-              <a:buChar char="•"/>
-            </a:pPr>
-            <a:r>
-              <a:rPr sz="1600" b="1" i="0">
-                <a:solidFill>
-                  <a:srgbClr val="001D35"/>
-                </a:solidFill>
-                <a:latin typeface="Arial" panose="020B0604020202020204" pitchFamily="34" charset="0"/>
-                <a:ea typeface="Google Sans"/>
-                <a:cs typeface="Arial" panose="020B0604020202020204" pitchFamily="34" charset="0"/>
-              </a:rPr>
-              <a:t>Stochastic Gradient Descent (SGD):</a:t>
-            </a:r>
-            <a:endParaRPr sz="1600" b="1" i="0">
-              <a:solidFill>
-                <a:srgbClr val="001D35"/>
-              </a:solidFill>
-              <a:latin typeface="Arial" panose="020B0604020202020204" pitchFamily="34" charset="0"/>
-              <a:ea typeface="Google Sans"/>
-              <a:cs typeface="Arial" panose="020B0604020202020204" pitchFamily="34" charset="0"/>
-            </a:endParaRPr>
-          </a:p>
-          <a:p>
-            <a:pPr marL="0" indent="0">
-              <a:spcBef>
-                <a:spcPct val="0"/>
-              </a:spcBef>
-              <a:spcAft>
-                <a:spcPts val="400"/>
-              </a:spcAft>
-            </a:pPr>
-            <a:r>
-              <a:rPr sz="1600" b="0" i="0">
-                <a:solidFill>
-                  <a:srgbClr val="001D35"/>
-                </a:solidFill>
-                <a:latin typeface="Arial" panose="020B0604020202020204" pitchFamily="34" charset="0"/>
-                <a:ea typeface="Google Sans"/>
-                <a:cs typeface="Arial" panose="020B0604020202020204" pitchFamily="34" charset="0"/>
-              </a:rPr>
-              <a:t>An iterative optimization algorithm used to find the minimum of a function. It updates the model parameters based on the gradient of the loss function calculated on a small, randomly selected subset of the training data (a mini-batch). </a:t>
-            </a:r>
-            <a:endParaRPr sz="1600" b="0" i="0">
-              <a:solidFill>
-                <a:srgbClr val="001D35"/>
-              </a:solidFill>
-              <a:latin typeface="Arial" panose="020B0604020202020204" pitchFamily="34" charset="0"/>
-              <a:ea typeface="Google Sans"/>
-              <a:cs typeface="Arial" panose="020B0604020202020204" pitchFamily="34" charset="0"/>
-            </a:endParaRPr>
-          </a:p>
-          <a:p>
-            <a:pPr marL="0" indent="0">
-              <a:spcBef>
-                <a:spcPct val="0"/>
-              </a:spcBef>
-              <a:spcAft>
-                <a:spcPts val="400"/>
-              </a:spcAft>
-            </a:pPr>
-            <a:endParaRPr sz="1600" b="0" i="0">
-              <a:solidFill>
-                <a:srgbClr val="001D35"/>
-              </a:solidFill>
-              <a:latin typeface="Arial" panose="020B0604020202020204" pitchFamily="34" charset="0"/>
-              <a:ea typeface="Google Sans"/>
-              <a:cs typeface="Arial" panose="020B0604020202020204" pitchFamily="34" charset="0"/>
-            </a:endParaRPr>
-          </a:p>
-          <a:p>
-            <a:pPr marL="0" indent="0">
-              <a:spcBef>
-                <a:spcPct val="0"/>
-              </a:spcBef>
-              <a:spcAft>
-                <a:spcPct val="0"/>
-              </a:spcAft>
-              <a:buFont typeface="Arial" panose="020B0604020202020204"/>
-              <a:buChar char="•"/>
-            </a:pPr>
-            <a:r>
-              <a:rPr sz="1600" b="1" i="0">
-                <a:solidFill>
-                  <a:srgbClr val="001D35"/>
-                </a:solidFill>
-                <a:latin typeface="Arial" panose="020B0604020202020204" pitchFamily="34" charset="0"/>
-                <a:ea typeface="Google Sans"/>
-                <a:cs typeface="Arial" panose="020B0604020202020204" pitchFamily="34" charset="0"/>
-              </a:rPr>
-              <a:t>Challenges of SGD:</a:t>
-            </a:r>
-            <a:endParaRPr sz="1600" b="1" i="0">
-              <a:solidFill>
-                <a:srgbClr val="001D35"/>
-              </a:solidFill>
-              <a:latin typeface="Arial" panose="020B0604020202020204" pitchFamily="34" charset="0"/>
-              <a:ea typeface="Google Sans"/>
-              <a:cs typeface="Arial" panose="020B0604020202020204" pitchFamily="34" charset="0"/>
-            </a:endParaRPr>
-          </a:p>
-          <a:p>
-            <a:pPr marL="0" indent="0">
-              <a:spcBef>
-                <a:spcPct val="0"/>
-              </a:spcBef>
-              <a:spcAft>
-                <a:spcPct val="0"/>
-              </a:spcAft>
-            </a:pPr>
-            <a:r>
-              <a:rPr sz="1600" b="0" i="0">
-                <a:solidFill>
-                  <a:srgbClr val="001D35"/>
-                </a:solidFill>
-                <a:latin typeface="Arial" panose="020B0604020202020204" pitchFamily="34" charset="0"/>
-                <a:ea typeface="Google Sans"/>
-                <a:cs typeface="Arial" panose="020B0604020202020204" pitchFamily="34" charset="0"/>
-              </a:rPr>
-              <a:t>Standard SGD can be slow to converge, and its updates can be noisy and oscillatory, especially in complex loss landscapes. </a:t>
-            </a:r>
-            <a:endParaRPr sz="1600" b="0" i="0">
-              <a:solidFill>
-                <a:srgbClr val="001D35"/>
-              </a:solidFill>
-              <a:latin typeface="Arial" panose="020B0604020202020204" pitchFamily="34" charset="0"/>
-              <a:ea typeface="Google Sans"/>
-              <a:cs typeface="Arial" panose="020B0604020202020204" pitchFamily="34" charset="0"/>
-            </a:endParaRPr>
-          </a:p>
-          <a:p>
-            <a:pPr marL="0" indent="0">
-              <a:spcBef>
-                <a:spcPts val="1000"/>
-              </a:spcBef>
-              <a:spcAft>
-                <a:spcPts val="500"/>
-              </a:spcAft>
-            </a:pPr>
-            <a:r>
-              <a:rPr sz="1600" b="1" i="0">
-                <a:solidFill>
-                  <a:srgbClr val="001D35"/>
-                </a:solidFill>
-                <a:latin typeface="Arial" panose="020B0604020202020204" pitchFamily="34" charset="0"/>
-                <a:ea typeface="Google Sans"/>
-                <a:cs typeface="Arial" panose="020B0604020202020204" pitchFamily="34" charset="0"/>
-              </a:rPr>
-              <a:t>How Momentum Helps:</a:t>
-            </a:r>
-            <a:endParaRPr sz="1600" b="1" i="0">
-              <a:solidFill>
-                <a:srgbClr val="001D35"/>
-              </a:solidFill>
-              <a:latin typeface="Arial" panose="020B0604020202020204" pitchFamily="34" charset="0"/>
-              <a:ea typeface="Google Sans"/>
-              <a:cs typeface="Arial" panose="020B0604020202020204" pitchFamily="34" charset="0"/>
-            </a:endParaRPr>
-          </a:p>
-          <a:p>
-            <a:pPr marL="0" indent="0">
-              <a:spcBef>
-                <a:spcPct val="0"/>
-              </a:spcBef>
-              <a:spcAft>
-                <a:spcPts val="400"/>
-              </a:spcAft>
-              <a:buFont typeface="Arial" panose="020B0604020202020204"/>
-              <a:buChar char="•"/>
-            </a:pPr>
-            <a:r>
-              <a:rPr sz="1600" b="1" i="0">
-                <a:solidFill>
-                  <a:srgbClr val="001D35"/>
-                </a:solidFill>
-                <a:latin typeface="Arial" panose="020B0604020202020204" pitchFamily="34" charset="0"/>
-                <a:ea typeface="Google Sans"/>
-                <a:cs typeface="Arial" panose="020B0604020202020204" pitchFamily="34" charset="0"/>
-              </a:rPr>
-              <a:t>Intuition:</a:t>
-            </a:r>
-            <a:endParaRPr sz="1600" b="1" i="0">
-              <a:solidFill>
-                <a:srgbClr val="001D35"/>
-              </a:solidFill>
-              <a:latin typeface="Arial" panose="020B0604020202020204" pitchFamily="34" charset="0"/>
-              <a:ea typeface="Google Sans"/>
-              <a:cs typeface="Arial" panose="020B0604020202020204" pitchFamily="34" charset="0"/>
-            </a:endParaRPr>
-          </a:p>
-          <a:p>
-            <a:pPr marL="0" indent="0">
-              <a:spcBef>
-                <a:spcPct val="0"/>
-              </a:spcBef>
-              <a:spcAft>
-                <a:spcPts val="400"/>
-              </a:spcAft>
-            </a:pPr>
-            <a:r>
-              <a:rPr sz="1600" b="0" i="0">
-                <a:solidFill>
-                  <a:srgbClr val="001D35"/>
-                </a:solidFill>
-                <a:latin typeface="Arial" panose="020B0604020202020204" pitchFamily="34" charset="0"/>
-                <a:ea typeface="Google Sans"/>
-                <a:cs typeface="Arial" panose="020B0604020202020204" pitchFamily="34" charset="0"/>
-              </a:rPr>
-              <a:t>Imagine a ball rolling down a hill. It gains speed as it rolls, and this speed (or velocity) is analogous to the momentum in SGDM. </a:t>
-            </a:r>
-            <a:endParaRPr sz="1600" b="0" i="0">
-              <a:solidFill>
-                <a:srgbClr val="001D35"/>
-              </a:solidFill>
-              <a:latin typeface="Arial" panose="020B0604020202020204" pitchFamily="34" charset="0"/>
-              <a:ea typeface="Google Sans"/>
-              <a:cs typeface="Arial" panose="020B0604020202020204" pitchFamily="34" charset="0"/>
-            </a:endParaRPr>
-          </a:p>
-          <a:p>
-            <a:pPr marL="0" indent="0">
-              <a:spcBef>
-                <a:spcPct val="0"/>
-              </a:spcBef>
-              <a:spcAft>
-                <a:spcPts val="400"/>
-              </a:spcAft>
-              <a:buFont typeface="Arial" panose="020B0604020202020204"/>
-              <a:buChar char="•"/>
-            </a:pPr>
-            <a:r>
-              <a:rPr sz="1600" b="1" i="0">
-                <a:solidFill>
-                  <a:srgbClr val="001D35"/>
-                </a:solidFill>
-                <a:latin typeface="Arial" panose="020B0604020202020204" pitchFamily="34" charset="0"/>
-                <a:ea typeface="Google Sans"/>
-                <a:cs typeface="Arial" panose="020B0604020202020204" pitchFamily="34" charset="0"/>
-              </a:rPr>
-              <a:t>Mechanism:</a:t>
-            </a:r>
-            <a:endParaRPr sz="1600" b="1" i="0">
-              <a:solidFill>
-                <a:srgbClr val="001D35"/>
-              </a:solidFill>
-              <a:latin typeface="Arial" panose="020B0604020202020204" pitchFamily="34" charset="0"/>
-              <a:ea typeface="Google Sans"/>
-              <a:cs typeface="Arial" panose="020B0604020202020204" pitchFamily="34" charset="0"/>
-            </a:endParaRPr>
-          </a:p>
-          <a:p>
-            <a:pPr marL="0" indent="0">
-              <a:spcBef>
-                <a:spcPct val="0"/>
-              </a:spcBef>
-              <a:spcAft>
-                <a:spcPts val="400"/>
-              </a:spcAft>
-            </a:pPr>
-            <a:r>
-              <a:rPr sz="1600" b="0" i="0">
-                <a:solidFill>
-                  <a:srgbClr val="001D35"/>
-                </a:solidFill>
-                <a:latin typeface="Arial" panose="020B0604020202020204" pitchFamily="34" charset="0"/>
-                <a:ea typeface="Google Sans"/>
-                <a:cs typeface="Arial" panose="020B0604020202020204" pitchFamily="34" charset="0"/>
-              </a:rPr>
-              <a:t>SGDM accumulates a moving average of past gradients, which acts as a "velocity" or "momentum" that guides the updates. </a:t>
-            </a:r>
-            <a:endParaRPr sz="1600" b="0" i="0">
-              <a:solidFill>
-                <a:srgbClr val="001D35"/>
-              </a:solidFill>
-              <a:latin typeface="Arial" panose="020B0604020202020204" pitchFamily="34" charset="0"/>
-              <a:ea typeface="Google Sans"/>
-              <a:cs typeface="Arial" panose="020B0604020202020204" pitchFamily="34" charset="0"/>
-            </a:endParaRPr>
-          </a:p>
-          <a:p>
-            <a:pPr marL="0" indent="0">
-              <a:spcBef>
-                <a:spcPct val="0"/>
-              </a:spcBef>
-              <a:spcAft>
-                <a:spcPct val="0"/>
-              </a:spcAft>
-              <a:buFont typeface="Arial" panose="020B0604020202020204"/>
-              <a:buChar char="•"/>
-            </a:pPr>
-            <a:endParaRPr sz="1600" b="0" i="0">
-              <a:solidFill>
-                <a:srgbClr val="001D35"/>
-              </a:solidFill>
-              <a:latin typeface="Arial" panose="020B0604020202020204" pitchFamily="34" charset="0"/>
-              <a:ea typeface="Google Sans"/>
-              <a:cs typeface="Arial" panose="020B0604020202020204" pitchFamily="34" charset="0"/>
-            </a:endParaRPr>
-          </a:p>
-        </p:txBody>
-      </p:sp>
-      <p:sp>
-        <p:nvSpPr>
-          <p:cNvPr id="3" name="Text Box 2"/>
-          <p:cNvSpPr txBox="1"/>
-          <p:nvPr/>
-        </p:nvSpPr>
-        <p:spPr>
-          <a:xfrm>
-            <a:off x="5891530" y="255905"/>
-            <a:ext cx="6096000" cy="6408420"/>
-          </a:xfrm>
-          <a:prstGeom prst="rect">
-            <a:avLst/>
-          </a:prstGeom>
-          <a:noFill/>
-        </p:spPr>
-        <p:txBody>
-          <a:bodyPr wrap="square" rtlCol="0" anchor="t">
-            <a:spAutoFit/>
-          </a:bodyPr>
-          <a:p>
-            <a:pPr marL="0" indent="0">
-              <a:spcBef>
-                <a:spcPct val="0"/>
-              </a:spcBef>
-              <a:spcAft>
-                <a:spcPct val="0"/>
-              </a:spcAft>
-              <a:buFont typeface="Arial" panose="020B0604020202020204"/>
-              <a:buChar char="•"/>
-            </a:pPr>
-            <a:r>
-              <a:rPr sz="1600" b="1">
-                <a:solidFill>
-                  <a:srgbClr val="001D35"/>
-                </a:solidFill>
-                <a:latin typeface="Arial" panose="020B0604020202020204" pitchFamily="34" charset="0"/>
-                <a:ea typeface="Google Sans"/>
-                <a:cs typeface="Arial" panose="020B0604020202020204" pitchFamily="34" charset="0"/>
-                <a:sym typeface="+mn-ea"/>
-              </a:rPr>
-              <a:t>Benefits:</a:t>
-            </a:r>
-            <a:endParaRPr sz="1600" b="1" i="0">
-              <a:solidFill>
-                <a:srgbClr val="001D35"/>
-              </a:solidFill>
-              <a:latin typeface="Arial" panose="020B0604020202020204" pitchFamily="34" charset="0"/>
-              <a:ea typeface="Google Sans"/>
-              <a:cs typeface="Arial" panose="020B0604020202020204" pitchFamily="34" charset="0"/>
-            </a:endParaRPr>
-          </a:p>
-          <a:p>
-            <a:pPr marL="0" lvl="1" indent="0">
-              <a:spcBef>
-                <a:spcPct val="0"/>
-              </a:spcBef>
-              <a:spcAft>
-                <a:spcPts val="400"/>
-              </a:spcAft>
-              <a:buFont typeface="Arial" panose="020B0604020202020204"/>
-              <a:buChar char="◦"/>
-            </a:pPr>
-            <a:r>
-              <a:rPr sz="1600">
-                <a:solidFill>
-                  <a:srgbClr val="001D35"/>
-                </a:solidFill>
-                <a:latin typeface="Arial" panose="020B0604020202020204" pitchFamily="34" charset="0"/>
-                <a:ea typeface="Google Sans"/>
-                <a:cs typeface="Arial" panose="020B0604020202020204" pitchFamily="34" charset="0"/>
-                <a:sym typeface="+mn-ea"/>
-              </a:rPr>
-              <a:t>Faster Convergence: The momentum term helps the algorithm move more quickly in the correct direction, leading to faster convergence compared to standard SGD. </a:t>
-            </a:r>
-            <a:endParaRPr sz="1600" b="0" i="0">
-              <a:solidFill>
-                <a:srgbClr val="001D35"/>
-              </a:solidFill>
-              <a:latin typeface="Arial" panose="020B0604020202020204" pitchFamily="34" charset="0"/>
-              <a:ea typeface="Google Sans"/>
-              <a:cs typeface="Arial" panose="020B0604020202020204" pitchFamily="34" charset="0"/>
-            </a:endParaRPr>
-          </a:p>
-          <a:p>
-            <a:pPr marL="0" lvl="1" indent="0">
-              <a:spcBef>
-                <a:spcPct val="0"/>
-              </a:spcBef>
-              <a:spcAft>
-                <a:spcPts val="400"/>
-              </a:spcAft>
-              <a:buFont typeface="Arial" panose="020B0604020202020204"/>
-              <a:buChar char="◦"/>
-            </a:pPr>
-            <a:r>
-              <a:rPr sz="1600">
-                <a:solidFill>
-                  <a:srgbClr val="001D35"/>
-                </a:solidFill>
-                <a:latin typeface="Arial" panose="020B0604020202020204" pitchFamily="34" charset="0"/>
-                <a:ea typeface="Google Sans"/>
-                <a:cs typeface="Arial" panose="020B0604020202020204" pitchFamily="34" charset="0"/>
-                <a:sym typeface="+mn-ea"/>
-              </a:rPr>
-              <a:t>Dampens Oscillations: By smoothing out the updates, momentum helps reduce the oscillations and noisy behavior that can occur in standard SGD. </a:t>
-            </a:r>
-            <a:endParaRPr sz="1600" b="0" i="0">
-              <a:solidFill>
-                <a:srgbClr val="001D35"/>
-              </a:solidFill>
-              <a:latin typeface="Arial" panose="020B0604020202020204" pitchFamily="34" charset="0"/>
-              <a:ea typeface="Google Sans"/>
-              <a:cs typeface="Arial" panose="020B0604020202020204" pitchFamily="34" charset="0"/>
-            </a:endParaRPr>
-          </a:p>
-          <a:p>
-            <a:pPr marL="0" lvl="1" indent="0">
-              <a:spcBef>
-                <a:spcPct val="0"/>
-              </a:spcBef>
-              <a:spcAft>
-                <a:spcPct val="0"/>
-              </a:spcAft>
-              <a:buFont typeface="Arial" panose="020B0604020202020204"/>
-              <a:buChar char="◦"/>
-            </a:pPr>
-            <a:r>
-              <a:rPr sz="1600">
-                <a:solidFill>
-                  <a:srgbClr val="001D35"/>
-                </a:solidFill>
-                <a:latin typeface="Arial" panose="020B0604020202020204" pitchFamily="34" charset="0"/>
-                <a:ea typeface="Google Sans"/>
-                <a:cs typeface="Arial" panose="020B0604020202020204" pitchFamily="34" charset="0"/>
-                <a:sym typeface="+mn-ea"/>
-              </a:rPr>
-              <a:t>Escaping Local Minima: The momentum can help the algorithm "jump" over small bumps or local minima, leading to a better chance of finding the global minimum. </a:t>
-            </a:r>
-            <a:endParaRPr sz="1600" b="0" i="0">
-              <a:solidFill>
-                <a:srgbClr val="001D35"/>
-              </a:solidFill>
-              <a:latin typeface="Arial" panose="020B0604020202020204" pitchFamily="34" charset="0"/>
-              <a:ea typeface="Google Sans"/>
-              <a:cs typeface="Arial" panose="020B0604020202020204" pitchFamily="34" charset="0"/>
-            </a:endParaRPr>
-          </a:p>
-          <a:p>
-            <a:pPr marL="0" indent="0">
-              <a:spcBef>
-                <a:spcPts val="1000"/>
-              </a:spcBef>
-              <a:spcAft>
-                <a:spcPts val="500"/>
-              </a:spcAft>
-            </a:pPr>
-            <a:r>
-              <a:rPr sz="1600" b="1">
-                <a:solidFill>
-                  <a:srgbClr val="001D35"/>
-                </a:solidFill>
-                <a:latin typeface="Arial" panose="020B0604020202020204" pitchFamily="34" charset="0"/>
-                <a:ea typeface="Google Sans"/>
-                <a:cs typeface="Arial" panose="020B0604020202020204" pitchFamily="34" charset="0"/>
-                <a:sym typeface="+mn-ea"/>
-              </a:rPr>
-              <a:t>Key Concepts:</a:t>
-            </a:r>
-            <a:endParaRPr sz="1600" b="1" i="0">
-              <a:solidFill>
-                <a:srgbClr val="001D35"/>
-              </a:solidFill>
-              <a:latin typeface="Arial" panose="020B0604020202020204" pitchFamily="34" charset="0"/>
-              <a:ea typeface="Google Sans"/>
-              <a:cs typeface="Arial" panose="020B0604020202020204" pitchFamily="34" charset="0"/>
-            </a:endParaRPr>
-          </a:p>
-          <a:p>
-            <a:pPr marL="0" indent="0">
-              <a:spcBef>
-                <a:spcPct val="0"/>
-              </a:spcBef>
-              <a:spcAft>
-                <a:spcPts val="400"/>
-              </a:spcAft>
-              <a:buFont typeface="Arial" panose="020B0604020202020204"/>
-              <a:buChar char="•"/>
-            </a:pPr>
-            <a:r>
-              <a:rPr sz="1600" b="1">
-                <a:solidFill>
-                  <a:srgbClr val="001D35"/>
-                </a:solidFill>
-                <a:latin typeface="Arial" panose="020B0604020202020204" pitchFamily="34" charset="0"/>
-                <a:ea typeface="Google Sans"/>
-                <a:cs typeface="Arial" panose="020B0604020202020204" pitchFamily="34" charset="0"/>
-                <a:sym typeface="+mn-ea"/>
-              </a:rPr>
-              <a:t>Momentum Parameter (β):</a:t>
-            </a:r>
-            <a:r>
-              <a:rPr sz="1600">
-                <a:solidFill>
-                  <a:srgbClr val="001D35"/>
-                </a:solidFill>
-                <a:latin typeface="Arial" panose="020B0604020202020204" pitchFamily="34" charset="0"/>
-                <a:ea typeface="Google Sans"/>
-                <a:cs typeface="Arial" panose="020B0604020202020204" pitchFamily="34" charset="0"/>
-                <a:sym typeface="+mn-ea"/>
-              </a:rPr>
-              <a:t> A hyperparameter that controls the strength of the momentum term. It's typically a value between 0 and 1.</a:t>
-            </a:r>
-            <a:endParaRPr sz="1600" b="0" i="0">
-              <a:solidFill>
-                <a:srgbClr val="001D35"/>
-              </a:solidFill>
-              <a:latin typeface="Arial" panose="020B0604020202020204" pitchFamily="34" charset="0"/>
-              <a:ea typeface="Google Sans"/>
-              <a:cs typeface="Arial" panose="020B0604020202020204" pitchFamily="34" charset="0"/>
-            </a:endParaRPr>
-          </a:p>
-          <a:p>
-            <a:pPr marL="0" indent="0">
-              <a:spcBef>
-                <a:spcPct val="0"/>
-              </a:spcBef>
-              <a:spcAft>
-                <a:spcPts val="400"/>
-              </a:spcAft>
-              <a:buFont typeface="Arial" panose="020B0604020202020204"/>
-              <a:buChar char="•"/>
-            </a:pPr>
-            <a:r>
-              <a:rPr sz="1600" b="1">
-                <a:solidFill>
-                  <a:srgbClr val="001D35"/>
-                </a:solidFill>
-                <a:latin typeface="Arial" panose="020B0604020202020204" pitchFamily="34" charset="0"/>
-                <a:ea typeface="Google Sans"/>
-                <a:cs typeface="Arial" panose="020B0604020202020204" pitchFamily="34" charset="0"/>
-                <a:sym typeface="+mn-ea"/>
-              </a:rPr>
-              <a:t>Velocity (v)</a:t>
-            </a:r>
-            <a:r>
-              <a:rPr sz="1600">
-                <a:solidFill>
-                  <a:srgbClr val="001D35"/>
-                </a:solidFill>
-                <a:latin typeface="Arial" panose="020B0604020202020204" pitchFamily="34" charset="0"/>
-                <a:ea typeface="Google Sans"/>
-                <a:cs typeface="Arial" panose="020B0604020202020204" pitchFamily="34" charset="0"/>
-                <a:sym typeface="+mn-ea"/>
-              </a:rPr>
-              <a:t>: A vector that stores the accumulated momentum, initialized to zero.</a:t>
-            </a:r>
-            <a:endParaRPr sz="1600" b="0" i="0">
-              <a:solidFill>
-                <a:srgbClr val="001D35"/>
-              </a:solidFill>
-              <a:latin typeface="Arial" panose="020B0604020202020204" pitchFamily="34" charset="0"/>
-              <a:ea typeface="Google Sans"/>
-              <a:cs typeface="Arial" panose="020B0604020202020204" pitchFamily="34" charset="0"/>
-            </a:endParaRPr>
-          </a:p>
-          <a:p>
-            <a:pPr marL="0" indent="0">
-              <a:spcBef>
-                <a:spcPct val="0"/>
-              </a:spcBef>
-              <a:spcAft>
-                <a:spcPct val="0"/>
-              </a:spcAft>
-              <a:buFont typeface="Arial" panose="020B0604020202020204"/>
-              <a:buChar char="•"/>
-            </a:pPr>
-            <a:r>
-              <a:rPr sz="1600" b="1">
-                <a:solidFill>
-                  <a:srgbClr val="001D35"/>
-                </a:solidFill>
-                <a:latin typeface="Arial" panose="020B0604020202020204" pitchFamily="34" charset="0"/>
-                <a:ea typeface="Google Sans"/>
-                <a:cs typeface="Arial" panose="020B0604020202020204" pitchFamily="34" charset="0"/>
-                <a:sym typeface="+mn-ea"/>
-              </a:rPr>
-              <a:t>Update Rule: </a:t>
-            </a:r>
-            <a:r>
-              <a:rPr sz="1600">
-                <a:solidFill>
-                  <a:srgbClr val="001D35"/>
-                </a:solidFill>
-                <a:latin typeface="Arial" panose="020B0604020202020204" pitchFamily="34" charset="0"/>
-                <a:ea typeface="Google Sans"/>
-                <a:cs typeface="Arial" panose="020B0604020202020204" pitchFamily="34" charset="0"/>
-                <a:sym typeface="+mn-ea"/>
-              </a:rPr>
-              <a:t>The model parameters are updated based on the current gradient and the velocity (momentum). </a:t>
-            </a:r>
-            <a:endParaRPr sz="1600" b="0" i="0">
-              <a:solidFill>
-                <a:srgbClr val="001D35"/>
-              </a:solidFill>
-              <a:latin typeface="Arial" panose="020B0604020202020204" pitchFamily="34" charset="0"/>
-              <a:ea typeface="Google Sans"/>
-              <a:cs typeface="Arial" panose="020B0604020202020204" pitchFamily="34" charset="0"/>
-            </a:endParaRPr>
-          </a:p>
-          <a:p>
-            <a:pPr marL="0" indent="0">
-              <a:spcBef>
-                <a:spcPts val="1000"/>
-              </a:spcBef>
-              <a:spcAft>
-                <a:spcPts val="500"/>
-              </a:spcAft>
-            </a:pPr>
-            <a:r>
-              <a:rPr sz="1600" b="1">
-                <a:solidFill>
-                  <a:srgbClr val="001D35"/>
-                </a:solidFill>
-                <a:latin typeface="Arial" panose="020B0604020202020204" pitchFamily="34" charset="0"/>
-                <a:ea typeface="Google Sans"/>
-                <a:cs typeface="Arial" panose="020B0604020202020204" pitchFamily="34" charset="0"/>
-                <a:sym typeface="+mn-ea"/>
-              </a:rPr>
-              <a:t>In Summary:</a:t>
-            </a:r>
-            <a:endParaRPr sz="1600" b="1" i="0">
-              <a:solidFill>
-                <a:srgbClr val="001D35"/>
-              </a:solidFill>
-              <a:latin typeface="Arial" panose="020B0604020202020204" pitchFamily="34" charset="0"/>
-              <a:ea typeface="Google Sans"/>
-              <a:cs typeface="Arial" panose="020B0604020202020204" pitchFamily="34" charset="0"/>
-            </a:endParaRPr>
-          </a:p>
-          <a:p>
-            <a:pPr marL="0" indent="0">
-              <a:spcBef>
-                <a:spcPts val="500"/>
-              </a:spcBef>
-              <a:spcAft>
-                <a:spcPts val="1000"/>
-              </a:spcAft>
-            </a:pPr>
-            <a:r>
-              <a:rPr sz="1600">
-                <a:solidFill>
-                  <a:srgbClr val="001D35"/>
-                </a:solidFill>
-                <a:latin typeface="Arial" panose="020B0604020202020204" pitchFamily="34" charset="0"/>
-                <a:ea typeface="Google Sans"/>
-                <a:cs typeface="Arial" panose="020B0604020202020204" pitchFamily="34" charset="0"/>
-                <a:sym typeface="+mn-ea"/>
-              </a:rPr>
-              <a:t>SGDM is a powerful optimization algorithm that builds upon SGD by incorporating a momentum term. This momentum helps the algorithm converge faster and more stably, making it a popular choice for training deep learning models. </a:t>
-            </a:r>
-            <a:endParaRPr lang="en-US" sz="1600">
-              <a:solidFill>
-                <a:srgbClr val="001D35"/>
-              </a:solidFill>
-              <a:latin typeface="Arial" panose="020B0604020202020204" pitchFamily="34" charset="0"/>
-              <a:ea typeface="Google Sans"/>
-              <a:cs typeface="Arial" panose="020B0604020202020204" pitchFamily="34" charset="0"/>
-              <a:sym typeface="+mn-ea"/>
-            </a:endParaRPr>
-          </a:p>
-        </p:txBody>
-      </p:sp>
-    </p:spTree>
-  </p:cSld>
-  <p:clrMapOvr>
-    <a:masterClrMapping/>
-  </p:clrMapOvr>
-</p:sld>
-</file>
-
-<file path=ppt/slides/slide52.xml><?xml version="1.0" encoding="utf-8"?>
-<p:sld xmlns:a="http://schemas.openxmlformats.org/drawingml/2006/main" xmlns:r="http://schemas.openxmlformats.org/officeDocument/2006/relationships" xmlns:p="http://schemas.openxmlformats.org/presentationml/2006/main">
-  <p:cSld>
-    <p:spTree>
-      <p:nvGrpSpPr>
-        <p:cNvPr id="1" name=""/>
-        <p:cNvGrpSpPr/>
-        <p:nvPr/>
-      </p:nvGrpSpPr>
-      <p:grpSpPr/>
-      <p:pic>
-        <p:nvPicPr>
           <p:cNvPr id="2" name="Picture 1" descr="Screenshot (349)"/>
           <p:cNvPicPr>
             <a:picLocks noChangeAspect="1"/>
@@ -23280,7 +23084,7 @@
 </p:sld>
 </file>
 
-<file path=ppt/slides/slide53.xml><?xml version="1.0" encoding="utf-8"?>
+<file path=ppt/slides/slide51.xml><?xml version="1.0" encoding="utf-8"?>
 <p:sld xmlns:a="http://schemas.openxmlformats.org/drawingml/2006/main" xmlns:r="http://schemas.openxmlformats.org/officeDocument/2006/relationships" xmlns:p="http://schemas.openxmlformats.org/presentationml/2006/main">
   <p:cSld>
     <p:spTree>
@@ -23564,7 +23368,7 @@
 </p:sld>
 </file>
 
-<file path=ppt/slides/slide54.xml><?xml version="1.0" encoding="utf-8"?>
+<file path=ppt/slides/slide52.xml><?xml version="1.0" encoding="utf-8"?>
 <p:sld xmlns:a="http://schemas.openxmlformats.org/drawingml/2006/main" xmlns:r="http://schemas.openxmlformats.org/officeDocument/2006/relationships" xmlns:p="http://schemas.openxmlformats.org/presentationml/2006/main">
   <p:cSld>
     <p:spTree>
@@ -23921,7 +23725,7 @@
 </p:sld>
 </file>
 
-<file path=ppt/slides/slide55.xml><?xml version="1.0" encoding="utf-8"?>
+<file path=ppt/slides/slide53.xml><?xml version="1.0" encoding="utf-8"?>
 <p:sld xmlns:a="http://schemas.openxmlformats.org/drawingml/2006/main" xmlns:r="http://schemas.openxmlformats.org/officeDocument/2006/relationships" xmlns:p="http://schemas.openxmlformats.org/presentationml/2006/main">
   <p:cSld>
     <p:spTree>
@@ -24109,6 +23913,35 @@
           </a:p>
         </p:txBody>
       </p:sp>
+      <p:sp>
+        <p:nvSpPr>
+          <p:cNvPr id="5" name="Text Box 4"/>
+          <p:cNvSpPr txBox="1"/>
+          <p:nvPr/>
+        </p:nvSpPr>
+        <p:spPr>
+          <a:xfrm>
+            <a:off x="629920" y="6023610"/>
+            <a:ext cx="8587105" cy="368300"/>
+          </a:xfrm>
+          <a:prstGeom prst="rect">
+            <a:avLst/>
+          </a:prstGeom>
+          <a:noFill/>
+        </p:spPr>
+        <p:txBody>
+          <a:bodyPr wrap="square" rtlCol="0" anchor="t">
+            <a:spAutoFit/>
+          </a:bodyPr>
+          <a:p>
+            <a:r>
+              <a:rPr lang="en-US" altLang="en-US"/>
+              <a:t>https://www.geeksforgeeks.org/deep-learning/adam-optimizer/</a:t>
+            </a:r>
+            <a:endParaRPr lang="en-US"/>
+          </a:p>
+        </p:txBody>
+      </p:sp>
     </p:spTree>
   </p:cSld>
   <p:clrMapOvr>
@@ -24117,7 +23950,7 @@
 </p:sld>
 </file>
 
-<file path=ppt/slides/slide56.xml><?xml version="1.0" encoding="utf-8"?>
+<file path=ppt/slides/slide54.xml><?xml version="1.0" encoding="utf-8"?>
 <p:sld xmlns:a="http://schemas.openxmlformats.org/drawingml/2006/main" xmlns:r="http://schemas.openxmlformats.org/officeDocument/2006/relationships" xmlns:p="http://schemas.openxmlformats.org/presentationml/2006/main">
   <p:cSld>
     <p:spTree>
@@ -24743,7 +24576,7 @@
 </p:sld>
 </file>
 
-<file path=ppt/slides/slide57.xml><?xml version="1.0" encoding="utf-8"?>
+<file path=ppt/slides/slide55.xml><?xml version="1.0" encoding="utf-8"?>
 <p:sld xmlns:a="http://schemas.openxmlformats.org/drawingml/2006/main" xmlns:r="http://schemas.openxmlformats.org/officeDocument/2006/relationships" xmlns:p="http://schemas.openxmlformats.org/presentationml/2006/main">
   <p:cSld>
     <p:spTree>
@@ -25254,7 +25087,7 @@
         <p:spPr>
           <a:xfrm>
             <a:off x="1758950" y="6174105"/>
-            <a:ext cx="10136505" cy="368300"/>
+            <a:ext cx="6297295" cy="368300"/>
           </a:xfrm>
           <a:prstGeom prst="rect">
             <a:avLst/>
@@ -25674,8 +25507,8 @@
         </p:nvSpPr>
         <p:spPr>
           <a:xfrm>
-            <a:off x="738505" y="5370195"/>
-            <a:ext cx="9453880" cy="583565"/>
+            <a:off x="510540" y="5370195"/>
+            <a:ext cx="11322050" cy="583565"/>
           </a:xfrm>
           <a:prstGeom prst="rect">
             <a:avLst/>
@@ -25696,64 +25529,6 @@
             <a:endParaRPr lang="en-US" sz="1600">
               <a:sym typeface="+mn-ea"/>
             </a:endParaRPr>
-          </a:p>
-        </p:txBody>
-      </p:sp>
-      <p:sp>
-        <p:nvSpPr>
-          <p:cNvPr id="2" name="Text Box 1"/>
-          <p:cNvSpPr txBox="1"/>
-          <p:nvPr/>
-        </p:nvSpPr>
-        <p:spPr>
-          <a:xfrm>
-            <a:off x="633095" y="6054725"/>
-            <a:ext cx="9649460" cy="368300"/>
-          </a:xfrm>
-          <a:prstGeom prst="rect">
-            <a:avLst/>
-          </a:prstGeom>
-          <a:noFill/>
-        </p:spPr>
-        <p:txBody>
-          <a:bodyPr wrap="square" rtlCol="0" anchor="t">
-            <a:spAutoFit/>
-          </a:bodyPr>
-          <a:p>
-            <a:r>
-              <a:rPr lang="en-US" altLang="en-US"/>
-              <a:t>https://www.geeksforgeeks.org/hinge-loss-relationship-with-support-vector-machines/</a:t>
-            </a:r>
-            <a:endParaRPr lang="en-US"/>
-          </a:p>
-        </p:txBody>
-      </p:sp>
-      <p:sp>
-        <p:nvSpPr>
-          <p:cNvPr id="6" name="Text Box 5"/>
-          <p:cNvSpPr txBox="1"/>
-          <p:nvPr/>
-        </p:nvSpPr>
-        <p:spPr>
-          <a:xfrm>
-            <a:off x="398780" y="6423025"/>
-            <a:ext cx="6096000" cy="645160"/>
-          </a:xfrm>
-          <a:prstGeom prst="rect">
-            <a:avLst/>
-          </a:prstGeom>
-          <a:noFill/>
-        </p:spPr>
-        <p:txBody>
-          <a:bodyPr wrap="square" rtlCol="0" anchor="t">
-            <a:spAutoFit/>
-          </a:bodyPr>
-          <a:p>
-            <a:r>
-              <a:rPr lang="en-US" altLang="en-US"/>
-              <a:t>https://medium.com/@devcharlie2698619/understanding-huber-loss-function-insights-from-applications-5c1c5145d2c4</a:t>
-            </a:r>
-            <a:endParaRPr lang="en-US"/>
           </a:p>
         </p:txBody>
       </p:sp>
@@ -25794,8 +25569,8 @@
         </p:nvSpPr>
         <p:spPr>
           <a:xfrm>
-            <a:off x="511175" y="5039995"/>
-            <a:ext cx="9680575" cy="368300"/>
+            <a:off x="192405" y="5845810"/>
+            <a:ext cx="11845290" cy="1198880"/>
           </a:xfrm>
           <a:prstGeom prst="rect">
             <a:avLst/>
@@ -25807,10 +25582,47 @@
             <a:spAutoFit/>
           </a:bodyPr>
           <a:p>
+            <a:pPr marL="285750" indent="-285750">
+              <a:buFont typeface="Arial" panose="020B0604020202020204" pitchFamily="34" charset="0"/>
+              <a:buChar char="•"/>
+            </a:pPr>
             <a:r>
               <a:rPr lang="en-US" altLang="en-US"/>
               <a:t>https://medium.com/data-science/optimization-loss-function-under-the-hood-part-iii-5dff33fa015d</a:t>
             </a:r>
+            <a:endParaRPr lang="en-US" altLang="en-US"/>
+          </a:p>
+          <a:p>
+            <a:pPr marL="285750" indent="-285750">
+              <a:buFont typeface="Arial" panose="020B0604020202020204" pitchFamily="34" charset="0"/>
+              <a:buChar char="•"/>
+            </a:pPr>
+            <a:r>
+              <a:rPr lang="en-US" altLang="en-US">
+                <a:sym typeface="+mn-ea"/>
+              </a:rPr>
+              <a:t>https://medium.com/@devcharlie2698619/understanding-huber-loss-function-insights-from-applications-5c1c5145d2c4</a:t>
+            </a:r>
+            <a:endParaRPr lang="en-US" altLang="en-US"/>
+          </a:p>
+          <a:p>
+            <a:pPr marL="285750" indent="-285750">
+              <a:buFont typeface="Arial" panose="020B0604020202020204" pitchFamily="34" charset="0"/>
+              <a:buChar char="•"/>
+            </a:pPr>
+            <a:r>
+              <a:rPr lang="en-US" altLang="en-US">
+                <a:sym typeface="+mn-ea"/>
+              </a:rPr>
+              <a:t>https://www.geeksforgeeks.org/hinge-loss-relationship-with-support-vector-machines/</a:t>
+            </a:r>
+            <a:endParaRPr lang="en-US"/>
+          </a:p>
+          <a:p>
+            <a:pPr marL="285750" indent="-285750">
+              <a:buFont typeface="Arial" panose="020B0604020202020204" pitchFamily="34" charset="0"/>
+              <a:buChar char="•"/>
+            </a:pPr>
             <a:endParaRPr lang="en-US"/>
           </a:p>
         </p:txBody>

--- a/9.Deep_learning/class_3_module_9_deep learning_Loss_Functions Gradient Descent.pptx
+++ b/9.Deep_learning/class_3_module_9_deep learning_Loss_Functions Gradient Descent.pptx
@@ -10654,7 +10654,7 @@
         </p:nvGraphicFramePr>
         <p:xfrm>
           <a:off x="199390" y="461328"/>
-          <a:ext cx="10485120" cy="0"/>
+          <a:ext cx="10485120" cy="491490"/>
         </p:xfrm>
         <a:graphic>
           <a:graphicData uri="http://schemas.openxmlformats.org/drawingml/2006/table">
@@ -12836,8 +12836,8 @@
         </p:nvSpPr>
         <p:spPr>
           <a:xfrm>
-            <a:off x="294005" y="1778000"/>
-            <a:ext cx="9720580" cy="3020060"/>
+            <a:off x="294005" y="1918970"/>
+            <a:ext cx="7740015" cy="3020060"/>
           </a:xfrm>
           <a:prstGeom prst="rect">
             <a:avLst/>
@@ -25133,8 +25133,8 @@
         </p:nvSpPr>
         <p:spPr>
           <a:xfrm>
-            <a:off x="398780" y="284480"/>
-            <a:ext cx="5976620" cy="4755515"/>
+            <a:off x="90170" y="284480"/>
+            <a:ext cx="6104890" cy="4755515"/>
           </a:xfrm>
           <a:prstGeom prst="rect">
             <a:avLst/>
@@ -25540,8 +25540,8 @@
         </p:nvSpPr>
         <p:spPr>
           <a:xfrm>
-            <a:off x="5003165" y="4507230"/>
-            <a:ext cx="6096000" cy="645160"/>
+            <a:off x="1709420" y="5039995"/>
+            <a:ext cx="9299575" cy="368300"/>
           </a:xfrm>
           <a:prstGeom prst="rect">
             <a:avLst/>
